--- a/images/Bignum Presentation.pptx
+++ b/images/Bignum Presentation.pptx
@@ -9,16 +9,23 @@
     <p:sldId id="265" r:id="rId3"/>
     <p:sldId id="268" r:id="rId4"/>
     <p:sldId id="256" r:id="rId5"/>
-    <p:sldId id="257" r:id="rId6"/>
-    <p:sldId id="262" r:id="rId7"/>
-    <p:sldId id="258" r:id="rId8"/>
-    <p:sldId id="259" r:id="rId9"/>
-    <p:sldId id="260" r:id="rId10"/>
-    <p:sldId id="266" r:id="rId11"/>
-    <p:sldId id="261" r:id="rId12"/>
-    <p:sldId id="269" r:id="rId13"/>
-    <p:sldId id="270" r:id="rId14"/>
-    <p:sldId id="271" r:id="rId15"/>
+    <p:sldId id="279" r:id="rId6"/>
+    <p:sldId id="257" r:id="rId7"/>
+    <p:sldId id="281" r:id="rId8"/>
+    <p:sldId id="262" r:id="rId9"/>
+    <p:sldId id="274" r:id="rId10"/>
+    <p:sldId id="275" r:id="rId11"/>
+    <p:sldId id="276" r:id="rId12"/>
+    <p:sldId id="277" r:id="rId13"/>
+    <p:sldId id="273" r:id="rId14"/>
+    <p:sldId id="258" r:id="rId15"/>
+    <p:sldId id="259" r:id="rId16"/>
+    <p:sldId id="260" r:id="rId17"/>
+    <p:sldId id="266" r:id="rId18"/>
+    <p:sldId id="261" r:id="rId19"/>
+    <p:sldId id="280" r:id="rId20"/>
+    <p:sldId id="270" r:id="rId21"/>
+    <p:sldId id="271" r:id="rId22"/>
   </p:sldIdLst>
   <p:sldSz cx="12192000" cy="6858000"/>
   <p:notesSz cx="6858000" cy="9144000"/>
@@ -256,7 +263,7 @@
           <a:p>
             <a:fld id="{034A5A26-D430-4427-BC2E-2DCABB5AB00F}" type="datetimeFigureOut">
               <a:rPr lang="en-US" smtClean="0"/>
-              <a:t>7/17/2015</a:t>
+              <a:t>7/21/2015</a:t>
             </a:fld>
             <a:endParaRPr lang="en-US"/>
           </a:p>
@@ -426,7 +433,7 @@
           <a:p>
             <a:fld id="{034A5A26-D430-4427-BC2E-2DCABB5AB00F}" type="datetimeFigureOut">
               <a:rPr lang="en-US" smtClean="0"/>
-              <a:t>7/17/2015</a:t>
+              <a:t>7/21/2015</a:t>
             </a:fld>
             <a:endParaRPr lang="en-US"/>
           </a:p>
@@ -606,7 +613,7 @@
           <a:p>
             <a:fld id="{034A5A26-D430-4427-BC2E-2DCABB5AB00F}" type="datetimeFigureOut">
               <a:rPr lang="en-US" smtClean="0"/>
-              <a:t>7/17/2015</a:t>
+              <a:t>7/21/2015</a:t>
             </a:fld>
             <a:endParaRPr lang="en-US"/>
           </a:p>
@@ -776,7 +783,7 @@
           <a:p>
             <a:fld id="{034A5A26-D430-4427-BC2E-2DCABB5AB00F}" type="datetimeFigureOut">
               <a:rPr lang="en-US" smtClean="0"/>
-              <a:t>7/17/2015</a:t>
+              <a:t>7/21/2015</a:t>
             </a:fld>
             <a:endParaRPr lang="en-US"/>
           </a:p>
@@ -1022,7 +1029,7 @@
           <a:p>
             <a:fld id="{034A5A26-D430-4427-BC2E-2DCABB5AB00F}" type="datetimeFigureOut">
               <a:rPr lang="en-US" smtClean="0"/>
-              <a:t>7/17/2015</a:t>
+              <a:t>7/21/2015</a:t>
             </a:fld>
             <a:endParaRPr lang="en-US"/>
           </a:p>
@@ -1254,7 +1261,7 @@
           <a:p>
             <a:fld id="{034A5A26-D430-4427-BC2E-2DCABB5AB00F}" type="datetimeFigureOut">
               <a:rPr lang="en-US" smtClean="0"/>
-              <a:t>7/17/2015</a:t>
+              <a:t>7/21/2015</a:t>
             </a:fld>
             <a:endParaRPr lang="en-US"/>
           </a:p>
@@ -1621,7 +1628,7 @@
           <a:p>
             <a:fld id="{034A5A26-D430-4427-BC2E-2DCABB5AB00F}" type="datetimeFigureOut">
               <a:rPr lang="en-US" smtClean="0"/>
-              <a:t>7/17/2015</a:t>
+              <a:t>7/21/2015</a:t>
             </a:fld>
             <a:endParaRPr lang="en-US"/>
           </a:p>
@@ -1739,7 +1746,7 @@
           <a:p>
             <a:fld id="{034A5A26-D430-4427-BC2E-2DCABB5AB00F}" type="datetimeFigureOut">
               <a:rPr lang="en-US" smtClean="0"/>
-              <a:t>7/17/2015</a:t>
+              <a:t>7/21/2015</a:t>
             </a:fld>
             <a:endParaRPr lang="en-US"/>
           </a:p>
@@ -1834,7 +1841,7 @@
           <a:p>
             <a:fld id="{034A5A26-D430-4427-BC2E-2DCABB5AB00F}" type="datetimeFigureOut">
               <a:rPr lang="en-US" smtClean="0"/>
-              <a:t>7/17/2015</a:t>
+              <a:t>7/21/2015</a:t>
             </a:fld>
             <a:endParaRPr lang="en-US"/>
           </a:p>
@@ -2111,7 +2118,7 @@
           <a:p>
             <a:fld id="{034A5A26-D430-4427-BC2E-2DCABB5AB00F}" type="datetimeFigureOut">
               <a:rPr lang="en-US" smtClean="0"/>
-              <a:t>7/17/2015</a:t>
+              <a:t>7/21/2015</a:t>
             </a:fld>
             <a:endParaRPr lang="en-US"/>
           </a:p>
@@ -2364,7 +2371,7 @@
           <a:p>
             <a:fld id="{034A5A26-D430-4427-BC2E-2DCABB5AB00F}" type="datetimeFigureOut">
               <a:rPr lang="en-US" smtClean="0"/>
-              <a:t>7/17/2015</a:t>
+              <a:t>7/21/2015</a:t>
             </a:fld>
             <a:endParaRPr lang="en-US"/>
           </a:p>
@@ -2580,7 +2587,7 @@
           <a:p>
             <a:fld id="{034A5A26-D430-4427-BC2E-2DCABB5AB00F}" type="datetimeFigureOut">
               <a:rPr lang="en-US" smtClean="0"/>
-              <a:t>7/17/2015</a:t>
+              <a:t>7/21/2015</a:t>
             </a:fld>
             <a:endParaRPr lang="en-US"/>
           </a:p>
@@ -3045,24 +3052,32 @@
             <a:r>
               <a:rPr lang="en-US" sz="7200" b="1" dirty="0" err="1" smtClean="0">
                 <a:solidFill>
-                  <a:schemeClr val="accent2">
-                    <a:lumMod val="75000"/>
-                  </a:schemeClr>
+                  <a:srgbClr val="E65800"/>
                 </a:solidFill>
               </a:rPr>
               <a:t>Bignum</a:t>
             </a:r>
             <a:r>
-              <a:rPr lang="en-US" sz="7200" b="1" smtClean="0">
-                <a:solidFill>
-                  <a:schemeClr val="accent2">
-                    <a:lumMod val="75000"/>
-                  </a:schemeClr>
+              <a:rPr lang="en-US" sz="7200" b="1" dirty="0" smtClean="0">
+                <a:solidFill>
+                  <a:srgbClr val="E65800"/>
                 </a:solidFill>
               </a:rPr>
-              <a:t> Calculator</a:t>
-            </a:r>
-            <a:endParaRPr lang="en-US" sz="7200" b="1" dirty="0" smtClean="0"/>
+              <a:t> </a:t>
+            </a:r>
+            <a:r>
+              <a:rPr lang="en-US" sz="7200" b="1" dirty="0" smtClean="0">
+                <a:solidFill>
+                  <a:srgbClr val="E65800"/>
+                </a:solidFill>
+              </a:rPr>
+              <a:t>Calculator</a:t>
+            </a:r>
+            <a:endParaRPr lang="en-US" sz="7200" b="1" dirty="0" smtClean="0">
+              <a:solidFill>
+                <a:srgbClr val="E65800"/>
+              </a:solidFill>
+            </a:endParaRPr>
           </a:p>
         </p:txBody>
       </p:sp>
@@ -3127,8 +3142,15 @@
                   </a:schemeClr>
                 </a:solidFill>
               </a:rPr>
-              <a:t>Pollack</a:t>
-            </a:r>
+              <a:t>Pollack </a:t>
+            </a:r>
+            <a:endParaRPr lang="en-US" sz="3200" dirty="0" smtClean="0">
+              <a:solidFill>
+                <a:schemeClr val="accent1">
+                  <a:lumMod val="75000"/>
+                </a:schemeClr>
+              </a:solidFill>
+            </a:endParaRPr>
           </a:p>
         </p:txBody>
       </p:sp>
@@ -3155,6 +3177,20 @@
 <file path=ppt/slides/slide10.xml><?xml version="1.0" encoding="utf-8"?>
 <p:sld xmlns:a="http://schemas.openxmlformats.org/drawingml/2006/main" xmlns:r="http://schemas.openxmlformats.org/officeDocument/2006/relationships" xmlns:p="http://schemas.openxmlformats.org/presentationml/2006/main">
   <p:cSld>
+    <p:bg>
+      <p:bgPr>
+        <a:blipFill dpi="0" rotWithShape="1">
+          <a:blip r:embed="rId2">
+            <a:lum/>
+          </a:blip>
+          <a:srcRect/>
+          <a:stretch>
+            <a:fillRect/>
+          </a:stretch>
+        </a:blipFill>
+        <a:effectLst/>
+      </p:bgPr>
+    </p:bg>
     <p:spTree>
       <p:nvGrpSpPr>
         <p:cNvPr id="1" name=""/>
@@ -3169,52 +3205,16 @@
           <a:chExt cx="0" cy="0"/>
         </a:xfrm>
       </p:grpSpPr>
-      <p:sp>
-        <p:nvSpPr>
-          <p:cNvPr id="3" name="TextBox 2"/>
-          <p:cNvSpPr txBox="1"/>
-          <p:nvPr/>
-        </p:nvSpPr>
-        <p:spPr>
-          <a:xfrm>
-            <a:off x="651976" y="221635"/>
-            <a:ext cx="10867658" cy="584775"/>
-          </a:xfrm>
-          <a:prstGeom prst="rect">
-            <a:avLst/>
-          </a:prstGeom>
-          <a:noFill/>
-        </p:spPr>
-        <p:txBody>
-          <a:bodyPr wrap="square" rtlCol="0">
-            <a:spAutoFit/>
-          </a:bodyPr>
-          <a:lstStyle/>
-          <a:p>
-            <a:r>
-              <a:rPr lang="en-US" sz="3200" b="1" dirty="0" smtClean="0">
-                <a:solidFill>
-                  <a:schemeClr val="accent2">
-                    <a:lumMod val="75000"/>
-                  </a:schemeClr>
-                </a:solidFill>
-              </a:rPr>
-              <a:t>Float Constructor</a:t>
-            </a:r>
-            <a:endParaRPr lang="en-US" sz="3200" b="1" dirty="0" smtClean="0"/>
-          </a:p>
-        </p:txBody>
-      </p:sp>
       <p:pic>
         <p:nvPicPr>
-          <p:cNvPr id="5" name="Picture 4"/>
+          <p:cNvPr id="3" name="Picture 2"/>
           <p:cNvPicPr>
             <a:picLocks noChangeAspect="1"/>
           </p:cNvPicPr>
           <p:nvPr/>
         </p:nvPicPr>
         <p:blipFill>
-          <a:blip r:embed="rId2">
+          <a:blip r:embed="rId3">
             <a:extLst>
               <a:ext uri="{28A0092B-C50C-407E-A947-70E740481C1C}">
                 <a14:useLocalDpi xmlns:a14="http://schemas.microsoft.com/office/drawing/2010/main" val="0"/>
@@ -3227,14 +3227,776 @@
         </p:blipFill>
         <p:spPr>
           <a:xfrm>
-            <a:off x="6827831" y="5366084"/>
-            <a:ext cx="5271494" cy="1385850"/>
+            <a:off x="2334468" y="3284678"/>
+            <a:ext cx="7259409" cy="3254668"/>
           </a:xfrm>
           <a:prstGeom prst="rect">
             <a:avLst/>
           </a:prstGeom>
         </p:spPr>
       </p:pic>
+    </p:spTree>
+    <p:extLst>
+      <p:ext uri="{BB962C8B-B14F-4D97-AF65-F5344CB8AC3E}">
+        <p14:creationId xmlns:p14="http://schemas.microsoft.com/office/powerpoint/2010/main" val="2026776880"/>
+      </p:ext>
+    </p:extLst>
+  </p:cSld>
+  <p:clrMapOvr>
+    <a:masterClrMapping/>
+  </p:clrMapOvr>
+  <p:timing>
+    <p:tnLst>
+      <p:par>
+        <p:cTn id="1" dur="indefinite" restart="never" nodeType="tmRoot"/>
+      </p:par>
+    </p:tnLst>
+  </p:timing>
+</p:sld>
+</file>
+
+<file path=ppt/slides/slide11.xml><?xml version="1.0" encoding="utf-8"?>
+<p:sld xmlns:a="http://schemas.openxmlformats.org/drawingml/2006/main" xmlns:r="http://schemas.openxmlformats.org/officeDocument/2006/relationships" xmlns:p="http://schemas.openxmlformats.org/presentationml/2006/main">
+  <p:cSld>
+    <p:bg>
+      <p:bgPr>
+        <a:blipFill dpi="0" rotWithShape="1">
+          <a:blip r:embed="rId2">
+            <a:lum/>
+          </a:blip>
+          <a:srcRect/>
+          <a:stretch>
+            <a:fillRect/>
+          </a:stretch>
+        </a:blipFill>
+        <a:effectLst/>
+      </p:bgPr>
+    </p:bg>
+    <p:spTree>
+      <p:nvGrpSpPr>
+        <p:cNvPr id="1" name=""/>
+        <p:cNvGrpSpPr/>
+        <p:nvPr/>
+      </p:nvGrpSpPr>
+      <p:grpSpPr>
+        <a:xfrm>
+          <a:off x="0" y="0"/>
+          <a:ext cx="0" cy="0"/>
+          <a:chOff x="0" y="0"/>
+          <a:chExt cx="0" cy="0"/>
+        </a:xfrm>
+      </p:grpSpPr>
+      <p:pic>
+        <p:nvPicPr>
+          <p:cNvPr id="3" name="Picture 2"/>
+          <p:cNvPicPr>
+            <a:picLocks noChangeAspect="1"/>
+          </p:cNvPicPr>
+          <p:nvPr/>
+        </p:nvPicPr>
+        <p:blipFill>
+          <a:blip r:embed="rId3">
+            <a:extLst>
+              <a:ext uri="{28A0092B-C50C-407E-A947-70E740481C1C}">
+                <a14:useLocalDpi xmlns:a14="http://schemas.microsoft.com/office/drawing/2010/main" val="0"/>
+              </a:ext>
+            </a:extLst>
+          </a:blip>
+          <a:stretch>
+            <a:fillRect/>
+          </a:stretch>
+        </p:blipFill>
+        <p:spPr>
+          <a:xfrm>
+            <a:off x="2334469" y="3284678"/>
+            <a:ext cx="7259407" cy="3254667"/>
+          </a:xfrm>
+          <a:prstGeom prst="rect">
+            <a:avLst/>
+          </a:prstGeom>
+        </p:spPr>
+      </p:pic>
+    </p:spTree>
+    <p:extLst>
+      <p:ext uri="{BB962C8B-B14F-4D97-AF65-F5344CB8AC3E}">
+        <p14:creationId xmlns:p14="http://schemas.microsoft.com/office/powerpoint/2010/main" val="1407309580"/>
+      </p:ext>
+    </p:extLst>
+  </p:cSld>
+  <p:clrMapOvr>
+    <a:masterClrMapping/>
+  </p:clrMapOvr>
+  <p:timing>
+    <p:tnLst>
+      <p:par>
+        <p:cTn id="1" dur="indefinite" restart="never" nodeType="tmRoot"/>
+      </p:par>
+    </p:tnLst>
+  </p:timing>
+</p:sld>
+</file>
+
+<file path=ppt/slides/slide12.xml><?xml version="1.0" encoding="utf-8"?>
+<p:sld xmlns:a="http://schemas.openxmlformats.org/drawingml/2006/main" xmlns:r="http://schemas.openxmlformats.org/officeDocument/2006/relationships" xmlns:p="http://schemas.openxmlformats.org/presentationml/2006/main">
+  <p:cSld>
+    <p:bg>
+      <p:bgPr>
+        <a:blipFill dpi="0" rotWithShape="1">
+          <a:blip r:embed="rId2">
+            <a:lum/>
+          </a:blip>
+          <a:srcRect/>
+          <a:stretch>
+            <a:fillRect/>
+          </a:stretch>
+        </a:blipFill>
+        <a:effectLst/>
+      </p:bgPr>
+    </p:bg>
+    <p:spTree>
+      <p:nvGrpSpPr>
+        <p:cNvPr id="1" name=""/>
+        <p:cNvGrpSpPr/>
+        <p:nvPr/>
+      </p:nvGrpSpPr>
+      <p:grpSpPr>
+        <a:xfrm>
+          <a:off x="0" y="0"/>
+          <a:ext cx="0" cy="0"/>
+          <a:chOff x="0" y="0"/>
+          <a:chExt cx="0" cy="0"/>
+        </a:xfrm>
+      </p:grpSpPr>
+      <p:pic>
+        <p:nvPicPr>
+          <p:cNvPr id="3" name="Picture 2"/>
+          <p:cNvPicPr>
+            <a:picLocks noChangeAspect="1"/>
+          </p:cNvPicPr>
+          <p:nvPr/>
+        </p:nvPicPr>
+        <p:blipFill>
+          <a:blip r:embed="rId3">
+            <a:extLst>
+              <a:ext uri="{28A0092B-C50C-407E-A947-70E740481C1C}">
+                <a14:useLocalDpi xmlns:a14="http://schemas.microsoft.com/office/drawing/2010/main" val="0"/>
+              </a:ext>
+            </a:extLst>
+          </a:blip>
+          <a:stretch>
+            <a:fillRect/>
+          </a:stretch>
+        </p:blipFill>
+        <p:spPr>
+          <a:xfrm>
+            <a:off x="2334469" y="3284678"/>
+            <a:ext cx="7259407" cy="3254667"/>
+          </a:xfrm>
+          <a:prstGeom prst="rect">
+            <a:avLst/>
+          </a:prstGeom>
+        </p:spPr>
+      </p:pic>
+      <p:pic>
+        <p:nvPicPr>
+          <p:cNvPr id="6" name="Picture 5"/>
+          <p:cNvPicPr>
+            <a:picLocks noChangeAspect="1"/>
+          </p:cNvPicPr>
+          <p:nvPr/>
+        </p:nvPicPr>
+        <p:blipFill>
+          <a:blip r:embed="rId4">
+            <a:extLst>
+              <a:ext uri="{28A0092B-C50C-407E-A947-70E740481C1C}">
+                <a14:useLocalDpi xmlns:a14="http://schemas.microsoft.com/office/drawing/2010/main" val="0"/>
+              </a:ext>
+            </a:extLst>
+          </a:blip>
+          <a:stretch>
+            <a:fillRect/>
+          </a:stretch>
+        </p:blipFill>
+        <p:spPr>
+          <a:xfrm>
+            <a:off x="336929" y="565305"/>
+            <a:ext cx="11254487" cy="2261021"/>
+          </a:xfrm>
+          <a:prstGeom prst="rect">
+            <a:avLst/>
+          </a:prstGeom>
+        </p:spPr>
+      </p:pic>
+    </p:spTree>
+    <p:extLst>
+      <p:ext uri="{BB962C8B-B14F-4D97-AF65-F5344CB8AC3E}">
+        <p14:creationId xmlns:p14="http://schemas.microsoft.com/office/powerpoint/2010/main" val="552329521"/>
+      </p:ext>
+    </p:extLst>
+  </p:cSld>
+  <p:clrMapOvr>
+    <a:masterClrMapping/>
+  </p:clrMapOvr>
+  <p:timing>
+    <p:tnLst>
+      <p:par>
+        <p:cTn id="1" dur="indefinite" restart="never" nodeType="tmRoot"/>
+      </p:par>
+    </p:tnLst>
+  </p:timing>
+</p:sld>
+</file>
+
+<file path=ppt/slides/slide13.xml><?xml version="1.0" encoding="utf-8"?>
+<p:sld xmlns:a="http://schemas.openxmlformats.org/drawingml/2006/main" xmlns:r="http://schemas.openxmlformats.org/officeDocument/2006/relationships" xmlns:p="http://schemas.openxmlformats.org/presentationml/2006/main">
+  <p:cSld>
+    <p:bg>
+      <p:bgPr>
+        <a:blipFill dpi="0" rotWithShape="1">
+          <a:blip r:embed="rId3">
+            <a:lum/>
+          </a:blip>
+          <a:srcRect/>
+          <a:stretch>
+            <a:fillRect/>
+          </a:stretch>
+        </a:blipFill>
+        <a:effectLst/>
+      </p:bgPr>
+    </p:bg>
+    <p:spTree>
+      <p:nvGrpSpPr>
+        <p:cNvPr id="1" name=""/>
+        <p:cNvGrpSpPr/>
+        <p:nvPr/>
+      </p:nvGrpSpPr>
+      <p:grpSpPr>
+        <a:xfrm>
+          <a:off x="0" y="0"/>
+          <a:ext cx="0" cy="0"/>
+          <a:chOff x="0" y="0"/>
+          <a:chExt cx="0" cy="0"/>
+        </a:xfrm>
+      </p:grpSpPr>
+      <p:pic>
+        <p:nvPicPr>
+          <p:cNvPr id="2" name="Picture 1"/>
+          <p:cNvPicPr>
+            <a:picLocks noChangeAspect="1"/>
+          </p:cNvPicPr>
+          <p:nvPr/>
+        </p:nvPicPr>
+        <p:blipFill>
+          <a:blip r:embed="rId4">
+            <a:extLst>
+              <a:ext uri="{28A0092B-C50C-407E-A947-70E740481C1C}">
+                <a14:useLocalDpi xmlns:a14="http://schemas.microsoft.com/office/drawing/2010/main" val="0"/>
+              </a:ext>
+            </a:extLst>
+          </a:blip>
+          <a:stretch>
+            <a:fillRect/>
+          </a:stretch>
+        </p:blipFill>
+        <p:spPr>
+          <a:xfrm>
+            <a:off x="336929" y="565305"/>
+            <a:ext cx="11254487" cy="2261021"/>
+          </a:xfrm>
+          <a:prstGeom prst="rect">
+            <a:avLst/>
+          </a:prstGeom>
+        </p:spPr>
+      </p:pic>
+      <p:graphicFrame>
+        <p:nvGraphicFramePr>
+          <p:cNvPr id="6" name="Object 5"/>
+          <p:cNvGraphicFramePr>
+            <a:graphicFrameLocks noChangeAspect="1"/>
+          </p:cNvGraphicFramePr>
+          <p:nvPr>
+            <p:extLst>
+              <p:ext uri="{D42A27DB-BD31-4B8C-83A1-F6EECF244321}">
+                <p14:modId xmlns:p14="http://schemas.microsoft.com/office/powerpoint/2010/main" val="3504310270"/>
+              </p:ext>
+            </p:extLst>
+          </p:nvPr>
+        </p:nvGraphicFramePr>
+        <p:xfrm>
+          <a:off x="1900173" y="3108585"/>
+          <a:ext cx="8128000" cy="3400425"/>
+        </p:xfrm>
+        <a:graphic>
+          <a:graphicData uri="http://schemas.openxmlformats.org/presentationml/2006/ole">
+            <mc:AlternateContent xmlns:mc="http://schemas.openxmlformats.org/markup-compatibility/2006">
+              <mc:Choice xmlns:v="urn:schemas-microsoft-com:vml" Requires="v">
+                <p:oleObj spid="_x0000_s2062" r:id="rId5" imgW="19910880" imgH="8330040" progId="">
+                  <p:embed/>
+                </p:oleObj>
+              </mc:Choice>
+              <mc:Fallback>
+                <p:oleObj r:id="rId5" imgW="19910880" imgH="8330040" progId="">
+                  <p:embed/>
+                  <p:pic>
+                    <p:nvPicPr>
+                      <p:cNvPr id="0" name=""/>
+                      <p:cNvPicPr/>
+                      <p:nvPr/>
+                    </p:nvPicPr>
+                    <p:blipFill>
+                      <a:blip r:embed="rId6"/>
+                      <a:stretch>
+                        <a:fillRect/>
+                      </a:stretch>
+                    </p:blipFill>
+                    <p:spPr>
+                      <a:xfrm>
+                        <a:off x="1900173" y="3108585"/>
+                        <a:ext cx="8128000" cy="3400425"/>
+                      </a:xfrm>
+                      <a:prstGeom prst="rect">
+                        <a:avLst/>
+                      </a:prstGeom>
+                    </p:spPr>
+                  </p:pic>
+                </p:oleObj>
+              </mc:Fallback>
+            </mc:AlternateContent>
+          </a:graphicData>
+        </a:graphic>
+      </p:graphicFrame>
+    </p:spTree>
+    <p:extLst>
+      <p:ext uri="{BB962C8B-B14F-4D97-AF65-F5344CB8AC3E}">
+        <p14:creationId xmlns:p14="http://schemas.microsoft.com/office/powerpoint/2010/main" val="2007540290"/>
+      </p:ext>
+    </p:extLst>
+  </p:cSld>
+  <p:clrMapOvr>
+    <a:masterClrMapping/>
+  </p:clrMapOvr>
+  <p:timing>
+    <p:tnLst>
+      <p:par>
+        <p:cTn id="1" dur="indefinite" restart="never" nodeType="tmRoot"/>
+      </p:par>
+    </p:tnLst>
+  </p:timing>
+</p:sld>
+</file>
+
+<file path=ppt/slides/slide14.xml><?xml version="1.0" encoding="utf-8"?>
+<p:sld xmlns:a="http://schemas.openxmlformats.org/drawingml/2006/main" xmlns:r="http://schemas.openxmlformats.org/officeDocument/2006/relationships" xmlns:p="http://schemas.openxmlformats.org/presentationml/2006/main">
+  <p:cSld>
+    <p:bg>
+      <p:bgPr>
+        <a:blipFill dpi="0" rotWithShape="1">
+          <a:blip r:embed="rId2">
+            <a:lum/>
+          </a:blip>
+          <a:srcRect/>
+          <a:stretch>
+            <a:fillRect/>
+          </a:stretch>
+        </a:blipFill>
+        <a:effectLst/>
+      </p:bgPr>
+    </p:bg>
+    <p:spTree>
+      <p:nvGrpSpPr>
+        <p:cNvPr id="1" name=""/>
+        <p:cNvGrpSpPr/>
+        <p:nvPr/>
+      </p:nvGrpSpPr>
+      <p:grpSpPr>
+        <a:xfrm>
+          <a:off x="0" y="0"/>
+          <a:ext cx="0" cy="0"/>
+          <a:chOff x="0" y="0"/>
+          <a:chExt cx="0" cy="0"/>
+        </a:xfrm>
+      </p:grpSpPr>
+      <p:pic>
+        <p:nvPicPr>
+          <p:cNvPr id="3" name="Picture 2"/>
+          <p:cNvPicPr>
+            <a:picLocks noChangeAspect="1"/>
+          </p:cNvPicPr>
+          <p:nvPr/>
+        </p:nvPicPr>
+        <p:blipFill>
+          <a:blip r:embed="rId3"/>
+          <a:stretch>
+            <a:fillRect/>
+          </a:stretch>
+        </p:blipFill>
+        <p:spPr>
+          <a:xfrm>
+            <a:off x="1027400" y="1098406"/>
+            <a:ext cx="10079299" cy="4741285"/>
+          </a:xfrm>
+          <a:prstGeom prst="rect">
+            <a:avLst/>
+          </a:prstGeom>
+        </p:spPr>
+      </p:pic>
+      <p:pic>
+        <p:nvPicPr>
+          <p:cNvPr id="6" name="Picture 5"/>
+          <p:cNvPicPr>
+            <a:picLocks noChangeAspect="1"/>
+          </p:cNvPicPr>
+          <p:nvPr/>
+        </p:nvPicPr>
+        <p:blipFill>
+          <a:blip r:embed="rId4">
+            <a:extLst>
+              <a:ext uri="{28A0092B-C50C-407E-A947-70E740481C1C}">
+                <a14:useLocalDpi xmlns:a14="http://schemas.microsoft.com/office/drawing/2010/main" val="0"/>
+              </a:ext>
+            </a:extLst>
+          </a:blip>
+          <a:stretch>
+            <a:fillRect/>
+          </a:stretch>
+        </p:blipFill>
+        <p:spPr>
+          <a:xfrm>
+            <a:off x="5817729" y="5421745"/>
+            <a:ext cx="6263435" cy="1258321"/>
+          </a:xfrm>
+          <a:prstGeom prst="rect">
+            <a:avLst/>
+          </a:prstGeom>
+        </p:spPr>
+      </p:pic>
+    </p:spTree>
+    <p:extLst>
+      <p:ext uri="{BB962C8B-B14F-4D97-AF65-F5344CB8AC3E}">
+        <p14:creationId xmlns:p14="http://schemas.microsoft.com/office/powerpoint/2010/main" val="4234591699"/>
+      </p:ext>
+    </p:extLst>
+  </p:cSld>
+  <p:clrMapOvr>
+    <a:masterClrMapping/>
+  </p:clrMapOvr>
+  <p:timing>
+    <p:tnLst>
+      <p:par>
+        <p:cTn id="1" dur="indefinite" restart="never" nodeType="tmRoot"/>
+      </p:par>
+    </p:tnLst>
+  </p:timing>
+</p:sld>
+</file>
+
+<file path=ppt/slides/slide15.xml><?xml version="1.0" encoding="utf-8"?>
+<p:sld xmlns:a="http://schemas.openxmlformats.org/drawingml/2006/main" xmlns:r="http://schemas.openxmlformats.org/officeDocument/2006/relationships" xmlns:p="http://schemas.openxmlformats.org/presentationml/2006/main">
+  <p:cSld>
+    <p:bg>
+      <p:bgPr>
+        <a:blipFill dpi="0" rotWithShape="1">
+          <a:blip r:embed="rId3">
+            <a:lum/>
+          </a:blip>
+          <a:srcRect/>
+          <a:stretch>
+            <a:fillRect/>
+          </a:stretch>
+        </a:blipFill>
+        <a:effectLst/>
+      </p:bgPr>
+    </p:bg>
+    <p:spTree>
+      <p:nvGrpSpPr>
+        <p:cNvPr id="1" name=""/>
+        <p:cNvGrpSpPr/>
+        <p:nvPr/>
+      </p:nvGrpSpPr>
+      <p:grpSpPr>
+        <a:xfrm>
+          <a:off x="0" y="0"/>
+          <a:ext cx="0" cy="0"/>
+          <a:chOff x="0" y="0"/>
+          <a:chExt cx="0" cy="0"/>
+        </a:xfrm>
+      </p:grpSpPr>
+      <p:graphicFrame>
+        <p:nvGraphicFramePr>
+          <p:cNvPr id="4" name="Object 3"/>
+          <p:cNvGraphicFramePr>
+            <a:graphicFrameLocks noChangeAspect="1"/>
+          </p:cNvGraphicFramePr>
+          <p:nvPr>
+            <p:extLst>
+              <p:ext uri="{D42A27DB-BD31-4B8C-83A1-F6EECF244321}">
+                <p14:modId xmlns:p14="http://schemas.microsoft.com/office/powerpoint/2010/main" val="3435728948"/>
+              </p:ext>
+            </p:extLst>
+          </p:nvPr>
+        </p:nvGraphicFramePr>
+        <p:xfrm>
+          <a:off x="1195388" y="1312863"/>
+          <a:ext cx="9801225" cy="4229100"/>
+        </p:xfrm>
+        <a:graphic>
+          <a:graphicData uri="http://schemas.openxmlformats.org/presentationml/2006/ole">
+            <mc:AlternateContent xmlns:mc="http://schemas.openxmlformats.org/markup-compatibility/2006">
+              <mc:Choice xmlns:v="urn:schemas-microsoft-com:vml" Requires="v">
+                <p:oleObj spid="_x0000_s4103" r:id="rId4" imgW="13066560" imgH="5637960" progId="">
+                  <p:embed/>
+                </p:oleObj>
+              </mc:Choice>
+              <mc:Fallback>
+                <p:oleObj r:id="rId4" imgW="13066560" imgH="5637960" progId="">
+                  <p:embed/>
+                  <p:pic>
+                    <p:nvPicPr>
+                      <p:cNvPr id="0" name=""/>
+                      <p:cNvPicPr/>
+                      <p:nvPr/>
+                    </p:nvPicPr>
+                    <p:blipFill>
+                      <a:blip r:embed="rId5"/>
+                      <a:stretch>
+                        <a:fillRect/>
+                      </a:stretch>
+                    </p:blipFill>
+                    <p:spPr>
+                      <a:xfrm>
+                        <a:off x="1195388" y="1312863"/>
+                        <a:ext cx="9801225" cy="4229100"/>
+                      </a:xfrm>
+                      <a:prstGeom prst="rect">
+                        <a:avLst/>
+                      </a:prstGeom>
+                    </p:spPr>
+                  </p:pic>
+                </p:oleObj>
+              </mc:Fallback>
+            </mc:AlternateContent>
+          </a:graphicData>
+        </a:graphic>
+      </p:graphicFrame>
+      <p:pic>
+        <p:nvPicPr>
+          <p:cNvPr id="6" name="Picture 5"/>
+          <p:cNvPicPr>
+            <a:picLocks noChangeAspect="1"/>
+          </p:cNvPicPr>
+          <p:nvPr/>
+        </p:nvPicPr>
+        <p:blipFill>
+          <a:blip r:embed="rId6">
+            <a:extLst>
+              <a:ext uri="{28A0092B-C50C-407E-A947-70E740481C1C}">
+                <a14:useLocalDpi xmlns:a14="http://schemas.microsoft.com/office/drawing/2010/main" val="0"/>
+              </a:ext>
+            </a:extLst>
+          </a:blip>
+          <a:stretch>
+            <a:fillRect/>
+          </a:stretch>
+        </p:blipFill>
+        <p:spPr>
+          <a:xfrm>
+            <a:off x="5817729" y="5421745"/>
+            <a:ext cx="6263435" cy="1258321"/>
+          </a:xfrm>
+          <a:prstGeom prst="rect">
+            <a:avLst/>
+          </a:prstGeom>
+        </p:spPr>
+      </p:pic>
+    </p:spTree>
+    <p:extLst>
+      <p:ext uri="{BB962C8B-B14F-4D97-AF65-F5344CB8AC3E}">
+        <p14:creationId xmlns:p14="http://schemas.microsoft.com/office/powerpoint/2010/main" val="1000388154"/>
+      </p:ext>
+    </p:extLst>
+  </p:cSld>
+  <p:clrMapOvr>
+    <a:masterClrMapping/>
+  </p:clrMapOvr>
+  <p:timing>
+    <p:tnLst>
+      <p:par>
+        <p:cTn id="1" dur="indefinite" restart="never" nodeType="tmRoot"/>
+      </p:par>
+    </p:tnLst>
+  </p:timing>
+</p:sld>
+</file>
+
+<file path=ppt/slides/slide16.xml><?xml version="1.0" encoding="utf-8"?>
+<p:sld xmlns:a="http://schemas.openxmlformats.org/drawingml/2006/main" xmlns:r="http://schemas.openxmlformats.org/officeDocument/2006/relationships" xmlns:p="http://schemas.openxmlformats.org/presentationml/2006/main">
+  <p:cSld>
+    <p:bg>
+      <p:bgPr>
+        <a:blipFill dpi="0" rotWithShape="1">
+          <a:blip r:embed="rId3">
+            <a:lum/>
+          </a:blip>
+          <a:srcRect/>
+          <a:stretch>
+            <a:fillRect/>
+          </a:stretch>
+        </a:blipFill>
+        <a:effectLst/>
+      </p:bgPr>
+    </p:bg>
+    <p:spTree>
+      <p:nvGrpSpPr>
+        <p:cNvPr id="1" name=""/>
+        <p:cNvGrpSpPr/>
+        <p:nvPr/>
+      </p:nvGrpSpPr>
+      <p:grpSpPr>
+        <a:xfrm>
+          <a:off x="0" y="0"/>
+          <a:ext cx="0" cy="0"/>
+          <a:chOff x="0" y="0"/>
+          <a:chExt cx="0" cy="0"/>
+        </a:xfrm>
+      </p:grpSpPr>
+      <p:graphicFrame>
+        <p:nvGraphicFramePr>
+          <p:cNvPr id="2" name="Object 1"/>
+          <p:cNvGraphicFramePr>
+            <a:graphicFrameLocks noChangeAspect="1"/>
+          </p:cNvGraphicFramePr>
+          <p:nvPr>
+            <p:extLst>
+              <p:ext uri="{D42A27DB-BD31-4B8C-83A1-F6EECF244321}">
+                <p14:modId xmlns:p14="http://schemas.microsoft.com/office/powerpoint/2010/main" val="433705136"/>
+              </p:ext>
+            </p:extLst>
+          </p:nvPr>
+        </p:nvGraphicFramePr>
+        <p:xfrm>
+          <a:off x="579438" y="1001713"/>
+          <a:ext cx="11034712" cy="4851400"/>
+        </p:xfrm>
+        <a:graphic>
+          <a:graphicData uri="http://schemas.openxmlformats.org/presentationml/2006/ole">
+            <mc:AlternateContent xmlns:mc="http://schemas.openxmlformats.org/markup-compatibility/2006">
+              <mc:Choice xmlns:v="urn:schemas-microsoft-com:vml" Requires="v">
+                <p:oleObj spid="_x0000_s5127" r:id="rId4" imgW="11034720" imgH="4850640" progId="">
+                  <p:embed/>
+                </p:oleObj>
+              </mc:Choice>
+              <mc:Fallback>
+                <p:oleObj r:id="rId4" imgW="11034720" imgH="4850640" progId="">
+                  <p:embed/>
+                  <p:pic>
+                    <p:nvPicPr>
+                      <p:cNvPr id="0" name=""/>
+                      <p:cNvPicPr/>
+                      <p:nvPr/>
+                    </p:nvPicPr>
+                    <p:blipFill>
+                      <a:blip r:embed="rId5"/>
+                      <a:stretch>
+                        <a:fillRect/>
+                      </a:stretch>
+                    </p:blipFill>
+                    <p:spPr>
+                      <a:xfrm>
+                        <a:off x="579438" y="1001713"/>
+                        <a:ext cx="11034712" cy="4851400"/>
+                      </a:xfrm>
+                      <a:prstGeom prst="rect">
+                        <a:avLst/>
+                      </a:prstGeom>
+                    </p:spPr>
+                  </p:pic>
+                </p:oleObj>
+              </mc:Fallback>
+            </mc:AlternateContent>
+          </a:graphicData>
+        </a:graphic>
+      </p:graphicFrame>
+      <p:pic>
+        <p:nvPicPr>
+          <p:cNvPr id="6" name="Picture 5"/>
+          <p:cNvPicPr>
+            <a:picLocks noChangeAspect="1"/>
+          </p:cNvPicPr>
+          <p:nvPr/>
+        </p:nvPicPr>
+        <p:blipFill>
+          <a:blip r:embed="rId6">
+            <a:extLst>
+              <a:ext uri="{28A0092B-C50C-407E-A947-70E740481C1C}">
+                <a14:useLocalDpi xmlns:a14="http://schemas.microsoft.com/office/drawing/2010/main" val="0"/>
+              </a:ext>
+            </a:extLst>
+          </a:blip>
+          <a:stretch>
+            <a:fillRect/>
+          </a:stretch>
+        </p:blipFill>
+        <p:spPr>
+          <a:xfrm>
+            <a:off x="5817729" y="5421745"/>
+            <a:ext cx="6263435" cy="1258321"/>
+          </a:xfrm>
+          <a:prstGeom prst="rect">
+            <a:avLst/>
+          </a:prstGeom>
+        </p:spPr>
+      </p:pic>
+    </p:spTree>
+    <p:extLst>
+      <p:ext uri="{BB962C8B-B14F-4D97-AF65-F5344CB8AC3E}">
+        <p14:creationId xmlns:p14="http://schemas.microsoft.com/office/powerpoint/2010/main" val="3710359906"/>
+      </p:ext>
+    </p:extLst>
+  </p:cSld>
+  <p:clrMapOvr>
+    <a:masterClrMapping/>
+  </p:clrMapOvr>
+  <p:timing>
+    <p:tnLst>
+      <p:par>
+        <p:cTn id="1" dur="indefinite" restart="never" nodeType="tmRoot"/>
+      </p:par>
+    </p:tnLst>
+  </p:timing>
+</p:sld>
+</file>
+
+<file path=ppt/slides/slide17.xml><?xml version="1.0" encoding="utf-8"?>
+<p:sld xmlns:a="http://schemas.openxmlformats.org/drawingml/2006/main" xmlns:r="http://schemas.openxmlformats.org/officeDocument/2006/relationships" xmlns:p="http://schemas.openxmlformats.org/presentationml/2006/main">
+  <p:cSld>
+    <p:bg>
+      <p:bgPr>
+        <a:blipFill dpi="0" rotWithShape="1">
+          <a:blip r:embed="rId2">
+            <a:lum/>
+          </a:blip>
+          <a:srcRect/>
+          <a:stretch>
+            <a:fillRect/>
+          </a:stretch>
+        </a:blipFill>
+        <a:effectLst/>
+      </p:bgPr>
+    </p:bg>
+    <p:spTree>
+      <p:nvGrpSpPr>
+        <p:cNvPr id="1" name=""/>
+        <p:cNvGrpSpPr/>
+        <p:nvPr/>
+      </p:nvGrpSpPr>
+      <p:grpSpPr>
+        <a:xfrm>
+          <a:off x="0" y="0"/>
+          <a:ext cx="0" cy="0"/>
+          <a:chOff x="0" y="0"/>
+          <a:chExt cx="0" cy="0"/>
+        </a:xfrm>
+      </p:grpSpPr>
       <p:pic>
         <p:nvPicPr>
           <p:cNvPr id="4" name="Picture 3"/>
@@ -3253,6 +4015,36 @@
           <a:xfrm>
             <a:off x="1300029" y="2161309"/>
             <a:ext cx="9819543" cy="2399867"/>
+          </a:xfrm>
+          <a:prstGeom prst="rect">
+            <a:avLst/>
+          </a:prstGeom>
+        </p:spPr>
+      </p:pic>
+      <p:pic>
+        <p:nvPicPr>
+          <p:cNvPr id="6" name="Picture 5"/>
+          <p:cNvPicPr>
+            <a:picLocks noChangeAspect="1"/>
+          </p:cNvPicPr>
+          <p:nvPr/>
+        </p:nvPicPr>
+        <p:blipFill>
+          <a:blip r:embed="rId4">
+            <a:extLst>
+              <a:ext uri="{28A0092B-C50C-407E-A947-70E740481C1C}">
+                <a14:useLocalDpi xmlns:a14="http://schemas.microsoft.com/office/drawing/2010/main" val="0"/>
+              </a:ext>
+            </a:extLst>
+          </a:blip>
+          <a:stretch>
+            <a:fillRect/>
+          </a:stretch>
+        </p:blipFill>
+        <p:spPr>
+          <a:xfrm>
+            <a:off x="5817729" y="5421745"/>
+            <a:ext cx="6263435" cy="1258321"/>
           </a:xfrm>
           <a:prstGeom prst="rect">
             <a:avLst/>
@@ -3279,9 +4071,23 @@
 </p:sld>
 </file>
 
-<file path=ppt/slides/slide11.xml><?xml version="1.0" encoding="utf-8"?>
+<file path=ppt/slides/slide18.xml><?xml version="1.0" encoding="utf-8"?>
 <p:sld xmlns:a="http://schemas.openxmlformats.org/drawingml/2006/main" xmlns:r="http://schemas.openxmlformats.org/officeDocument/2006/relationships" xmlns:p="http://schemas.openxmlformats.org/presentationml/2006/main">
   <p:cSld>
+    <p:bg>
+      <p:bgPr>
+        <a:blipFill dpi="0" rotWithShape="1">
+          <a:blip r:embed="rId2">
+            <a:lum/>
+          </a:blip>
+          <a:srcRect/>
+          <a:stretch>
+            <a:fillRect/>
+          </a:stretch>
+        </a:blipFill>
+        <a:effectLst/>
+      </p:bgPr>
+    </p:bg>
     <p:spTree>
       <p:nvGrpSpPr>
         <p:cNvPr id="1" name=""/>
@@ -3305,7 +4111,7 @@
           <p:nvPr/>
         </p:nvPicPr>
         <p:blipFill>
-          <a:blip r:embed="rId2">
+          <a:blip r:embed="rId3">
             <a:extLst>
               <a:ext uri="{28A0092B-C50C-407E-A947-70E740481C1C}">
                 <a14:useLocalDpi xmlns:a14="http://schemas.microsoft.com/office/drawing/2010/main" val="0"/>
@@ -3319,59 +4125,23 @@
         <p:spPr>
           <a:xfrm>
             <a:off x="365488" y="716191"/>
-            <a:ext cx="11440634" cy="5684609"/>
+            <a:ext cx="10699676" cy="5316443"/>
           </a:xfrm>
           <a:prstGeom prst="rect">
             <a:avLst/>
           </a:prstGeom>
         </p:spPr>
       </p:pic>
-      <p:sp>
-        <p:nvSpPr>
-          <p:cNvPr id="3" name="TextBox 2"/>
-          <p:cNvSpPr txBox="1"/>
-          <p:nvPr/>
-        </p:nvSpPr>
-        <p:spPr>
-          <a:xfrm>
-            <a:off x="651976" y="221635"/>
-            <a:ext cx="10867658" cy="584775"/>
-          </a:xfrm>
-          <a:prstGeom prst="rect">
-            <a:avLst/>
-          </a:prstGeom>
-          <a:noFill/>
-        </p:spPr>
-        <p:txBody>
-          <a:bodyPr wrap="square" rtlCol="0">
-            <a:spAutoFit/>
-          </a:bodyPr>
-          <a:lstStyle/>
-          <a:p>
-            <a:r>
-              <a:rPr lang="en-US" sz="3200" b="1" dirty="0" smtClean="0">
-                <a:solidFill>
-                  <a:schemeClr val="accent2">
-                    <a:lumMod val="75000"/>
-                  </a:schemeClr>
-                </a:solidFill>
-              </a:rPr>
-              <a:t>Float Constructor</a:t>
-            </a:r>
-            <a:endParaRPr lang="en-US" sz="3200" b="1" dirty="0" smtClean="0"/>
-          </a:p>
-        </p:txBody>
-      </p:sp>
       <p:pic>
         <p:nvPicPr>
-          <p:cNvPr id="4" name="Picture 3"/>
+          <p:cNvPr id="5" name="Picture 4"/>
           <p:cNvPicPr>
             <a:picLocks noChangeAspect="1"/>
           </p:cNvPicPr>
           <p:nvPr/>
         </p:nvPicPr>
         <p:blipFill>
-          <a:blip r:embed="rId3">
+          <a:blip r:embed="rId4">
             <a:extLst>
               <a:ext uri="{28A0092B-C50C-407E-A947-70E740481C1C}">
                 <a14:useLocalDpi xmlns:a14="http://schemas.microsoft.com/office/drawing/2010/main" val="0"/>
@@ -3384,8 +4154,8 @@
         </p:blipFill>
         <p:spPr>
           <a:xfrm>
-            <a:off x="6827831" y="5366084"/>
-            <a:ext cx="5271494" cy="1385850"/>
+            <a:off x="5817729" y="5421745"/>
+            <a:ext cx="6263435" cy="1258321"/>
           </a:xfrm>
           <a:prstGeom prst="rect">
             <a:avLst/>
@@ -3412,9 +4182,23 @@
 </p:sld>
 </file>
 
-<file path=ppt/slides/slide12.xml><?xml version="1.0" encoding="utf-8"?>
+<file path=ppt/slides/slide19.xml><?xml version="1.0" encoding="utf-8"?>
 <p:sld xmlns:a="http://schemas.openxmlformats.org/drawingml/2006/main" xmlns:r="http://schemas.openxmlformats.org/officeDocument/2006/relationships" xmlns:p="http://schemas.openxmlformats.org/presentationml/2006/main">
   <p:cSld>
+    <p:bg>
+      <p:bgPr>
+        <a:blipFill dpi="0" rotWithShape="1">
+          <a:blip r:embed="rId2">
+            <a:lum/>
+          </a:blip>
+          <a:srcRect/>
+          <a:stretch>
+            <a:fillRect/>
+          </a:stretch>
+        </a:blipFill>
+        <a:effectLst/>
+      </p:bgPr>
+    </p:bg>
     <p:spTree>
       <p:nvGrpSpPr>
         <p:cNvPr id="1" name=""/>
@@ -3653,46 +4437,10 @@
           </a:p>
         </p:txBody>
       </p:sp>
-      <p:sp>
-        <p:nvSpPr>
-          <p:cNvPr id="7" name="TextBox 6"/>
-          <p:cNvSpPr txBox="1"/>
-          <p:nvPr/>
-        </p:nvSpPr>
-        <p:spPr>
-          <a:xfrm>
-            <a:off x="651976" y="221635"/>
-            <a:ext cx="10867658" cy="584775"/>
-          </a:xfrm>
-          <a:prstGeom prst="rect">
-            <a:avLst/>
-          </a:prstGeom>
-          <a:noFill/>
-        </p:spPr>
-        <p:txBody>
-          <a:bodyPr wrap="square" rtlCol="0">
-            <a:spAutoFit/>
-          </a:bodyPr>
-          <a:lstStyle/>
-          <a:p>
-            <a:r>
-              <a:rPr lang="en-US" sz="3200" b="1" dirty="0" smtClean="0">
-                <a:solidFill>
-                  <a:schemeClr val="accent2">
-                    <a:lumMod val="75000"/>
-                  </a:schemeClr>
-                </a:solidFill>
-              </a:rPr>
-              <a:t>Source</a:t>
-            </a:r>
-            <a:endParaRPr lang="en-US" sz="3200" b="1" dirty="0" smtClean="0"/>
-          </a:p>
-        </p:txBody>
-      </p:sp>
     </p:spTree>
     <p:extLst>
       <p:ext uri="{BB962C8B-B14F-4D97-AF65-F5344CB8AC3E}">
-        <p14:creationId xmlns:p14="http://schemas.microsoft.com/office/powerpoint/2010/main" val="2343619310"/>
+        <p14:creationId xmlns:p14="http://schemas.microsoft.com/office/powerpoint/2010/main" val="2569660917"/>
       </p:ext>
     </p:extLst>
   </p:cSld>
@@ -3709,7 +4457,312 @@
 </p:sld>
 </file>
 
-<file path=ppt/slides/slide13.xml><?xml version="1.0" encoding="utf-8"?>
+<file path=ppt/slides/slide2.xml><?xml version="1.0" encoding="utf-8"?>
+<p:sld xmlns:a="http://schemas.openxmlformats.org/drawingml/2006/main" xmlns:r="http://schemas.openxmlformats.org/officeDocument/2006/relationships" xmlns:p="http://schemas.openxmlformats.org/presentationml/2006/main">
+  <p:cSld>
+    <p:bg>
+      <p:bgPr>
+        <a:blipFill dpi="0" rotWithShape="1">
+          <a:blip r:embed="rId2">
+            <a:lum/>
+          </a:blip>
+          <a:srcRect/>
+          <a:stretch>
+            <a:fillRect/>
+          </a:stretch>
+        </a:blipFill>
+        <a:effectLst/>
+      </p:bgPr>
+    </p:bg>
+    <p:spTree>
+      <p:nvGrpSpPr>
+        <p:cNvPr id="1" name=""/>
+        <p:cNvGrpSpPr/>
+        <p:nvPr/>
+      </p:nvGrpSpPr>
+      <p:grpSpPr>
+        <a:xfrm>
+          <a:off x="0" y="0"/>
+          <a:ext cx="0" cy="0"/>
+          <a:chOff x="0" y="0"/>
+          <a:chExt cx="0" cy="0"/>
+        </a:xfrm>
+      </p:grpSpPr>
+      <p:sp>
+        <p:nvSpPr>
+          <p:cNvPr id="6" name="TextBox 5"/>
+          <p:cNvSpPr txBox="1"/>
+          <p:nvPr/>
+        </p:nvSpPr>
+        <p:spPr>
+          <a:xfrm>
+            <a:off x="621896" y="1551482"/>
+            <a:ext cx="11313429" cy="4031873"/>
+          </a:xfrm>
+          <a:prstGeom prst="rect">
+            <a:avLst/>
+          </a:prstGeom>
+          <a:noFill/>
+        </p:spPr>
+        <p:txBody>
+          <a:bodyPr wrap="square" rtlCol="0">
+            <a:spAutoFit/>
+          </a:bodyPr>
+          <a:lstStyle/>
+          <a:p>
+            <a:r>
+              <a:rPr lang="en-US" sz="3200" dirty="0" smtClean="0">
+                <a:solidFill>
+                  <a:schemeClr val="bg1">
+                    <a:lumMod val="65000"/>
+                  </a:schemeClr>
+                </a:solidFill>
+              </a:rPr>
+              <a:t>library </a:t>
+            </a:r>
+            <a:r>
+              <a:rPr lang="en-US" sz="3200" dirty="0" smtClean="0">
+                <a:solidFill>
+                  <a:schemeClr val="bg1">
+                    <a:lumMod val="65000"/>
+                  </a:schemeClr>
+                </a:solidFill>
+              </a:rPr>
+              <a:t>repo: </a:t>
+            </a:r>
+            <a:endParaRPr lang="en-US" sz="3200" dirty="0">
+              <a:solidFill>
+                <a:schemeClr val="bg1">
+                  <a:lumMod val="65000"/>
+                </a:schemeClr>
+              </a:solidFill>
+            </a:endParaRPr>
+          </a:p>
+          <a:p>
+            <a:r>
+              <a:rPr lang="en-US" sz="3200" dirty="0" smtClean="0">
+                <a:solidFill>
+                  <a:schemeClr val="bg1">
+                    <a:lumMod val="65000"/>
+                  </a:schemeClr>
+                </a:solidFill>
+              </a:rPr>
+              <a:t>	</a:t>
+            </a:r>
+            <a:r>
+              <a:rPr lang="en-US" sz="3200" dirty="0" smtClean="0">
+                <a:solidFill>
+                  <a:schemeClr val="accent1">
+                    <a:lumMod val="75000"/>
+                  </a:schemeClr>
+                </a:solidFill>
+              </a:rPr>
+              <a:t>github.com/</a:t>
+            </a:r>
+            <a:r>
+              <a:rPr lang="en-US" sz="3200" dirty="0" err="1" smtClean="0">
+                <a:solidFill>
+                  <a:schemeClr val="accent1">
+                    <a:lumMod val="75000"/>
+                  </a:schemeClr>
+                </a:solidFill>
+              </a:rPr>
+              <a:t>eindacor</a:t>
+            </a:r>
+            <a:r>
+              <a:rPr lang="en-US" sz="3200" dirty="0" smtClean="0">
+                <a:solidFill>
+                  <a:schemeClr val="accent1">
+                    <a:lumMod val="75000"/>
+                  </a:schemeClr>
+                </a:solidFill>
+              </a:rPr>
+              <a:t>/</a:t>
+            </a:r>
+            <a:r>
+              <a:rPr lang="en-US" sz="3200" dirty="0" err="1" smtClean="0">
+                <a:solidFill>
+                  <a:schemeClr val="accent1">
+                    <a:lumMod val="75000"/>
+                  </a:schemeClr>
+                </a:solidFill>
+              </a:rPr>
+              <a:t>JEPbignum</a:t>
+            </a:r>
+            <a:endParaRPr lang="en-US" sz="3200" dirty="0" smtClean="0">
+              <a:solidFill>
+                <a:schemeClr val="accent1">
+                  <a:lumMod val="75000"/>
+                </a:schemeClr>
+              </a:solidFill>
+            </a:endParaRPr>
+          </a:p>
+          <a:p>
+            <a:endParaRPr lang="en-US" sz="3200" dirty="0" smtClean="0">
+              <a:solidFill>
+                <a:schemeClr val="accent1">
+                  <a:lumMod val="75000"/>
+                </a:schemeClr>
+              </a:solidFill>
+            </a:endParaRPr>
+          </a:p>
+          <a:p>
+            <a:r>
+              <a:rPr lang="en-US" sz="3200" dirty="0" smtClean="0">
+                <a:solidFill>
+                  <a:schemeClr val="bg1">
+                    <a:lumMod val="65000"/>
+                  </a:schemeClr>
+                </a:solidFill>
+              </a:rPr>
+              <a:t>calculator </a:t>
+            </a:r>
+            <a:r>
+              <a:rPr lang="en-US" sz="3200" dirty="0" smtClean="0">
+                <a:solidFill>
+                  <a:schemeClr val="bg1">
+                    <a:lumMod val="65000"/>
+                  </a:schemeClr>
+                </a:solidFill>
+              </a:rPr>
+              <a:t>repo:</a:t>
+            </a:r>
+          </a:p>
+          <a:p>
+            <a:r>
+              <a:rPr lang="en-US" sz="3200" dirty="0">
+                <a:solidFill>
+                  <a:schemeClr val="bg1">
+                    <a:lumMod val="65000"/>
+                  </a:schemeClr>
+                </a:solidFill>
+              </a:rPr>
+              <a:t>	</a:t>
+            </a:r>
+            <a:r>
+              <a:rPr lang="en-US" sz="3200" dirty="0" smtClean="0">
+                <a:solidFill>
+                  <a:schemeClr val="accent1">
+                    <a:lumMod val="75000"/>
+                  </a:schemeClr>
+                </a:solidFill>
+              </a:rPr>
+              <a:t>github.com/</a:t>
+            </a:r>
+            <a:r>
+              <a:rPr lang="en-US" sz="3200" dirty="0" err="1" smtClean="0">
+                <a:solidFill>
+                  <a:schemeClr val="accent1">
+                    <a:lumMod val="75000"/>
+                  </a:schemeClr>
+                </a:solidFill>
+              </a:rPr>
+              <a:t>eindacor</a:t>
+            </a:r>
+            <a:r>
+              <a:rPr lang="en-US" sz="3200" dirty="0" smtClean="0">
+                <a:solidFill>
+                  <a:schemeClr val="accent1">
+                    <a:lumMod val="75000"/>
+                  </a:schemeClr>
+                </a:solidFill>
+              </a:rPr>
+              <a:t>/</a:t>
+            </a:r>
+            <a:r>
+              <a:rPr lang="en-US" sz="3200" dirty="0" err="1" smtClean="0">
+                <a:solidFill>
+                  <a:schemeClr val="accent1">
+                    <a:lumMod val="75000"/>
+                  </a:schemeClr>
+                </a:solidFill>
+              </a:rPr>
+              <a:t>JEPbignum_calculator</a:t>
+            </a:r>
+            <a:endParaRPr lang="en-US" sz="3200" dirty="0" smtClean="0">
+              <a:solidFill>
+                <a:schemeClr val="accent1">
+                  <a:lumMod val="75000"/>
+                </a:schemeClr>
+              </a:solidFill>
+            </a:endParaRPr>
+          </a:p>
+          <a:p>
+            <a:endParaRPr lang="en-US" sz="3200" dirty="0" smtClean="0">
+              <a:solidFill>
+                <a:schemeClr val="accent1">
+                  <a:lumMod val="75000"/>
+                </a:schemeClr>
+              </a:solidFill>
+            </a:endParaRPr>
+          </a:p>
+          <a:p>
+            <a:r>
+              <a:rPr lang="en-US" sz="3200" dirty="0" smtClean="0">
+                <a:solidFill>
+                  <a:schemeClr val="bg1">
+                    <a:lumMod val="65000"/>
+                  </a:schemeClr>
+                </a:solidFill>
+              </a:rPr>
+              <a:t>library </a:t>
+            </a:r>
+            <a:r>
+              <a:rPr lang="en-US" sz="3200" dirty="0" smtClean="0">
+                <a:solidFill>
+                  <a:schemeClr val="bg1">
+                    <a:lumMod val="65000"/>
+                  </a:schemeClr>
+                </a:solidFill>
+              </a:rPr>
+              <a:t>docs: 		</a:t>
+            </a:r>
+          </a:p>
+          <a:p>
+            <a:r>
+              <a:rPr lang="en-US" sz="3200" dirty="0">
+                <a:solidFill>
+                  <a:schemeClr val="bg1">
+                    <a:lumMod val="65000"/>
+                  </a:schemeClr>
+                </a:solidFill>
+              </a:rPr>
+              <a:t>	</a:t>
+            </a:r>
+            <a:r>
+              <a:rPr lang="en-US" sz="3200" dirty="0" smtClean="0">
+                <a:solidFill>
+                  <a:schemeClr val="accent1">
+                    <a:lumMod val="75000"/>
+                  </a:schemeClr>
+                </a:solidFill>
+              </a:rPr>
+              <a:t>github.com/eindacor/JEPbignum/blob/master/README.md</a:t>
+            </a:r>
+          </a:p>
+        </p:txBody>
+      </p:sp>
+    </p:spTree>
+    <p:extLst>
+      <p:ext uri="{BB962C8B-B14F-4D97-AF65-F5344CB8AC3E}">
+        <p14:creationId xmlns:p14="http://schemas.microsoft.com/office/powerpoint/2010/main" val="2049387764"/>
+      </p:ext>
+    </p:extLst>
+  </p:cSld>
+  <p:clrMapOvr>
+    <a:masterClrMapping/>
+  </p:clrMapOvr>
+  <p:timing>
+    <p:tnLst>
+      <p:par>
+        <p:cTn id="1" dur="indefinite" restart="never" nodeType="tmRoot"/>
+      </p:par>
+    </p:tnLst>
+  </p:timing>
+</p:sld>
+</file>
+
+<file path=ppt/slides/slide20.xml><?xml version="1.0" encoding="utf-8"?>
 <p:sld xmlns:a="http://schemas.openxmlformats.org/drawingml/2006/main" xmlns:r="http://schemas.openxmlformats.org/officeDocument/2006/relationships" xmlns:p="http://schemas.openxmlformats.org/presentationml/2006/main">
   <p:cSld>
     <p:spTree>
@@ -3786,9 +4839,7 @@
             <a:r>
               <a:rPr lang="en-US" sz="7200" b="1" dirty="0" err="1" smtClean="0">
                 <a:solidFill>
-                  <a:schemeClr val="accent2">
-                    <a:lumMod val="75000"/>
-                  </a:schemeClr>
+                  <a:srgbClr val="E65800"/>
                 </a:solidFill>
               </a:rPr>
               <a:t>Bignum</a:t>
@@ -3796,14 +4847,11 @@
             <a:r>
               <a:rPr lang="en-US" sz="7200" b="1" dirty="0" smtClean="0">
                 <a:solidFill>
-                  <a:schemeClr val="accent2">
-                    <a:lumMod val="75000"/>
-                  </a:schemeClr>
+                  <a:srgbClr val="E65800"/>
                 </a:solidFill>
               </a:rPr>
               <a:t> Calculator</a:t>
             </a:r>
-            <a:endParaRPr lang="en-US" sz="7200" b="1" dirty="0" smtClean="0"/>
           </a:p>
         </p:txBody>
       </p:sp>
@@ -3893,7 +4941,7 @@
 </p:sld>
 </file>
 
-<file path=ppt/slides/slide14.xml><?xml version="1.0" encoding="utf-8"?>
+<file path=ppt/slides/slide21.xml><?xml version="1.0" encoding="utf-8"?>
 <p:sld xmlns:a="http://schemas.openxmlformats.org/drawingml/2006/main" xmlns:r="http://schemas.openxmlformats.org/officeDocument/2006/relationships" xmlns:p="http://schemas.openxmlformats.org/presentationml/2006/main">
   <p:cSld>
     <p:spTree>
@@ -4015,9 +5063,23 @@
 </p:sld>
 </file>
 
-<file path=ppt/slides/slide2.xml><?xml version="1.0" encoding="utf-8"?>
+<file path=ppt/slides/slide3.xml><?xml version="1.0" encoding="utf-8"?>
 <p:sld xmlns:a="http://schemas.openxmlformats.org/drawingml/2006/main" xmlns:r="http://schemas.openxmlformats.org/officeDocument/2006/relationships" xmlns:p="http://schemas.openxmlformats.org/presentationml/2006/main">
   <p:cSld>
+    <p:bg>
+      <p:bgPr>
+        <a:blipFill dpi="0" rotWithShape="1">
+          <a:blip r:embed="rId2">
+            <a:lum/>
+          </a:blip>
+          <a:srcRect/>
+          <a:stretch>
+            <a:fillRect/>
+          </a:stretch>
+        </a:blipFill>
+        <a:effectLst/>
+      </p:bgPr>
+    </p:bg>
     <p:spTree>
       <p:nvGrpSpPr>
         <p:cNvPr id="1" name=""/>
@@ -4032,339 +5094,6 @@
           <a:chExt cx="0" cy="0"/>
         </a:xfrm>
       </p:grpSpPr>
-      <p:sp>
-        <p:nvSpPr>
-          <p:cNvPr id="6" name="TextBox 5"/>
-          <p:cNvSpPr txBox="1"/>
-          <p:nvPr/>
-        </p:nvSpPr>
-        <p:spPr>
-          <a:xfrm>
-            <a:off x="621896" y="1551482"/>
-            <a:ext cx="11313429" cy="4031873"/>
-          </a:xfrm>
-          <a:prstGeom prst="rect">
-            <a:avLst/>
-          </a:prstGeom>
-          <a:noFill/>
-        </p:spPr>
-        <p:txBody>
-          <a:bodyPr wrap="square" rtlCol="0">
-            <a:spAutoFit/>
-          </a:bodyPr>
-          <a:lstStyle/>
-          <a:p>
-            <a:r>
-              <a:rPr lang="en-US" sz="3200" dirty="0" smtClean="0">
-                <a:solidFill>
-                  <a:schemeClr val="bg1">
-                    <a:lumMod val="65000"/>
-                  </a:schemeClr>
-                </a:solidFill>
-              </a:rPr>
-              <a:t>library repo: </a:t>
-            </a:r>
-            <a:endParaRPr lang="en-US" sz="3200" dirty="0">
-              <a:solidFill>
-                <a:schemeClr val="bg1">
-                  <a:lumMod val="65000"/>
-                </a:schemeClr>
-              </a:solidFill>
-            </a:endParaRPr>
-          </a:p>
-          <a:p>
-            <a:r>
-              <a:rPr lang="en-US" sz="3200" dirty="0" smtClean="0">
-                <a:solidFill>
-                  <a:schemeClr val="bg1">
-                    <a:lumMod val="65000"/>
-                  </a:schemeClr>
-                </a:solidFill>
-              </a:rPr>
-              <a:t>	</a:t>
-            </a:r>
-            <a:r>
-              <a:rPr lang="en-US" sz="3200" dirty="0" smtClean="0">
-                <a:solidFill>
-                  <a:schemeClr val="accent1">
-                    <a:lumMod val="75000"/>
-                  </a:schemeClr>
-                </a:solidFill>
-              </a:rPr>
-              <a:t>github.com/</a:t>
-            </a:r>
-            <a:r>
-              <a:rPr lang="en-US" sz="3200" dirty="0" err="1" smtClean="0">
-                <a:solidFill>
-                  <a:schemeClr val="accent1">
-                    <a:lumMod val="75000"/>
-                  </a:schemeClr>
-                </a:solidFill>
-              </a:rPr>
-              <a:t>eindacor</a:t>
-            </a:r>
-            <a:r>
-              <a:rPr lang="en-US" sz="3200" dirty="0" smtClean="0">
-                <a:solidFill>
-                  <a:schemeClr val="accent1">
-                    <a:lumMod val="75000"/>
-                  </a:schemeClr>
-                </a:solidFill>
-              </a:rPr>
-              <a:t>/</a:t>
-            </a:r>
-            <a:r>
-              <a:rPr lang="en-US" sz="3200" dirty="0" err="1" smtClean="0">
-                <a:solidFill>
-                  <a:schemeClr val="accent1">
-                    <a:lumMod val="75000"/>
-                  </a:schemeClr>
-                </a:solidFill>
-              </a:rPr>
-              <a:t>JEPbignum</a:t>
-            </a:r>
-            <a:endParaRPr lang="en-US" sz="3200" dirty="0" smtClean="0">
-              <a:solidFill>
-                <a:schemeClr val="accent1">
-                  <a:lumMod val="75000"/>
-                </a:schemeClr>
-              </a:solidFill>
-            </a:endParaRPr>
-          </a:p>
-          <a:p>
-            <a:endParaRPr lang="en-US" sz="3200" dirty="0" smtClean="0">
-              <a:solidFill>
-                <a:schemeClr val="accent1">
-                  <a:lumMod val="75000"/>
-                </a:schemeClr>
-              </a:solidFill>
-            </a:endParaRPr>
-          </a:p>
-          <a:p>
-            <a:r>
-              <a:rPr lang="en-US" sz="3200" dirty="0" smtClean="0">
-                <a:solidFill>
-                  <a:schemeClr val="bg1">
-                    <a:lumMod val="65000"/>
-                  </a:schemeClr>
-                </a:solidFill>
-              </a:rPr>
-              <a:t>calculator repo:</a:t>
-            </a:r>
-          </a:p>
-          <a:p>
-            <a:r>
-              <a:rPr lang="en-US" sz="3200" dirty="0">
-                <a:solidFill>
-                  <a:schemeClr val="bg1">
-                    <a:lumMod val="65000"/>
-                  </a:schemeClr>
-                </a:solidFill>
-              </a:rPr>
-              <a:t>	</a:t>
-            </a:r>
-            <a:r>
-              <a:rPr lang="en-US" sz="3200" dirty="0" smtClean="0">
-                <a:solidFill>
-                  <a:schemeClr val="accent1">
-                    <a:lumMod val="75000"/>
-                  </a:schemeClr>
-                </a:solidFill>
-              </a:rPr>
-              <a:t>github.com/</a:t>
-            </a:r>
-            <a:r>
-              <a:rPr lang="en-US" sz="3200" dirty="0" err="1" smtClean="0">
-                <a:solidFill>
-                  <a:schemeClr val="accent1">
-                    <a:lumMod val="75000"/>
-                  </a:schemeClr>
-                </a:solidFill>
-              </a:rPr>
-              <a:t>eindacor</a:t>
-            </a:r>
-            <a:r>
-              <a:rPr lang="en-US" sz="3200" dirty="0" smtClean="0">
-                <a:solidFill>
-                  <a:schemeClr val="accent1">
-                    <a:lumMod val="75000"/>
-                  </a:schemeClr>
-                </a:solidFill>
-              </a:rPr>
-              <a:t>/</a:t>
-            </a:r>
-            <a:r>
-              <a:rPr lang="en-US" sz="3200" dirty="0" err="1" smtClean="0">
-                <a:solidFill>
-                  <a:schemeClr val="accent1">
-                    <a:lumMod val="75000"/>
-                  </a:schemeClr>
-                </a:solidFill>
-              </a:rPr>
-              <a:t>JEPbignum_calculator</a:t>
-            </a:r>
-            <a:endParaRPr lang="en-US" sz="3200" dirty="0" smtClean="0">
-              <a:solidFill>
-                <a:schemeClr val="accent1">
-                  <a:lumMod val="75000"/>
-                </a:schemeClr>
-              </a:solidFill>
-            </a:endParaRPr>
-          </a:p>
-          <a:p>
-            <a:endParaRPr lang="en-US" sz="3200" dirty="0" smtClean="0">
-              <a:solidFill>
-                <a:schemeClr val="accent1">
-                  <a:lumMod val="75000"/>
-                </a:schemeClr>
-              </a:solidFill>
-            </a:endParaRPr>
-          </a:p>
-          <a:p>
-            <a:r>
-              <a:rPr lang="en-US" sz="3200" dirty="0" smtClean="0">
-                <a:solidFill>
-                  <a:schemeClr val="bg1">
-                    <a:lumMod val="65000"/>
-                  </a:schemeClr>
-                </a:solidFill>
-              </a:rPr>
-              <a:t>library docs: 		</a:t>
-            </a:r>
-          </a:p>
-          <a:p>
-            <a:r>
-              <a:rPr lang="en-US" sz="3200" dirty="0">
-                <a:solidFill>
-                  <a:schemeClr val="bg1">
-                    <a:lumMod val="65000"/>
-                  </a:schemeClr>
-                </a:solidFill>
-              </a:rPr>
-              <a:t>	</a:t>
-            </a:r>
-            <a:r>
-              <a:rPr lang="en-US" sz="3200" dirty="0" smtClean="0">
-                <a:solidFill>
-                  <a:schemeClr val="accent1">
-                    <a:lumMod val="75000"/>
-                  </a:schemeClr>
-                </a:solidFill>
-              </a:rPr>
-              <a:t>github.com/eindacor/JEPbignum/blob/master/README.md</a:t>
-            </a:r>
-          </a:p>
-        </p:txBody>
-      </p:sp>
-      <p:sp>
-        <p:nvSpPr>
-          <p:cNvPr id="7" name="TextBox 6"/>
-          <p:cNvSpPr txBox="1"/>
-          <p:nvPr/>
-        </p:nvSpPr>
-        <p:spPr>
-          <a:xfrm>
-            <a:off x="651976" y="221635"/>
-            <a:ext cx="10867658" cy="584775"/>
-          </a:xfrm>
-          <a:prstGeom prst="rect">
-            <a:avLst/>
-          </a:prstGeom>
-          <a:noFill/>
-        </p:spPr>
-        <p:txBody>
-          <a:bodyPr wrap="square" rtlCol="0">
-            <a:spAutoFit/>
-          </a:bodyPr>
-          <a:lstStyle/>
-          <a:p>
-            <a:r>
-              <a:rPr lang="en-US" sz="3200" b="1" dirty="0" smtClean="0">
-                <a:solidFill>
-                  <a:schemeClr val="accent2">
-                    <a:lumMod val="75000"/>
-                  </a:schemeClr>
-                </a:solidFill>
-              </a:rPr>
-              <a:t>Source</a:t>
-            </a:r>
-            <a:endParaRPr lang="en-US" sz="3200" b="1" dirty="0" smtClean="0"/>
-          </a:p>
-        </p:txBody>
-      </p:sp>
-    </p:spTree>
-    <p:extLst>
-      <p:ext uri="{BB962C8B-B14F-4D97-AF65-F5344CB8AC3E}">
-        <p14:creationId xmlns:p14="http://schemas.microsoft.com/office/powerpoint/2010/main" val="2049387764"/>
-      </p:ext>
-    </p:extLst>
-  </p:cSld>
-  <p:clrMapOvr>
-    <a:masterClrMapping/>
-  </p:clrMapOvr>
-  <p:timing>
-    <p:tnLst>
-      <p:par>
-        <p:cTn id="1" dur="indefinite" restart="never" nodeType="tmRoot"/>
-      </p:par>
-    </p:tnLst>
-  </p:timing>
-</p:sld>
-</file>
-
-<file path=ppt/slides/slide3.xml><?xml version="1.0" encoding="utf-8"?>
-<p:sld xmlns:a="http://schemas.openxmlformats.org/drawingml/2006/main" xmlns:r="http://schemas.openxmlformats.org/officeDocument/2006/relationships" xmlns:p="http://schemas.openxmlformats.org/presentationml/2006/main">
-  <p:cSld>
-    <p:spTree>
-      <p:nvGrpSpPr>
-        <p:cNvPr id="1" name=""/>
-        <p:cNvGrpSpPr/>
-        <p:nvPr/>
-      </p:nvGrpSpPr>
-      <p:grpSpPr>
-        <a:xfrm>
-          <a:off x="0" y="0"/>
-          <a:ext cx="0" cy="0"/>
-          <a:chOff x="0" y="0"/>
-          <a:chExt cx="0" cy="0"/>
-        </a:xfrm>
-      </p:grpSpPr>
-      <p:sp>
-        <p:nvSpPr>
-          <p:cNvPr id="7" name="TextBox 6"/>
-          <p:cNvSpPr txBox="1"/>
-          <p:nvPr/>
-        </p:nvSpPr>
-        <p:spPr>
-          <a:xfrm>
-            <a:off x="651976" y="221635"/>
-            <a:ext cx="10867658" cy="584775"/>
-          </a:xfrm>
-          <a:prstGeom prst="rect">
-            <a:avLst/>
-          </a:prstGeom>
-          <a:noFill/>
-        </p:spPr>
-        <p:txBody>
-          <a:bodyPr wrap="square" rtlCol="0">
-            <a:spAutoFit/>
-          </a:bodyPr>
-          <a:lstStyle/>
-          <a:p>
-            <a:r>
-              <a:rPr lang="en-US" sz="3200" b="1" dirty="0" smtClean="0">
-                <a:solidFill>
-                  <a:schemeClr val="accent2">
-                    <a:lumMod val="75000"/>
-                  </a:schemeClr>
-                </a:solidFill>
-              </a:rPr>
-              <a:t>Documentation</a:t>
-            </a:r>
-            <a:endParaRPr lang="en-US" sz="3200" b="1" dirty="0" smtClean="0"/>
-          </a:p>
-        </p:txBody>
-      </p:sp>
       <p:pic>
         <p:nvPicPr>
           <p:cNvPr id="2" name="Picture 1"/>
@@ -4374,14 +5103,14 @@
           <p:nvPr/>
         </p:nvPicPr>
         <p:blipFill>
-          <a:blip r:embed="rId2"/>
+          <a:blip r:embed="rId3"/>
           <a:stretch>
             <a:fillRect/>
           </a:stretch>
         </p:blipFill>
         <p:spPr>
           <a:xfrm>
-            <a:off x="2701636" y="806410"/>
+            <a:off x="2193636" y="750991"/>
             <a:ext cx="7808768" cy="5623974"/>
           </a:xfrm>
           <a:prstGeom prst="rect">
@@ -4412,6 +5141,20 @@
 <file path=ppt/slides/slide4.xml><?xml version="1.0" encoding="utf-8"?>
 <p:sld xmlns:a="http://schemas.openxmlformats.org/drawingml/2006/main" xmlns:r="http://schemas.openxmlformats.org/officeDocument/2006/relationships" xmlns:p="http://schemas.openxmlformats.org/presentationml/2006/main">
   <p:cSld>
+    <p:bg>
+      <p:bgPr>
+        <a:blipFill dpi="0" rotWithShape="1">
+          <a:blip r:embed="rId2">
+            <a:lum/>
+          </a:blip>
+          <a:srcRect/>
+          <a:stretch>
+            <a:fillRect/>
+          </a:stretch>
+        </a:blipFill>
+        <a:effectLst/>
+      </p:bgPr>
+    </p:bg>
     <p:spTree>
       <p:nvGrpSpPr>
         <p:cNvPr id="1" name=""/>
@@ -4435,7 +5178,7 @@
           <p:nvPr/>
         </p:nvPicPr>
         <p:blipFill>
-          <a:blip r:embed="rId2">
+          <a:blip r:embed="rId3">
             <a:extLst>
               <a:ext uri="{28A0092B-C50C-407E-A947-70E740481C1C}">
                 <a14:useLocalDpi xmlns:a14="http://schemas.microsoft.com/office/drawing/2010/main" val="0"/>
@@ -4456,42 +5199,6 @@
           </a:prstGeom>
         </p:spPr>
       </p:pic>
-      <p:sp>
-        <p:nvSpPr>
-          <p:cNvPr id="5" name="TextBox 4"/>
-          <p:cNvSpPr txBox="1"/>
-          <p:nvPr/>
-        </p:nvSpPr>
-        <p:spPr>
-          <a:xfrm>
-            <a:off x="651976" y="221635"/>
-            <a:ext cx="10867658" cy="584775"/>
-          </a:xfrm>
-          <a:prstGeom prst="rect">
-            <a:avLst/>
-          </a:prstGeom>
-          <a:noFill/>
-        </p:spPr>
-        <p:txBody>
-          <a:bodyPr wrap="square" rtlCol="0">
-            <a:spAutoFit/>
-          </a:bodyPr>
-          <a:lstStyle/>
-          <a:p>
-            <a:r>
-              <a:rPr lang="en-US" sz="3200" b="1" dirty="0" smtClean="0">
-                <a:solidFill>
-                  <a:schemeClr val="accent2">
-                    <a:lumMod val="75000"/>
-                  </a:schemeClr>
-                </a:solidFill>
-              </a:rPr>
-              <a:t>Methods</a:t>
-            </a:r>
-            <a:endParaRPr lang="en-US" sz="3200" b="1" dirty="0" smtClean="0"/>
-          </a:p>
-        </p:txBody>
-      </p:sp>
     </p:spTree>
     <p:extLst>
       <p:ext uri="{BB962C8B-B14F-4D97-AF65-F5344CB8AC3E}">
@@ -4515,109 +5222,20 @@
 <file path=ppt/slides/slide5.xml><?xml version="1.0" encoding="utf-8"?>
 <p:sld xmlns:a="http://schemas.openxmlformats.org/drawingml/2006/main" xmlns:r="http://schemas.openxmlformats.org/officeDocument/2006/relationships" xmlns:p="http://schemas.openxmlformats.org/presentationml/2006/main">
   <p:cSld>
-    <p:spTree>
-      <p:nvGrpSpPr>
-        <p:cNvPr id="1" name=""/>
-        <p:cNvGrpSpPr/>
-        <p:nvPr/>
-      </p:nvGrpSpPr>
-      <p:grpSpPr>
-        <a:xfrm>
-          <a:off x="0" y="0"/>
-          <a:ext cx="0" cy="0"/>
-          <a:chOff x="0" y="0"/>
-          <a:chExt cx="0" cy="0"/>
-        </a:xfrm>
-      </p:grpSpPr>
-      <p:pic>
-        <p:nvPicPr>
-          <p:cNvPr id="4" name="Picture 3"/>
-          <p:cNvPicPr>
-            <a:picLocks noChangeAspect="1"/>
-          </p:cNvPicPr>
-          <p:nvPr/>
-        </p:nvPicPr>
-        <p:blipFill>
+    <p:bg>
+      <p:bgPr>
+        <a:blipFill dpi="0" rotWithShape="1">
           <a:blip r:embed="rId2">
-            <a:extLst>
-              <a:ext uri="{28A0092B-C50C-407E-A947-70E740481C1C}">
-                <a14:useLocalDpi xmlns:a14="http://schemas.microsoft.com/office/drawing/2010/main" val="0"/>
-              </a:ext>
-            </a:extLst>
+            <a:lum/>
           </a:blip>
+          <a:srcRect/>
           <a:stretch>
             <a:fillRect/>
           </a:stretch>
-        </p:blipFill>
-        <p:spPr>
-          <a:xfrm>
-            <a:off x="96001" y="1146257"/>
-            <a:ext cx="11929083" cy="4484522"/>
-          </a:xfrm>
-          <a:prstGeom prst="rect">
-            <a:avLst/>
-          </a:prstGeom>
-        </p:spPr>
-      </p:pic>
-      <p:sp>
-        <p:nvSpPr>
-          <p:cNvPr id="6" name="TextBox 5"/>
-          <p:cNvSpPr txBox="1"/>
-          <p:nvPr/>
-        </p:nvSpPr>
-        <p:spPr>
-          <a:xfrm>
-            <a:off x="651976" y="221635"/>
-            <a:ext cx="10867658" cy="584775"/>
-          </a:xfrm>
-          <a:prstGeom prst="rect">
-            <a:avLst/>
-          </a:prstGeom>
-          <a:noFill/>
-        </p:spPr>
-        <p:txBody>
-          <a:bodyPr wrap="square" rtlCol="0">
-            <a:spAutoFit/>
-          </a:bodyPr>
-          <a:lstStyle/>
-          <a:p>
-            <a:r>
-              <a:rPr lang="en-US" sz="3200" b="1" dirty="0" smtClean="0">
-                <a:solidFill>
-                  <a:schemeClr val="accent2">
-                    <a:lumMod val="75000"/>
-                  </a:schemeClr>
-                </a:solidFill>
-              </a:rPr>
-              <a:t>Constructors</a:t>
-            </a:r>
-            <a:endParaRPr lang="en-US" sz="3200" b="1" dirty="0" smtClean="0"/>
-          </a:p>
-        </p:txBody>
-      </p:sp>
-    </p:spTree>
-    <p:extLst>
-      <p:ext uri="{BB962C8B-B14F-4D97-AF65-F5344CB8AC3E}">
-        <p14:creationId xmlns:p14="http://schemas.microsoft.com/office/powerpoint/2010/main" val="1531659038"/>
-      </p:ext>
-    </p:extLst>
-  </p:cSld>
-  <p:clrMapOvr>
-    <a:masterClrMapping/>
-  </p:clrMapOvr>
-  <p:timing>
-    <p:tnLst>
-      <p:par>
-        <p:cTn id="1" dur="indefinite" restart="never" nodeType="tmRoot"/>
-      </p:par>
-    </p:tnLst>
-  </p:timing>
-</p:sld>
-</file>
-
-<file path=ppt/slides/slide6.xml><?xml version="1.0" encoding="utf-8"?>
-<p:sld xmlns:a="http://schemas.openxmlformats.org/drawingml/2006/main" xmlns:r="http://schemas.openxmlformats.org/officeDocument/2006/relationships" xmlns:p="http://schemas.openxmlformats.org/presentationml/2006/main">
-  <p:cSld>
+        </a:blipFill>
+        <a:effectLst/>
+      </p:bgPr>
+    </p:bg>
     <p:spTree>
       <p:nvGrpSpPr>
         <p:cNvPr id="1" name=""/>
@@ -4641,7 +5259,7 @@
           <p:nvPr/>
         </p:nvPicPr>
         <p:blipFill>
-          <a:blip r:embed="rId2">
+          <a:blip r:embed="rId3">
             <a:extLst>
               <a:ext uri="{28A0092B-C50C-407E-A947-70E740481C1C}">
                 <a14:useLocalDpi xmlns:a14="http://schemas.microsoft.com/office/drawing/2010/main" val="0"/>
@@ -4654,231 +5272,18 @@
         </p:blipFill>
         <p:spPr>
           <a:xfrm>
-            <a:off x="651976" y="911643"/>
-            <a:ext cx="10270428" cy="2700046"/>
+            <a:off x="1163782" y="2114851"/>
+            <a:ext cx="10058400" cy="2686504"/>
           </a:xfrm>
           <a:prstGeom prst="rect">
             <a:avLst/>
           </a:prstGeom>
         </p:spPr>
       </p:pic>
-      <p:sp>
-        <p:nvSpPr>
-          <p:cNvPr id="3" name="TextBox 2"/>
-          <p:cNvSpPr txBox="1"/>
-          <p:nvPr/>
-        </p:nvSpPr>
-        <p:spPr>
-          <a:xfrm>
-            <a:off x="651976" y="3716922"/>
-            <a:ext cx="10867658" cy="3293209"/>
-          </a:xfrm>
-          <a:prstGeom prst="rect">
-            <a:avLst/>
-          </a:prstGeom>
-          <a:noFill/>
-        </p:spPr>
-        <p:txBody>
-          <a:bodyPr wrap="square" rtlCol="0">
-            <a:spAutoFit/>
-          </a:bodyPr>
-          <a:lstStyle/>
-          <a:p>
-            <a:r>
-              <a:rPr lang="en-US" sz="2800" dirty="0" smtClean="0">
-                <a:solidFill>
-                  <a:schemeClr val="accent2">
-                    <a:lumMod val="75000"/>
-                  </a:schemeClr>
-                </a:solidFill>
-              </a:rPr>
-              <a:t>In code: </a:t>
-            </a:r>
-            <a:r>
-              <a:rPr lang="en-US" sz="2800" dirty="0" smtClean="0">
-                <a:solidFill>
-                  <a:schemeClr val="accent2">
-                    <a:lumMod val="75000"/>
-                  </a:schemeClr>
-                </a:solidFill>
-              </a:rPr>
-              <a:t>	</a:t>
-            </a:r>
-            <a:r>
-              <a:rPr lang="en-US" sz="2800" dirty="0" smtClean="0"/>
-              <a:t>1.25 </a:t>
-            </a:r>
-          </a:p>
-          <a:p>
-            <a:r>
-              <a:rPr lang="en-US" sz="2800" dirty="0">
-                <a:solidFill>
-                  <a:schemeClr val="accent2">
-                    <a:lumMod val="75000"/>
-                  </a:schemeClr>
-                </a:solidFill>
-              </a:rPr>
-              <a:t>In </a:t>
-            </a:r>
-            <a:r>
-              <a:rPr lang="en-US" sz="2800" dirty="0" smtClean="0">
-                <a:solidFill>
-                  <a:schemeClr val="accent2">
-                    <a:lumMod val="75000"/>
-                  </a:schemeClr>
-                </a:solidFill>
-              </a:rPr>
-              <a:t>binary:	</a:t>
-            </a:r>
-            <a:r>
-              <a:rPr lang="en-US" sz="2800" dirty="0" smtClean="0"/>
-              <a:t>(1.01 * (10 ^ 0))</a:t>
-            </a:r>
-            <a:endParaRPr lang="en-US" sz="2800" dirty="0" smtClean="0"/>
-          </a:p>
-          <a:p>
-            <a:endParaRPr lang="en-US" sz="2800" dirty="0"/>
-          </a:p>
-          <a:p>
-            <a:r>
-              <a:rPr lang="en-US" sz="2800" dirty="0" smtClean="0">
-                <a:solidFill>
-                  <a:schemeClr val="accent2">
-                    <a:lumMod val="75000"/>
-                  </a:schemeClr>
-                </a:solidFill>
-              </a:rPr>
-              <a:t>In memory: </a:t>
-            </a:r>
-            <a:r>
-              <a:rPr lang="en-US" sz="2800" dirty="0" smtClean="0">
-                <a:solidFill>
-                  <a:schemeClr val="accent2">
-                    <a:lumMod val="75000"/>
-                  </a:schemeClr>
-                </a:solidFill>
-              </a:rPr>
-              <a:t>	</a:t>
-            </a:r>
-            <a:r>
-              <a:rPr lang="en-US" sz="2800" dirty="0" smtClean="0"/>
-              <a:t>0 </a:t>
-            </a:r>
-            <a:r>
-              <a:rPr lang="en-US" sz="2800" dirty="0" smtClean="0"/>
-              <a:t>01111111 01000000000000000000000</a:t>
-            </a:r>
-          </a:p>
-          <a:p>
-            <a:r>
-              <a:rPr lang="en-US" sz="2400" dirty="0" smtClean="0"/>
-              <a:t>       </a:t>
-            </a:r>
-            <a:r>
-              <a:rPr lang="en-US" sz="2400" dirty="0" smtClean="0">
-                <a:solidFill>
-                  <a:schemeClr val="accent2">
-                    <a:lumMod val="75000"/>
-                  </a:schemeClr>
-                </a:solidFill>
-              </a:rPr>
-              <a:t> Sign: </a:t>
-            </a:r>
-            <a:r>
-              <a:rPr lang="en-US" sz="2400" dirty="0" smtClean="0"/>
-              <a:t>0</a:t>
-            </a:r>
-          </a:p>
-          <a:p>
-            <a:r>
-              <a:rPr lang="en-US" sz="2400" dirty="0" smtClean="0"/>
-              <a:t>        </a:t>
-            </a:r>
-            <a:r>
-              <a:rPr lang="en-US" sz="2400" dirty="0" smtClean="0">
-                <a:solidFill>
-                  <a:schemeClr val="accent2">
-                    <a:lumMod val="75000"/>
-                  </a:schemeClr>
-                </a:solidFill>
-              </a:rPr>
-              <a:t>Exponent: </a:t>
-            </a:r>
-            <a:r>
-              <a:rPr lang="en-US" sz="2400" dirty="0" smtClean="0"/>
-              <a:t>01111111 </a:t>
-            </a:r>
-            <a:r>
-              <a:rPr lang="en-US" sz="2400" smtClean="0"/>
-              <a:t>(127)</a:t>
-            </a:r>
-            <a:endParaRPr lang="en-US" sz="2400" dirty="0" smtClean="0"/>
-          </a:p>
-          <a:p>
-            <a:r>
-              <a:rPr lang="en-US" sz="2400" dirty="0" smtClean="0"/>
-              <a:t>        </a:t>
-            </a:r>
-            <a:r>
-              <a:rPr lang="en-US" sz="2400" dirty="0" smtClean="0">
-                <a:solidFill>
-                  <a:schemeClr val="accent2">
-                    <a:lumMod val="75000"/>
-                  </a:schemeClr>
-                </a:solidFill>
-              </a:rPr>
-              <a:t>Mantissa: </a:t>
-            </a:r>
-            <a:r>
-              <a:rPr lang="en-US" sz="2400" dirty="0" smtClean="0"/>
-              <a:t>01000000000000000000000</a:t>
-            </a:r>
-          </a:p>
-          <a:p>
-            <a:endParaRPr lang="en-US" sz="2400" dirty="0" smtClean="0"/>
-          </a:p>
-        </p:txBody>
-      </p:sp>
-      <p:sp>
-        <p:nvSpPr>
-          <p:cNvPr id="4" name="TextBox 3"/>
-          <p:cNvSpPr txBox="1"/>
-          <p:nvPr/>
-        </p:nvSpPr>
-        <p:spPr>
-          <a:xfrm>
-            <a:off x="651976" y="221635"/>
-            <a:ext cx="10867658" cy="584775"/>
-          </a:xfrm>
-          <a:prstGeom prst="rect">
-            <a:avLst/>
-          </a:prstGeom>
-          <a:noFill/>
-        </p:spPr>
-        <p:txBody>
-          <a:bodyPr wrap="square" rtlCol="0">
-            <a:spAutoFit/>
-          </a:bodyPr>
-          <a:lstStyle/>
-          <a:p>
-            <a:r>
-              <a:rPr lang="en-US" sz="3200" b="1" dirty="0" smtClean="0">
-                <a:solidFill>
-                  <a:schemeClr val="accent2">
-                    <a:lumMod val="75000"/>
-                  </a:schemeClr>
-                </a:solidFill>
-              </a:rPr>
-              <a:t>Floating Point Representation</a:t>
-            </a:r>
-            <a:endParaRPr lang="en-US" sz="3200" b="1" dirty="0" smtClean="0"/>
-          </a:p>
-        </p:txBody>
-      </p:sp>
     </p:spTree>
     <p:extLst>
       <p:ext uri="{BB962C8B-B14F-4D97-AF65-F5344CB8AC3E}">
-        <p14:creationId xmlns:p14="http://schemas.microsoft.com/office/powerpoint/2010/main" val="2808229729"/>
+        <p14:creationId xmlns:p14="http://schemas.microsoft.com/office/powerpoint/2010/main" val="3996185884"/>
       </p:ext>
     </p:extLst>
   </p:cSld>
@@ -4895,9 +5300,23 @@
 </p:sld>
 </file>
 
-<file path=ppt/slides/slide7.xml><?xml version="1.0" encoding="utf-8"?>
+<file path=ppt/slides/slide6.xml><?xml version="1.0" encoding="utf-8"?>
 <p:sld xmlns:a="http://schemas.openxmlformats.org/drawingml/2006/main" xmlns:r="http://schemas.openxmlformats.org/officeDocument/2006/relationships" xmlns:p="http://schemas.openxmlformats.org/presentationml/2006/main">
   <p:cSld>
+    <p:bg>
+      <p:bgPr>
+        <a:blipFill dpi="0" rotWithShape="1">
+          <a:blip r:embed="rId2">
+            <a:lum/>
+          </a:blip>
+          <a:srcRect/>
+          <a:stretch>
+            <a:fillRect/>
+          </a:stretch>
+        </a:blipFill>
+        <a:effectLst/>
+      </p:bgPr>
+    </p:bg>
     <p:spTree>
       <p:nvGrpSpPr>
         <p:cNvPr id="1" name=""/>
@@ -4912,199 +5331,6 @@
           <a:chExt cx="0" cy="0"/>
         </a:xfrm>
       </p:grpSpPr>
-      <p:sp>
-        <p:nvSpPr>
-          <p:cNvPr id="5" name="TextBox 4"/>
-          <p:cNvSpPr txBox="1"/>
-          <p:nvPr/>
-        </p:nvSpPr>
-        <p:spPr>
-          <a:xfrm>
-            <a:off x="651976" y="221635"/>
-            <a:ext cx="10867658" cy="584775"/>
-          </a:xfrm>
-          <a:prstGeom prst="rect">
-            <a:avLst/>
-          </a:prstGeom>
-          <a:noFill/>
-        </p:spPr>
-        <p:txBody>
-          <a:bodyPr wrap="square" rtlCol="0">
-            <a:spAutoFit/>
-          </a:bodyPr>
-          <a:lstStyle/>
-          <a:p>
-            <a:r>
-              <a:rPr lang="en-US" sz="3200" b="1" dirty="0" smtClean="0">
-                <a:solidFill>
-                  <a:schemeClr val="accent2">
-                    <a:lumMod val="75000"/>
-                  </a:schemeClr>
-                </a:solidFill>
-              </a:rPr>
-              <a:t>Float Constructor</a:t>
-            </a:r>
-            <a:endParaRPr lang="en-US" sz="3200" b="1" dirty="0" smtClean="0"/>
-          </a:p>
-        </p:txBody>
-      </p:sp>
-      <p:pic>
-        <p:nvPicPr>
-          <p:cNvPr id="3" name="Picture 2"/>
-          <p:cNvPicPr>
-            <a:picLocks noChangeAspect="1"/>
-          </p:cNvPicPr>
-          <p:nvPr/>
-        </p:nvPicPr>
-        <p:blipFill>
-          <a:blip r:embed="rId2"/>
-          <a:stretch>
-            <a:fillRect/>
-          </a:stretch>
-        </p:blipFill>
-        <p:spPr>
-          <a:xfrm>
-            <a:off x="1027400" y="1098406"/>
-            <a:ext cx="10079299" cy="4741285"/>
-          </a:xfrm>
-          <a:prstGeom prst="rect">
-            <a:avLst/>
-          </a:prstGeom>
-        </p:spPr>
-      </p:pic>
-      <p:pic>
-        <p:nvPicPr>
-          <p:cNvPr id="7" name="Picture 6"/>
-          <p:cNvPicPr>
-            <a:picLocks noChangeAspect="1"/>
-          </p:cNvPicPr>
-          <p:nvPr/>
-        </p:nvPicPr>
-        <p:blipFill>
-          <a:blip r:embed="rId3">
-            <a:extLst>
-              <a:ext uri="{28A0092B-C50C-407E-A947-70E740481C1C}">
-                <a14:useLocalDpi xmlns:a14="http://schemas.microsoft.com/office/drawing/2010/main" val="0"/>
-              </a:ext>
-            </a:extLst>
-          </a:blip>
-          <a:stretch>
-            <a:fillRect/>
-          </a:stretch>
-        </p:blipFill>
-        <p:spPr>
-          <a:xfrm>
-            <a:off x="6827831" y="5366084"/>
-            <a:ext cx="5271494" cy="1385850"/>
-          </a:xfrm>
-          <a:prstGeom prst="rect">
-            <a:avLst/>
-          </a:prstGeom>
-        </p:spPr>
-      </p:pic>
-    </p:spTree>
-    <p:extLst>
-      <p:ext uri="{BB962C8B-B14F-4D97-AF65-F5344CB8AC3E}">
-        <p14:creationId xmlns:p14="http://schemas.microsoft.com/office/powerpoint/2010/main" val="4234591699"/>
-      </p:ext>
-    </p:extLst>
-  </p:cSld>
-  <p:clrMapOvr>
-    <a:masterClrMapping/>
-  </p:clrMapOvr>
-  <p:timing>
-    <p:tnLst>
-      <p:par>
-        <p:cTn id="1" dur="indefinite" restart="never" nodeType="tmRoot"/>
-      </p:par>
-    </p:tnLst>
-  </p:timing>
-</p:sld>
-</file>
-
-<file path=ppt/slides/slide8.xml><?xml version="1.0" encoding="utf-8"?>
-<p:sld xmlns:a="http://schemas.openxmlformats.org/drawingml/2006/main" xmlns:r="http://schemas.openxmlformats.org/officeDocument/2006/relationships" xmlns:p="http://schemas.openxmlformats.org/presentationml/2006/main">
-  <p:cSld>
-    <p:spTree>
-      <p:nvGrpSpPr>
-        <p:cNvPr id="1" name=""/>
-        <p:cNvGrpSpPr/>
-        <p:nvPr/>
-      </p:nvGrpSpPr>
-      <p:grpSpPr>
-        <a:xfrm>
-          <a:off x="0" y="0"/>
-          <a:ext cx="0" cy="0"/>
-          <a:chOff x="0" y="0"/>
-          <a:chExt cx="0" cy="0"/>
-        </a:xfrm>
-      </p:grpSpPr>
-      <p:pic>
-        <p:nvPicPr>
-          <p:cNvPr id="2" name="Picture 1"/>
-          <p:cNvPicPr>
-            <a:picLocks noChangeAspect="1"/>
-          </p:cNvPicPr>
-          <p:nvPr/>
-        </p:nvPicPr>
-        <p:blipFill>
-          <a:blip r:embed="rId2">
-            <a:extLst>
-              <a:ext uri="{28A0092B-C50C-407E-A947-70E740481C1C}">
-                <a14:useLocalDpi xmlns:a14="http://schemas.microsoft.com/office/drawing/2010/main" val="0"/>
-              </a:ext>
-            </a:extLst>
-          </a:blip>
-          <a:stretch>
-            <a:fillRect/>
-          </a:stretch>
-        </p:blipFill>
-        <p:spPr>
-          <a:xfrm>
-            <a:off x="598569" y="1068931"/>
-            <a:ext cx="11593431" cy="4706096"/>
-          </a:xfrm>
-          <a:prstGeom prst="rect">
-            <a:avLst/>
-          </a:prstGeom>
-        </p:spPr>
-      </p:pic>
-      <p:sp>
-        <p:nvSpPr>
-          <p:cNvPr id="3" name="TextBox 2"/>
-          <p:cNvSpPr txBox="1"/>
-          <p:nvPr/>
-        </p:nvSpPr>
-        <p:spPr>
-          <a:xfrm>
-            <a:off x="651976" y="221635"/>
-            <a:ext cx="10867658" cy="584775"/>
-          </a:xfrm>
-          <a:prstGeom prst="rect">
-            <a:avLst/>
-          </a:prstGeom>
-          <a:noFill/>
-        </p:spPr>
-        <p:txBody>
-          <a:bodyPr wrap="square" rtlCol="0">
-            <a:spAutoFit/>
-          </a:bodyPr>
-          <a:lstStyle/>
-          <a:p>
-            <a:r>
-              <a:rPr lang="en-US" sz="3200" b="1" dirty="0" smtClean="0">
-                <a:solidFill>
-                  <a:schemeClr val="accent2">
-                    <a:lumMod val="75000"/>
-                  </a:schemeClr>
-                </a:solidFill>
-              </a:rPr>
-              <a:t>Float Constructor</a:t>
-            </a:r>
-            <a:endParaRPr lang="en-US" sz="3200" b="1" dirty="0" smtClean="0"/>
-          </a:p>
-        </p:txBody>
-      </p:sp>
       <p:pic>
         <p:nvPicPr>
           <p:cNvPr id="5" name="Picture 4"/>
@@ -5127,8 +5353,8 @@
         </p:blipFill>
         <p:spPr>
           <a:xfrm>
-            <a:off x="6827831" y="5366084"/>
-            <a:ext cx="5271494" cy="1385850"/>
+            <a:off x="1163783" y="2114851"/>
+            <a:ext cx="10058398" cy="2686504"/>
           </a:xfrm>
           <a:prstGeom prst="rect">
             <a:avLst/>
@@ -5138,7 +5364,169 @@
     </p:spTree>
     <p:extLst>
       <p:ext uri="{BB962C8B-B14F-4D97-AF65-F5344CB8AC3E}">
-        <p14:creationId xmlns:p14="http://schemas.microsoft.com/office/powerpoint/2010/main" val="1000388154"/>
+        <p14:creationId xmlns:p14="http://schemas.microsoft.com/office/powerpoint/2010/main" val="1531659038"/>
+      </p:ext>
+    </p:extLst>
+  </p:cSld>
+  <p:clrMapOvr>
+    <a:masterClrMapping/>
+  </p:clrMapOvr>
+  <p:timing>
+    <p:tnLst>
+      <p:par>
+        <p:cTn id="1" dur="indefinite" restart="never" nodeType="tmRoot"/>
+      </p:par>
+    </p:tnLst>
+  </p:timing>
+</p:sld>
+</file>
+
+<file path=ppt/slides/slide7.xml><?xml version="1.0" encoding="utf-8"?>
+<p:sld xmlns:a="http://schemas.openxmlformats.org/drawingml/2006/main" xmlns:r="http://schemas.openxmlformats.org/officeDocument/2006/relationships" xmlns:p="http://schemas.openxmlformats.org/presentationml/2006/main">
+  <p:cSld>
+    <p:bg>
+      <p:bgPr>
+        <a:blipFill dpi="0" rotWithShape="1">
+          <a:blip r:embed="rId2">
+            <a:lum/>
+          </a:blip>
+          <a:srcRect/>
+          <a:stretch>
+            <a:fillRect/>
+          </a:stretch>
+        </a:blipFill>
+        <a:effectLst/>
+      </p:bgPr>
+    </p:bg>
+    <p:spTree>
+      <p:nvGrpSpPr>
+        <p:cNvPr id="1" name=""/>
+        <p:cNvGrpSpPr/>
+        <p:nvPr/>
+      </p:nvGrpSpPr>
+      <p:grpSpPr>
+        <a:xfrm>
+          <a:off x="0" y="0"/>
+          <a:ext cx="0" cy="0"/>
+          <a:chOff x="0" y="0"/>
+          <a:chExt cx="0" cy="0"/>
+        </a:xfrm>
+      </p:grpSpPr>
+      <p:pic>
+        <p:nvPicPr>
+          <p:cNvPr id="6" name="Picture 5"/>
+          <p:cNvPicPr>
+            <a:picLocks noChangeAspect="1"/>
+          </p:cNvPicPr>
+          <p:nvPr/>
+        </p:nvPicPr>
+        <p:blipFill>
+          <a:blip r:embed="rId3">
+            <a:extLst>
+              <a:ext uri="{28A0092B-C50C-407E-A947-70E740481C1C}">
+                <a14:useLocalDpi xmlns:a14="http://schemas.microsoft.com/office/drawing/2010/main" val="0"/>
+              </a:ext>
+            </a:extLst>
+          </a:blip>
+          <a:stretch>
+            <a:fillRect/>
+          </a:stretch>
+        </p:blipFill>
+        <p:spPr>
+          <a:xfrm>
+            <a:off x="1872877" y="2602884"/>
+            <a:ext cx="8421317" cy="2347808"/>
+          </a:xfrm>
+          <a:prstGeom prst="rect">
+            <a:avLst/>
+          </a:prstGeom>
+        </p:spPr>
+      </p:pic>
+    </p:spTree>
+    <p:extLst>
+      <p:ext uri="{BB962C8B-B14F-4D97-AF65-F5344CB8AC3E}">
+        <p14:creationId xmlns:p14="http://schemas.microsoft.com/office/powerpoint/2010/main" val="3591094638"/>
+      </p:ext>
+    </p:extLst>
+  </p:cSld>
+  <p:clrMapOvr>
+    <a:masterClrMapping/>
+  </p:clrMapOvr>
+  <p:timing>
+    <p:tnLst>
+      <p:par>
+        <p:cTn id="1" dur="indefinite" restart="never" nodeType="tmRoot"/>
+      </p:par>
+    </p:tnLst>
+  </p:timing>
+</p:sld>
+</file>
+
+<file path=ppt/slides/slide8.xml><?xml version="1.0" encoding="utf-8"?>
+<p:sld xmlns:a="http://schemas.openxmlformats.org/drawingml/2006/main" xmlns:r="http://schemas.openxmlformats.org/officeDocument/2006/relationships" xmlns:p="http://schemas.openxmlformats.org/presentationml/2006/main">
+  <p:cSld>
+    <p:bg>
+      <p:bgPr>
+        <a:blipFill dpi="0" rotWithShape="1">
+          <a:blip r:embed="rId2">
+            <a:lum/>
+          </a:blip>
+          <a:srcRect/>
+          <a:stretch>
+            <a:fillRect/>
+          </a:stretch>
+        </a:blipFill>
+        <a:effectLst/>
+      </p:bgPr>
+    </p:bg>
+    <p:spTree>
+      <p:nvGrpSpPr>
+        <p:cNvPr id="1" name=""/>
+        <p:cNvGrpSpPr/>
+        <p:nvPr/>
+      </p:nvGrpSpPr>
+      <p:grpSpPr>
+        <a:xfrm>
+          <a:off x="0" y="0"/>
+          <a:ext cx="0" cy="0"/>
+          <a:chOff x="0" y="0"/>
+          <a:chExt cx="0" cy="0"/>
+        </a:xfrm>
+      </p:grpSpPr>
+      <p:pic>
+        <p:nvPicPr>
+          <p:cNvPr id="11" name="Picture 10"/>
+          <p:cNvPicPr>
+            <a:picLocks noChangeAspect="1"/>
+          </p:cNvPicPr>
+          <p:nvPr/>
+        </p:nvPicPr>
+        <p:blipFill>
+          <a:blip r:embed="rId3">
+            <a:extLst>
+              <a:ext uri="{28A0092B-C50C-407E-A947-70E740481C1C}">
+                <a14:useLocalDpi xmlns:a14="http://schemas.microsoft.com/office/drawing/2010/main" val="0"/>
+              </a:ext>
+            </a:extLst>
+          </a:blip>
+          <a:stretch>
+            <a:fillRect/>
+          </a:stretch>
+        </p:blipFill>
+        <p:spPr>
+          <a:xfrm>
+            <a:off x="1872877" y="2602883"/>
+            <a:ext cx="8421317" cy="2347808"/>
+          </a:xfrm>
+          <a:prstGeom prst="rect">
+            <a:avLst/>
+          </a:prstGeom>
+        </p:spPr>
+      </p:pic>
+    </p:spTree>
+    <p:extLst>
+      <p:ext uri="{BB962C8B-B14F-4D97-AF65-F5344CB8AC3E}">
+        <p14:creationId xmlns:p14="http://schemas.microsoft.com/office/powerpoint/2010/main" val="2808229729"/>
       </p:ext>
     </p:extLst>
   </p:cSld>
@@ -5158,6 +5546,20 @@
 <file path=ppt/slides/slide9.xml><?xml version="1.0" encoding="utf-8"?>
 <p:sld xmlns:a="http://schemas.openxmlformats.org/drawingml/2006/main" xmlns:r="http://schemas.openxmlformats.org/officeDocument/2006/relationships" xmlns:p="http://schemas.openxmlformats.org/presentationml/2006/main">
   <p:cSld>
+    <p:bg>
+      <p:bgPr>
+        <a:blipFill dpi="0" rotWithShape="1">
+          <a:blip r:embed="rId2">
+            <a:lum/>
+          </a:blip>
+          <a:srcRect/>
+          <a:stretch>
+            <a:fillRect/>
+          </a:stretch>
+        </a:blipFill>
+        <a:effectLst/>
+      </p:bgPr>
+    </p:bg>
     <p:spTree>
       <p:nvGrpSpPr>
         <p:cNvPr id="1" name=""/>
@@ -5172,69 +5574,9 @@
           <a:chExt cx="0" cy="0"/>
         </a:xfrm>
       </p:grpSpPr>
-      <p:sp>
-        <p:nvSpPr>
-          <p:cNvPr id="3" name="TextBox 2"/>
-          <p:cNvSpPr txBox="1"/>
-          <p:nvPr/>
-        </p:nvSpPr>
-        <p:spPr>
-          <a:xfrm>
-            <a:off x="651976" y="221635"/>
-            <a:ext cx="10867658" cy="584775"/>
-          </a:xfrm>
-          <a:prstGeom prst="rect">
-            <a:avLst/>
-          </a:prstGeom>
-          <a:noFill/>
-        </p:spPr>
-        <p:txBody>
-          <a:bodyPr wrap="square" rtlCol="0">
-            <a:spAutoFit/>
-          </a:bodyPr>
-          <a:lstStyle/>
-          <a:p>
-            <a:r>
-              <a:rPr lang="en-US" sz="3200" b="1" dirty="0" smtClean="0">
-                <a:solidFill>
-                  <a:schemeClr val="accent2">
-                    <a:lumMod val="75000"/>
-                  </a:schemeClr>
-                </a:solidFill>
-              </a:rPr>
-              <a:t>Float Constructor</a:t>
-            </a:r>
-            <a:endParaRPr lang="en-US" sz="3200" b="1" dirty="0" smtClean="0"/>
-          </a:p>
-        </p:txBody>
-      </p:sp>
       <p:pic>
         <p:nvPicPr>
-          <p:cNvPr id="7" name="Picture 6"/>
-          <p:cNvPicPr>
-            <a:picLocks noChangeAspect="1"/>
-          </p:cNvPicPr>
-          <p:nvPr/>
-        </p:nvPicPr>
-        <p:blipFill>
-          <a:blip r:embed="rId2"/>
-          <a:stretch>
-            <a:fillRect/>
-          </a:stretch>
-        </p:blipFill>
-        <p:spPr>
-          <a:xfrm>
-            <a:off x="1309883" y="1413743"/>
-            <a:ext cx="10456933" cy="4180532"/>
-          </a:xfrm>
-          <a:prstGeom prst="rect">
-            <a:avLst/>
-          </a:prstGeom>
-        </p:spPr>
-      </p:pic>
-      <p:pic>
-        <p:nvPicPr>
-          <p:cNvPr id="5" name="Picture 4"/>
+          <p:cNvPr id="3" name="Picture 2"/>
           <p:cNvPicPr>
             <a:picLocks noChangeAspect="1"/>
           </p:cNvPicPr>
@@ -5254,8 +5596,8 @@
         </p:blipFill>
         <p:spPr>
           <a:xfrm>
-            <a:off x="6827831" y="5366084"/>
-            <a:ext cx="5271494" cy="1385850"/>
+            <a:off x="2334468" y="3284678"/>
+            <a:ext cx="7259409" cy="3254668"/>
           </a:xfrm>
           <a:prstGeom prst="rect">
             <a:avLst/>
@@ -5265,7 +5607,7 @@
     </p:spTree>
     <p:extLst>
       <p:ext uri="{BB962C8B-B14F-4D97-AF65-F5344CB8AC3E}">
-        <p14:creationId xmlns:p14="http://schemas.microsoft.com/office/powerpoint/2010/main" val="3710359906"/>
+        <p14:creationId xmlns:p14="http://schemas.microsoft.com/office/powerpoint/2010/main" val="2916988517"/>
       </p:ext>
     </p:extLst>
   </p:cSld>

--- a/images/Bignum Presentation.pptx
+++ b/images/Bignum Presentation.pptx
@@ -8,24 +8,23 @@
     <p:sldId id="264" r:id="rId2"/>
     <p:sldId id="265" r:id="rId3"/>
     <p:sldId id="268" r:id="rId4"/>
-    <p:sldId id="256" r:id="rId5"/>
-    <p:sldId id="279" r:id="rId6"/>
-    <p:sldId id="257" r:id="rId7"/>
-    <p:sldId id="281" r:id="rId8"/>
-    <p:sldId id="262" r:id="rId9"/>
-    <p:sldId id="274" r:id="rId10"/>
-    <p:sldId id="275" r:id="rId11"/>
-    <p:sldId id="276" r:id="rId12"/>
-    <p:sldId id="277" r:id="rId13"/>
-    <p:sldId id="273" r:id="rId14"/>
-    <p:sldId id="258" r:id="rId15"/>
-    <p:sldId id="259" r:id="rId16"/>
-    <p:sldId id="260" r:id="rId17"/>
-    <p:sldId id="266" r:id="rId18"/>
-    <p:sldId id="261" r:id="rId19"/>
-    <p:sldId id="280" r:id="rId20"/>
-    <p:sldId id="270" r:id="rId21"/>
-    <p:sldId id="271" r:id="rId22"/>
+    <p:sldId id="279" r:id="rId5"/>
+    <p:sldId id="257" r:id="rId6"/>
+    <p:sldId id="281" r:id="rId7"/>
+    <p:sldId id="262" r:id="rId8"/>
+    <p:sldId id="274" r:id="rId9"/>
+    <p:sldId id="275" r:id="rId10"/>
+    <p:sldId id="276" r:id="rId11"/>
+    <p:sldId id="277" r:id="rId12"/>
+    <p:sldId id="273" r:id="rId13"/>
+    <p:sldId id="258" r:id="rId14"/>
+    <p:sldId id="259" r:id="rId15"/>
+    <p:sldId id="260" r:id="rId16"/>
+    <p:sldId id="266" r:id="rId17"/>
+    <p:sldId id="261" r:id="rId18"/>
+    <p:sldId id="280" r:id="rId19"/>
+    <p:sldId id="270" r:id="rId20"/>
+    <p:sldId id="271" r:id="rId21"/>
   </p:sldIdLst>
   <p:sldSz cx="12192000" cy="6858000"/>
   <p:notesSz cx="6858000" cy="9144000"/>
@@ -263,7 +262,7 @@
           <a:p>
             <a:fld id="{034A5A26-D430-4427-BC2E-2DCABB5AB00F}" type="datetimeFigureOut">
               <a:rPr lang="en-US" smtClean="0"/>
-              <a:t>7/21/2015</a:t>
+              <a:t>7/22/2015</a:t>
             </a:fld>
             <a:endParaRPr lang="en-US"/>
           </a:p>
@@ -433,7 +432,7 @@
           <a:p>
             <a:fld id="{034A5A26-D430-4427-BC2E-2DCABB5AB00F}" type="datetimeFigureOut">
               <a:rPr lang="en-US" smtClean="0"/>
-              <a:t>7/21/2015</a:t>
+              <a:t>7/22/2015</a:t>
             </a:fld>
             <a:endParaRPr lang="en-US"/>
           </a:p>
@@ -613,7 +612,7 @@
           <a:p>
             <a:fld id="{034A5A26-D430-4427-BC2E-2DCABB5AB00F}" type="datetimeFigureOut">
               <a:rPr lang="en-US" smtClean="0"/>
-              <a:t>7/21/2015</a:t>
+              <a:t>7/22/2015</a:t>
             </a:fld>
             <a:endParaRPr lang="en-US"/>
           </a:p>
@@ -783,7 +782,7 @@
           <a:p>
             <a:fld id="{034A5A26-D430-4427-BC2E-2DCABB5AB00F}" type="datetimeFigureOut">
               <a:rPr lang="en-US" smtClean="0"/>
-              <a:t>7/21/2015</a:t>
+              <a:t>7/22/2015</a:t>
             </a:fld>
             <a:endParaRPr lang="en-US"/>
           </a:p>
@@ -1029,7 +1028,7 @@
           <a:p>
             <a:fld id="{034A5A26-D430-4427-BC2E-2DCABB5AB00F}" type="datetimeFigureOut">
               <a:rPr lang="en-US" smtClean="0"/>
-              <a:t>7/21/2015</a:t>
+              <a:t>7/22/2015</a:t>
             </a:fld>
             <a:endParaRPr lang="en-US"/>
           </a:p>
@@ -1261,7 +1260,7 @@
           <a:p>
             <a:fld id="{034A5A26-D430-4427-BC2E-2DCABB5AB00F}" type="datetimeFigureOut">
               <a:rPr lang="en-US" smtClean="0"/>
-              <a:t>7/21/2015</a:t>
+              <a:t>7/22/2015</a:t>
             </a:fld>
             <a:endParaRPr lang="en-US"/>
           </a:p>
@@ -1628,7 +1627,7 @@
           <a:p>
             <a:fld id="{034A5A26-D430-4427-BC2E-2DCABB5AB00F}" type="datetimeFigureOut">
               <a:rPr lang="en-US" smtClean="0"/>
-              <a:t>7/21/2015</a:t>
+              <a:t>7/22/2015</a:t>
             </a:fld>
             <a:endParaRPr lang="en-US"/>
           </a:p>
@@ -1746,7 +1745,7 @@
           <a:p>
             <a:fld id="{034A5A26-D430-4427-BC2E-2DCABB5AB00F}" type="datetimeFigureOut">
               <a:rPr lang="en-US" smtClean="0"/>
-              <a:t>7/21/2015</a:t>
+              <a:t>7/22/2015</a:t>
             </a:fld>
             <a:endParaRPr lang="en-US"/>
           </a:p>
@@ -1841,7 +1840,7 @@
           <a:p>
             <a:fld id="{034A5A26-D430-4427-BC2E-2DCABB5AB00F}" type="datetimeFigureOut">
               <a:rPr lang="en-US" smtClean="0"/>
-              <a:t>7/21/2015</a:t>
+              <a:t>7/22/2015</a:t>
             </a:fld>
             <a:endParaRPr lang="en-US"/>
           </a:p>
@@ -2118,7 +2117,7 @@
           <a:p>
             <a:fld id="{034A5A26-D430-4427-BC2E-2DCABB5AB00F}" type="datetimeFigureOut">
               <a:rPr lang="en-US" smtClean="0"/>
-              <a:t>7/21/2015</a:t>
+              <a:t>7/22/2015</a:t>
             </a:fld>
             <a:endParaRPr lang="en-US"/>
           </a:p>
@@ -2371,7 +2370,7 @@
           <a:p>
             <a:fld id="{034A5A26-D430-4427-BC2E-2DCABB5AB00F}" type="datetimeFigureOut">
               <a:rPr lang="en-US" smtClean="0"/>
-              <a:t>7/21/2015</a:t>
+              <a:t>7/22/2015</a:t>
             </a:fld>
             <a:endParaRPr lang="en-US"/>
           </a:p>
@@ -2587,7 +2586,7 @@
           <a:p>
             <a:fld id="{034A5A26-D430-4427-BC2E-2DCABB5AB00F}" type="datetimeFigureOut">
               <a:rPr lang="en-US" smtClean="0"/>
-              <a:t>7/21/2015</a:t>
+              <a:t>7/22/2015</a:t>
             </a:fld>
             <a:endParaRPr lang="en-US"/>
           </a:p>
@@ -3063,21 +3062,8 @@
                   <a:srgbClr val="E65800"/>
                 </a:solidFill>
               </a:rPr>
-              <a:t> </a:t>
-            </a:r>
-            <a:r>
-              <a:rPr lang="en-US" sz="7200" b="1" dirty="0" smtClean="0">
-                <a:solidFill>
-                  <a:srgbClr val="E65800"/>
-                </a:solidFill>
-              </a:rPr>
-              <a:t>Calculator</a:t>
-            </a:r>
-            <a:endParaRPr lang="en-US" sz="7200" b="1" dirty="0" smtClean="0">
-              <a:solidFill>
-                <a:srgbClr val="E65800"/>
-              </a:solidFill>
-            </a:endParaRPr>
+              <a:t> Calculator</a:t>
+            </a:r>
           </a:p>
         </p:txBody>
       </p:sp>
@@ -3144,13 +3130,6 @@
               </a:rPr>
               <a:t>Pollack </a:t>
             </a:r>
-            <a:endParaRPr lang="en-US" sz="3200" dirty="0" smtClean="0">
-              <a:solidFill>
-                <a:schemeClr val="accent1">
-                  <a:lumMod val="75000"/>
-                </a:schemeClr>
-              </a:solidFill>
-            </a:endParaRPr>
           </a:p>
         </p:txBody>
       </p:sp>
@@ -3175,87 +3154,6 @@
 </file>
 
 <file path=ppt/slides/slide10.xml><?xml version="1.0" encoding="utf-8"?>
-<p:sld xmlns:a="http://schemas.openxmlformats.org/drawingml/2006/main" xmlns:r="http://schemas.openxmlformats.org/officeDocument/2006/relationships" xmlns:p="http://schemas.openxmlformats.org/presentationml/2006/main">
-  <p:cSld>
-    <p:bg>
-      <p:bgPr>
-        <a:blipFill dpi="0" rotWithShape="1">
-          <a:blip r:embed="rId2">
-            <a:lum/>
-          </a:blip>
-          <a:srcRect/>
-          <a:stretch>
-            <a:fillRect/>
-          </a:stretch>
-        </a:blipFill>
-        <a:effectLst/>
-      </p:bgPr>
-    </p:bg>
-    <p:spTree>
-      <p:nvGrpSpPr>
-        <p:cNvPr id="1" name=""/>
-        <p:cNvGrpSpPr/>
-        <p:nvPr/>
-      </p:nvGrpSpPr>
-      <p:grpSpPr>
-        <a:xfrm>
-          <a:off x="0" y="0"/>
-          <a:ext cx="0" cy="0"/>
-          <a:chOff x="0" y="0"/>
-          <a:chExt cx="0" cy="0"/>
-        </a:xfrm>
-      </p:grpSpPr>
-      <p:pic>
-        <p:nvPicPr>
-          <p:cNvPr id="3" name="Picture 2"/>
-          <p:cNvPicPr>
-            <a:picLocks noChangeAspect="1"/>
-          </p:cNvPicPr>
-          <p:nvPr/>
-        </p:nvPicPr>
-        <p:blipFill>
-          <a:blip r:embed="rId3">
-            <a:extLst>
-              <a:ext uri="{28A0092B-C50C-407E-A947-70E740481C1C}">
-                <a14:useLocalDpi xmlns:a14="http://schemas.microsoft.com/office/drawing/2010/main" val="0"/>
-              </a:ext>
-            </a:extLst>
-          </a:blip>
-          <a:stretch>
-            <a:fillRect/>
-          </a:stretch>
-        </p:blipFill>
-        <p:spPr>
-          <a:xfrm>
-            <a:off x="2334468" y="3284678"/>
-            <a:ext cx="7259409" cy="3254668"/>
-          </a:xfrm>
-          <a:prstGeom prst="rect">
-            <a:avLst/>
-          </a:prstGeom>
-        </p:spPr>
-      </p:pic>
-    </p:spTree>
-    <p:extLst>
-      <p:ext uri="{BB962C8B-B14F-4D97-AF65-F5344CB8AC3E}">
-        <p14:creationId xmlns:p14="http://schemas.microsoft.com/office/powerpoint/2010/main" val="2026776880"/>
-      </p:ext>
-    </p:extLst>
-  </p:cSld>
-  <p:clrMapOvr>
-    <a:masterClrMapping/>
-  </p:clrMapOvr>
-  <p:timing>
-    <p:tnLst>
-      <p:par>
-        <p:cTn id="1" dur="indefinite" restart="never" nodeType="tmRoot"/>
-      </p:par>
-    </p:tnLst>
-  </p:timing>
-</p:sld>
-</file>
-
-<file path=ppt/slides/slide11.xml><?xml version="1.0" encoding="utf-8"?>
 <p:sld xmlns:a="http://schemas.openxmlformats.org/drawingml/2006/main" xmlns:r="http://schemas.openxmlformats.org/officeDocument/2006/relationships" xmlns:p="http://schemas.openxmlformats.org/presentationml/2006/main">
   <p:cSld>
     <p:bg>
@@ -3336,7 +3234,7 @@
 </p:sld>
 </file>
 
-<file path=ppt/slides/slide12.xml><?xml version="1.0" encoding="utf-8"?>
+<file path=ppt/slides/slide11.xml><?xml version="1.0" encoding="utf-8"?>
 <p:sld xmlns:a="http://schemas.openxmlformats.org/drawingml/2006/main" xmlns:r="http://schemas.openxmlformats.org/officeDocument/2006/relationships" xmlns:p="http://schemas.openxmlformats.org/presentationml/2006/main">
   <p:cSld>
     <p:bg>
@@ -3447,7 +3345,7 @@
 </p:sld>
 </file>
 
-<file path=ppt/slides/slide13.xml><?xml version="1.0" encoding="utf-8"?>
+<file path=ppt/slides/slide12.xml><?xml version="1.0" encoding="utf-8"?>
 <p:sld xmlns:a="http://schemas.openxmlformats.org/drawingml/2006/main" xmlns:r="http://schemas.openxmlformats.org/officeDocument/2006/relationships" xmlns:p="http://schemas.openxmlformats.org/presentationml/2006/main">
   <p:cSld>
     <p:bg>
@@ -3530,7 +3428,7 @@
           <a:graphicData uri="http://schemas.openxmlformats.org/presentationml/2006/ole">
             <mc:AlternateContent xmlns:mc="http://schemas.openxmlformats.org/markup-compatibility/2006">
               <mc:Choice xmlns:v="urn:schemas-microsoft-com:vml" Requires="v">
-                <p:oleObj spid="_x0000_s2062" r:id="rId5" imgW="19910880" imgH="8330040" progId="">
+                <p:oleObj spid="_x0000_s2071" r:id="rId5" imgW="19910880" imgH="8330040" progId="">
                   <p:embed/>
                 </p:oleObj>
               </mc:Choice>
@@ -3585,7 +3483,7 @@
 </p:sld>
 </file>
 
-<file path=ppt/slides/slide14.xml><?xml version="1.0" encoding="utf-8"?>
+<file path=ppt/slides/slide13.xml><?xml version="1.0" encoding="utf-8"?>
 <p:sld xmlns:a="http://schemas.openxmlformats.org/drawingml/2006/main" xmlns:r="http://schemas.openxmlformats.org/officeDocument/2006/relationships" xmlns:p="http://schemas.openxmlformats.org/presentationml/2006/main">
   <p:cSld>
     <p:bg>
@@ -3690,7 +3588,7 @@
 </p:sld>
 </file>
 
-<file path=ppt/slides/slide15.xml><?xml version="1.0" encoding="utf-8"?>
+<file path=ppt/slides/slide14.xml><?xml version="1.0" encoding="utf-8"?>
 <p:sld xmlns:a="http://schemas.openxmlformats.org/drawingml/2006/main" xmlns:r="http://schemas.openxmlformats.org/officeDocument/2006/relationships" xmlns:p="http://schemas.openxmlformats.org/presentationml/2006/main">
   <p:cSld>
     <p:bg>
@@ -3743,7 +3641,7 @@
           <a:graphicData uri="http://schemas.openxmlformats.org/presentationml/2006/ole">
             <mc:AlternateContent xmlns:mc="http://schemas.openxmlformats.org/markup-compatibility/2006">
               <mc:Choice xmlns:v="urn:schemas-microsoft-com:vml" Requires="v">
-                <p:oleObj spid="_x0000_s4103" r:id="rId4" imgW="13066560" imgH="5637960" progId="">
+                <p:oleObj spid="_x0000_s4112" r:id="rId4" imgW="13066560" imgH="5637960" progId="">
                   <p:embed/>
                 </p:oleObj>
               </mc:Choice>
@@ -3828,7 +3726,7 @@
 </p:sld>
 </file>
 
-<file path=ppt/slides/slide16.xml><?xml version="1.0" encoding="utf-8"?>
+<file path=ppt/slides/slide15.xml><?xml version="1.0" encoding="utf-8"?>
 <p:sld xmlns:a="http://schemas.openxmlformats.org/drawingml/2006/main" xmlns:r="http://schemas.openxmlformats.org/officeDocument/2006/relationships" xmlns:p="http://schemas.openxmlformats.org/presentationml/2006/main">
   <p:cSld>
     <p:bg>
@@ -3881,7 +3779,7 @@
           <a:graphicData uri="http://schemas.openxmlformats.org/presentationml/2006/ole">
             <mc:AlternateContent xmlns:mc="http://schemas.openxmlformats.org/markup-compatibility/2006">
               <mc:Choice xmlns:v="urn:schemas-microsoft-com:vml" Requires="v">
-                <p:oleObj spid="_x0000_s5127" r:id="rId4" imgW="11034720" imgH="4850640" progId="">
+                <p:oleObj spid="_x0000_s5136" r:id="rId4" imgW="11034720" imgH="4850640" progId="">
                   <p:embed/>
                 </p:oleObj>
               </mc:Choice>
@@ -3966,13 +3864,13 @@
 </p:sld>
 </file>
 
-<file path=ppt/slides/slide17.xml><?xml version="1.0" encoding="utf-8"?>
+<file path=ppt/slides/slide16.xml><?xml version="1.0" encoding="utf-8"?>
 <p:sld xmlns:a="http://schemas.openxmlformats.org/drawingml/2006/main" xmlns:r="http://schemas.openxmlformats.org/officeDocument/2006/relationships" xmlns:p="http://schemas.openxmlformats.org/presentationml/2006/main">
   <p:cSld>
     <p:bg>
       <p:bgPr>
         <a:blipFill dpi="0" rotWithShape="1">
-          <a:blip r:embed="rId2">
+          <a:blip r:embed="rId3">
             <a:lum/>
           </a:blip>
           <a:srcRect/>
@@ -4006,14 +3904,14 @@
           <p:nvPr/>
         </p:nvPicPr>
         <p:blipFill>
-          <a:blip r:embed="rId3"/>
+          <a:blip r:embed="rId4"/>
           <a:stretch>
             <a:fillRect/>
           </a:stretch>
         </p:blipFill>
         <p:spPr>
           <a:xfrm>
-            <a:off x="1300029" y="2161309"/>
+            <a:off x="1291064" y="2621768"/>
             <a:ext cx="9819543" cy="2399867"/>
           </a:xfrm>
           <a:prstGeom prst="rect">
@@ -4030,7 +3928,7 @@
           <p:nvPr/>
         </p:nvPicPr>
         <p:blipFill>
-          <a:blip r:embed="rId4">
+          <a:blip r:embed="rId5">
             <a:extLst>
               <a:ext uri="{28A0092B-C50C-407E-A947-70E740481C1C}">
                 <a14:useLocalDpi xmlns:a14="http://schemas.microsoft.com/office/drawing/2010/main" val="0"/>
@@ -4051,10 +3949,272 @@
           </a:prstGeom>
         </p:spPr>
       </p:pic>
+      <p:graphicFrame>
+        <p:nvGraphicFramePr>
+          <p:cNvPr id="2" name="Object 1"/>
+          <p:cNvGraphicFramePr>
+            <a:graphicFrameLocks noChangeAspect="1"/>
+          </p:cNvGraphicFramePr>
+          <p:nvPr>
+            <p:extLst>
+              <p:ext uri="{D42A27DB-BD31-4B8C-83A1-F6EECF244321}">
+                <p14:modId xmlns:p14="http://schemas.microsoft.com/office/powerpoint/2010/main" val="416041453"/>
+              </p:ext>
+            </p:extLst>
+          </p:nvPr>
+        </p:nvGraphicFramePr>
+        <p:xfrm>
+          <a:off x="3636690" y="1099904"/>
+          <a:ext cx="4362077" cy="661295"/>
+        </p:xfrm>
+        <a:graphic>
+          <a:graphicData uri="http://schemas.openxmlformats.org/presentationml/2006/ole">
+            <mc:AlternateContent xmlns:mc="http://schemas.openxmlformats.org/markup-compatibility/2006">
+              <mc:Choice xmlns:v="urn:schemas-microsoft-com:vml" Requires="v">
+                <p:oleObj spid="_x0000_s6154" r:id="rId6" imgW="7288560" imgH="1104480" progId="">
+                  <p:embed/>
+                </p:oleObj>
+              </mc:Choice>
+              <mc:Fallback>
+                <p:oleObj r:id="rId6" imgW="7288560" imgH="1104480" progId="">
+                  <p:embed/>
+                  <p:pic>
+                    <p:nvPicPr>
+                      <p:cNvPr id="0" name=""/>
+                      <p:cNvPicPr/>
+                      <p:nvPr/>
+                    </p:nvPicPr>
+                    <p:blipFill>
+                      <a:blip r:embed="rId7"/>
+                      <a:stretch>
+                        <a:fillRect/>
+                      </a:stretch>
+                    </p:blipFill>
+                    <p:spPr>
+                      <a:xfrm>
+                        <a:off x="3636690" y="1099904"/>
+                        <a:ext cx="4362077" cy="661295"/>
+                      </a:xfrm>
+                      <a:prstGeom prst="rect">
+                        <a:avLst/>
+                      </a:prstGeom>
+                    </p:spPr>
+                  </p:pic>
+                </p:oleObj>
+              </mc:Fallback>
+            </mc:AlternateContent>
+          </a:graphicData>
+        </a:graphic>
+      </p:graphicFrame>
+      <p:sp>
+        <p:nvSpPr>
+          <p:cNvPr id="3" name="TextBox 2"/>
+          <p:cNvSpPr txBox="1"/>
+          <p:nvPr/>
+        </p:nvSpPr>
+        <p:spPr>
+          <a:xfrm>
+            <a:off x="5909990" y="1761199"/>
+            <a:ext cx="5558118" cy="400110"/>
+          </a:xfrm>
+          <a:prstGeom prst="rect">
+            <a:avLst/>
+          </a:prstGeom>
+          <a:noFill/>
+        </p:spPr>
+        <p:txBody>
+          <a:bodyPr wrap="square" rtlCol="0">
+            <a:spAutoFit/>
+          </a:bodyPr>
+          <a:lstStyle/>
+          <a:p>
+            <a:r>
+              <a:rPr lang="en-US" sz="2000" dirty="0" err="1" smtClean="0">
+                <a:solidFill>
+                  <a:srgbClr val="2E75B6"/>
+                </a:solidFill>
+              </a:rPr>
+              <a:t>mantissa_multiplier</a:t>
+            </a:r>
+            <a:endParaRPr lang="en-US" sz="2000" dirty="0">
+              <a:solidFill>
+                <a:srgbClr val="2E75B6"/>
+              </a:solidFill>
+            </a:endParaRPr>
+          </a:p>
+        </p:txBody>
+      </p:sp>
     </p:spTree>
     <p:extLst>
       <p:ext uri="{BB962C8B-B14F-4D97-AF65-F5344CB8AC3E}">
         <p14:creationId xmlns:p14="http://schemas.microsoft.com/office/powerpoint/2010/main" val="141183913"/>
+      </p:ext>
+    </p:extLst>
+  </p:cSld>
+  <p:clrMapOvr>
+    <a:masterClrMapping/>
+  </p:clrMapOvr>
+  <p:timing>
+    <p:tnLst>
+      <p:par>
+        <p:cTn id="1" dur="indefinite" restart="never" nodeType="tmRoot"/>
+      </p:par>
+    </p:tnLst>
+  </p:timing>
+</p:sld>
+</file>
+
+<file path=ppt/slides/slide17.xml><?xml version="1.0" encoding="utf-8"?>
+<p:sld xmlns:a="http://schemas.openxmlformats.org/drawingml/2006/main" xmlns:r="http://schemas.openxmlformats.org/officeDocument/2006/relationships" xmlns:p="http://schemas.openxmlformats.org/presentationml/2006/main">
+  <p:cSld>
+    <p:bg>
+      <p:bgPr>
+        <a:blipFill dpi="0" rotWithShape="1">
+          <a:blip r:embed="rId3">
+            <a:lum/>
+          </a:blip>
+          <a:srcRect/>
+          <a:stretch>
+            <a:fillRect/>
+          </a:stretch>
+        </a:blipFill>
+        <a:effectLst/>
+      </p:bgPr>
+    </p:bg>
+    <p:spTree>
+      <p:nvGrpSpPr>
+        <p:cNvPr id="1" name=""/>
+        <p:cNvGrpSpPr/>
+        <p:nvPr/>
+      </p:nvGrpSpPr>
+      <p:grpSpPr>
+        <a:xfrm>
+          <a:off x="0" y="0"/>
+          <a:ext cx="0" cy="0"/>
+          <a:chOff x="0" y="0"/>
+          <a:chExt cx="0" cy="0"/>
+        </a:xfrm>
+      </p:grpSpPr>
+      <p:pic>
+        <p:nvPicPr>
+          <p:cNvPr id="2" name="Picture 1"/>
+          <p:cNvPicPr>
+            <a:picLocks noChangeAspect="1"/>
+          </p:cNvPicPr>
+          <p:nvPr/>
+        </p:nvPicPr>
+        <p:blipFill rotWithShape="1">
+          <a:blip r:embed="rId4">
+            <a:extLst>
+              <a:ext uri="{28A0092B-C50C-407E-A947-70E740481C1C}">
+                <a14:useLocalDpi xmlns:a14="http://schemas.microsoft.com/office/drawing/2010/main" val="0"/>
+              </a:ext>
+            </a:extLst>
+          </a:blip>
+          <a:srcRect t="47739"/>
+          <a:stretch/>
+        </p:blipFill>
+        <p:spPr>
+          <a:xfrm>
+            <a:off x="1318735" y="2572871"/>
+            <a:ext cx="10699676" cy="2778446"/>
+          </a:xfrm>
+          <a:prstGeom prst="rect">
+            <a:avLst/>
+          </a:prstGeom>
+        </p:spPr>
+      </p:pic>
+      <p:pic>
+        <p:nvPicPr>
+          <p:cNvPr id="5" name="Picture 4"/>
+          <p:cNvPicPr>
+            <a:picLocks noChangeAspect="1"/>
+          </p:cNvPicPr>
+          <p:nvPr/>
+        </p:nvPicPr>
+        <p:blipFill>
+          <a:blip r:embed="rId5">
+            <a:extLst>
+              <a:ext uri="{28A0092B-C50C-407E-A947-70E740481C1C}">
+                <a14:useLocalDpi xmlns:a14="http://schemas.microsoft.com/office/drawing/2010/main" val="0"/>
+              </a:ext>
+            </a:extLst>
+          </a:blip>
+          <a:stretch>
+            <a:fillRect/>
+          </a:stretch>
+        </p:blipFill>
+        <p:spPr>
+          <a:xfrm>
+            <a:off x="5817729" y="5421745"/>
+            <a:ext cx="6263435" cy="1258321"/>
+          </a:xfrm>
+          <a:prstGeom prst="rect">
+            <a:avLst/>
+          </a:prstGeom>
+        </p:spPr>
+      </p:pic>
+      <p:graphicFrame>
+        <p:nvGraphicFramePr>
+          <p:cNvPr id="3" name="Object 2"/>
+          <p:cNvGraphicFramePr>
+            <a:graphicFrameLocks noChangeAspect="1"/>
+          </p:cNvGraphicFramePr>
+          <p:nvPr>
+            <p:extLst>
+              <p:ext uri="{D42A27DB-BD31-4B8C-83A1-F6EECF244321}">
+                <p14:modId xmlns:p14="http://schemas.microsoft.com/office/powerpoint/2010/main" val="4290980737"/>
+              </p:ext>
+            </p:extLst>
+          </p:nvPr>
+        </p:nvGraphicFramePr>
+        <p:xfrm>
+          <a:off x="3473275" y="1119919"/>
+          <a:ext cx="4688907" cy="647734"/>
+        </p:xfrm>
+        <a:graphic>
+          <a:graphicData uri="http://schemas.openxmlformats.org/presentationml/2006/ole">
+            <mc:AlternateContent xmlns:mc="http://schemas.openxmlformats.org/markup-compatibility/2006">
+              <mc:Choice xmlns:v="urn:schemas-microsoft-com:vml" Requires="v">
+                <p:oleObj spid="_x0000_s7174" r:id="rId6" imgW="7263360" imgH="1002960" progId="">
+                  <p:embed/>
+                </p:oleObj>
+              </mc:Choice>
+              <mc:Fallback>
+                <p:oleObj r:id="rId6" imgW="7263360" imgH="1002960" progId="">
+                  <p:embed/>
+                  <p:pic>
+                    <p:nvPicPr>
+                      <p:cNvPr id="0" name=""/>
+                      <p:cNvPicPr/>
+                      <p:nvPr/>
+                    </p:nvPicPr>
+                    <p:blipFill>
+                      <a:blip r:embed="rId7"/>
+                      <a:stretch>
+                        <a:fillRect/>
+                      </a:stretch>
+                    </p:blipFill>
+                    <p:spPr>
+                      <a:xfrm>
+                        <a:off x="3473275" y="1119919"/>
+                        <a:ext cx="4688907" cy="647734"/>
+                      </a:xfrm>
+                      <a:prstGeom prst="rect">
+                        <a:avLst/>
+                      </a:prstGeom>
+                    </p:spPr>
+                  </p:pic>
+                </p:oleObj>
+              </mc:Fallback>
+            </mc:AlternateContent>
+          </a:graphicData>
+        </a:graphic>
+      </p:graphicFrame>
+    </p:spTree>
+    <p:extLst>
+      <p:ext uri="{BB962C8B-B14F-4D97-AF65-F5344CB8AC3E}">
+        <p14:creationId xmlns:p14="http://schemas.microsoft.com/office/powerpoint/2010/main" val="1108597970"/>
       </p:ext>
     </p:extLst>
   </p:cSld>
@@ -4102,117 +4262,6 @@
           <a:chExt cx="0" cy="0"/>
         </a:xfrm>
       </p:grpSpPr>
-      <p:pic>
-        <p:nvPicPr>
-          <p:cNvPr id="2" name="Picture 1"/>
-          <p:cNvPicPr>
-            <a:picLocks noChangeAspect="1"/>
-          </p:cNvPicPr>
-          <p:nvPr/>
-        </p:nvPicPr>
-        <p:blipFill>
-          <a:blip r:embed="rId3">
-            <a:extLst>
-              <a:ext uri="{28A0092B-C50C-407E-A947-70E740481C1C}">
-                <a14:useLocalDpi xmlns:a14="http://schemas.microsoft.com/office/drawing/2010/main" val="0"/>
-              </a:ext>
-            </a:extLst>
-          </a:blip>
-          <a:stretch>
-            <a:fillRect/>
-          </a:stretch>
-        </p:blipFill>
-        <p:spPr>
-          <a:xfrm>
-            <a:off x="365488" y="716191"/>
-            <a:ext cx="10699676" cy="5316443"/>
-          </a:xfrm>
-          <a:prstGeom prst="rect">
-            <a:avLst/>
-          </a:prstGeom>
-        </p:spPr>
-      </p:pic>
-      <p:pic>
-        <p:nvPicPr>
-          <p:cNvPr id="5" name="Picture 4"/>
-          <p:cNvPicPr>
-            <a:picLocks noChangeAspect="1"/>
-          </p:cNvPicPr>
-          <p:nvPr/>
-        </p:nvPicPr>
-        <p:blipFill>
-          <a:blip r:embed="rId4">
-            <a:extLst>
-              <a:ext uri="{28A0092B-C50C-407E-A947-70E740481C1C}">
-                <a14:useLocalDpi xmlns:a14="http://schemas.microsoft.com/office/drawing/2010/main" val="0"/>
-              </a:ext>
-            </a:extLst>
-          </a:blip>
-          <a:stretch>
-            <a:fillRect/>
-          </a:stretch>
-        </p:blipFill>
-        <p:spPr>
-          <a:xfrm>
-            <a:off x="5817729" y="5421745"/>
-            <a:ext cx="6263435" cy="1258321"/>
-          </a:xfrm>
-          <a:prstGeom prst="rect">
-            <a:avLst/>
-          </a:prstGeom>
-        </p:spPr>
-      </p:pic>
-    </p:spTree>
-    <p:extLst>
-      <p:ext uri="{BB962C8B-B14F-4D97-AF65-F5344CB8AC3E}">
-        <p14:creationId xmlns:p14="http://schemas.microsoft.com/office/powerpoint/2010/main" val="1108597970"/>
-      </p:ext>
-    </p:extLst>
-  </p:cSld>
-  <p:clrMapOvr>
-    <a:masterClrMapping/>
-  </p:clrMapOvr>
-  <p:timing>
-    <p:tnLst>
-      <p:par>
-        <p:cTn id="1" dur="indefinite" restart="never" nodeType="tmRoot"/>
-      </p:par>
-    </p:tnLst>
-  </p:timing>
-</p:sld>
-</file>
-
-<file path=ppt/slides/slide19.xml><?xml version="1.0" encoding="utf-8"?>
-<p:sld xmlns:a="http://schemas.openxmlformats.org/drawingml/2006/main" xmlns:r="http://schemas.openxmlformats.org/officeDocument/2006/relationships" xmlns:p="http://schemas.openxmlformats.org/presentationml/2006/main">
-  <p:cSld>
-    <p:bg>
-      <p:bgPr>
-        <a:blipFill dpi="0" rotWithShape="1">
-          <a:blip r:embed="rId2">
-            <a:lum/>
-          </a:blip>
-          <a:srcRect/>
-          <a:stretch>
-            <a:fillRect/>
-          </a:stretch>
-        </a:blipFill>
-        <a:effectLst/>
-      </p:bgPr>
-    </p:bg>
-    <p:spTree>
-      <p:nvGrpSpPr>
-        <p:cNvPr id="1" name=""/>
-        <p:cNvGrpSpPr/>
-        <p:nvPr/>
-      </p:nvGrpSpPr>
-      <p:grpSpPr>
-        <a:xfrm>
-          <a:off x="0" y="0"/>
-          <a:ext cx="0" cy="0"/>
-          <a:chOff x="0" y="0"/>
-          <a:chExt cx="0" cy="0"/>
-        </a:xfrm>
-      </p:grpSpPr>
       <p:sp>
         <p:nvSpPr>
           <p:cNvPr id="6" name="TextBox 5"/>
@@ -4457,312 +4506,7 @@
 </p:sld>
 </file>
 
-<file path=ppt/slides/slide2.xml><?xml version="1.0" encoding="utf-8"?>
-<p:sld xmlns:a="http://schemas.openxmlformats.org/drawingml/2006/main" xmlns:r="http://schemas.openxmlformats.org/officeDocument/2006/relationships" xmlns:p="http://schemas.openxmlformats.org/presentationml/2006/main">
-  <p:cSld>
-    <p:bg>
-      <p:bgPr>
-        <a:blipFill dpi="0" rotWithShape="1">
-          <a:blip r:embed="rId2">
-            <a:lum/>
-          </a:blip>
-          <a:srcRect/>
-          <a:stretch>
-            <a:fillRect/>
-          </a:stretch>
-        </a:blipFill>
-        <a:effectLst/>
-      </p:bgPr>
-    </p:bg>
-    <p:spTree>
-      <p:nvGrpSpPr>
-        <p:cNvPr id="1" name=""/>
-        <p:cNvGrpSpPr/>
-        <p:nvPr/>
-      </p:nvGrpSpPr>
-      <p:grpSpPr>
-        <a:xfrm>
-          <a:off x="0" y="0"/>
-          <a:ext cx="0" cy="0"/>
-          <a:chOff x="0" y="0"/>
-          <a:chExt cx="0" cy="0"/>
-        </a:xfrm>
-      </p:grpSpPr>
-      <p:sp>
-        <p:nvSpPr>
-          <p:cNvPr id="6" name="TextBox 5"/>
-          <p:cNvSpPr txBox="1"/>
-          <p:nvPr/>
-        </p:nvSpPr>
-        <p:spPr>
-          <a:xfrm>
-            <a:off x="621896" y="1551482"/>
-            <a:ext cx="11313429" cy="4031873"/>
-          </a:xfrm>
-          <a:prstGeom prst="rect">
-            <a:avLst/>
-          </a:prstGeom>
-          <a:noFill/>
-        </p:spPr>
-        <p:txBody>
-          <a:bodyPr wrap="square" rtlCol="0">
-            <a:spAutoFit/>
-          </a:bodyPr>
-          <a:lstStyle/>
-          <a:p>
-            <a:r>
-              <a:rPr lang="en-US" sz="3200" dirty="0" smtClean="0">
-                <a:solidFill>
-                  <a:schemeClr val="bg1">
-                    <a:lumMod val="65000"/>
-                  </a:schemeClr>
-                </a:solidFill>
-              </a:rPr>
-              <a:t>library </a:t>
-            </a:r>
-            <a:r>
-              <a:rPr lang="en-US" sz="3200" dirty="0" smtClean="0">
-                <a:solidFill>
-                  <a:schemeClr val="bg1">
-                    <a:lumMod val="65000"/>
-                  </a:schemeClr>
-                </a:solidFill>
-              </a:rPr>
-              <a:t>repo: </a:t>
-            </a:r>
-            <a:endParaRPr lang="en-US" sz="3200" dirty="0">
-              <a:solidFill>
-                <a:schemeClr val="bg1">
-                  <a:lumMod val="65000"/>
-                </a:schemeClr>
-              </a:solidFill>
-            </a:endParaRPr>
-          </a:p>
-          <a:p>
-            <a:r>
-              <a:rPr lang="en-US" sz="3200" dirty="0" smtClean="0">
-                <a:solidFill>
-                  <a:schemeClr val="bg1">
-                    <a:lumMod val="65000"/>
-                  </a:schemeClr>
-                </a:solidFill>
-              </a:rPr>
-              <a:t>	</a:t>
-            </a:r>
-            <a:r>
-              <a:rPr lang="en-US" sz="3200" dirty="0" smtClean="0">
-                <a:solidFill>
-                  <a:schemeClr val="accent1">
-                    <a:lumMod val="75000"/>
-                  </a:schemeClr>
-                </a:solidFill>
-              </a:rPr>
-              <a:t>github.com/</a:t>
-            </a:r>
-            <a:r>
-              <a:rPr lang="en-US" sz="3200" dirty="0" err="1" smtClean="0">
-                <a:solidFill>
-                  <a:schemeClr val="accent1">
-                    <a:lumMod val="75000"/>
-                  </a:schemeClr>
-                </a:solidFill>
-              </a:rPr>
-              <a:t>eindacor</a:t>
-            </a:r>
-            <a:r>
-              <a:rPr lang="en-US" sz="3200" dirty="0" smtClean="0">
-                <a:solidFill>
-                  <a:schemeClr val="accent1">
-                    <a:lumMod val="75000"/>
-                  </a:schemeClr>
-                </a:solidFill>
-              </a:rPr>
-              <a:t>/</a:t>
-            </a:r>
-            <a:r>
-              <a:rPr lang="en-US" sz="3200" dirty="0" err="1" smtClean="0">
-                <a:solidFill>
-                  <a:schemeClr val="accent1">
-                    <a:lumMod val="75000"/>
-                  </a:schemeClr>
-                </a:solidFill>
-              </a:rPr>
-              <a:t>JEPbignum</a:t>
-            </a:r>
-            <a:endParaRPr lang="en-US" sz="3200" dirty="0" smtClean="0">
-              <a:solidFill>
-                <a:schemeClr val="accent1">
-                  <a:lumMod val="75000"/>
-                </a:schemeClr>
-              </a:solidFill>
-            </a:endParaRPr>
-          </a:p>
-          <a:p>
-            <a:endParaRPr lang="en-US" sz="3200" dirty="0" smtClean="0">
-              <a:solidFill>
-                <a:schemeClr val="accent1">
-                  <a:lumMod val="75000"/>
-                </a:schemeClr>
-              </a:solidFill>
-            </a:endParaRPr>
-          </a:p>
-          <a:p>
-            <a:r>
-              <a:rPr lang="en-US" sz="3200" dirty="0" smtClean="0">
-                <a:solidFill>
-                  <a:schemeClr val="bg1">
-                    <a:lumMod val="65000"/>
-                  </a:schemeClr>
-                </a:solidFill>
-              </a:rPr>
-              <a:t>calculator </a:t>
-            </a:r>
-            <a:r>
-              <a:rPr lang="en-US" sz="3200" dirty="0" smtClean="0">
-                <a:solidFill>
-                  <a:schemeClr val="bg1">
-                    <a:lumMod val="65000"/>
-                  </a:schemeClr>
-                </a:solidFill>
-              </a:rPr>
-              <a:t>repo:</a:t>
-            </a:r>
-          </a:p>
-          <a:p>
-            <a:r>
-              <a:rPr lang="en-US" sz="3200" dirty="0">
-                <a:solidFill>
-                  <a:schemeClr val="bg1">
-                    <a:lumMod val="65000"/>
-                  </a:schemeClr>
-                </a:solidFill>
-              </a:rPr>
-              <a:t>	</a:t>
-            </a:r>
-            <a:r>
-              <a:rPr lang="en-US" sz="3200" dirty="0" smtClean="0">
-                <a:solidFill>
-                  <a:schemeClr val="accent1">
-                    <a:lumMod val="75000"/>
-                  </a:schemeClr>
-                </a:solidFill>
-              </a:rPr>
-              <a:t>github.com/</a:t>
-            </a:r>
-            <a:r>
-              <a:rPr lang="en-US" sz="3200" dirty="0" err="1" smtClean="0">
-                <a:solidFill>
-                  <a:schemeClr val="accent1">
-                    <a:lumMod val="75000"/>
-                  </a:schemeClr>
-                </a:solidFill>
-              </a:rPr>
-              <a:t>eindacor</a:t>
-            </a:r>
-            <a:r>
-              <a:rPr lang="en-US" sz="3200" dirty="0" smtClean="0">
-                <a:solidFill>
-                  <a:schemeClr val="accent1">
-                    <a:lumMod val="75000"/>
-                  </a:schemeClr>
-                </a:solidFill>
-              </a:rPr>
-              <a:t>/</a:t>
-            </a:r>
-            <a:r>
-              <a:rPr lang="en-US" sz="3200" dirty="0" err="1" smtClean="0">
-                <a:solidFill>
-                  <a:schemeClr val="accent1">
-                    <a:lumMod val="75000"/>
-                  </a:schemeClr>
-                </a:solidFill>
-              </a:rPr>
-              <a:t>JEPbignum_calculator</a:t>
-            </a:r>
-            <a:endParaRPr lang="en-US" sz="3200" dirty="0" smtClean="0">
-              <a:solidFill>
-                <a:schemeClr val="accent1">
-                  <a:lumMod val="75000"/>
-                </a:schemeClr>
-              </a:solidFill>
-            </a:endParaRPr>
-          </a:p>
-          <a:p>
-            <a:endParaRPr lang="en-US" sz="3200" dirty="0" smtClean="0">
-              <a:solidFill>
-                <a:schemeClr val="accent1">
-                  <a:lumMod val="75000"/>
-                </a:schemeClr>
-              </a:solidFill>
-            </a:endParaRPr>
-          </a:p>
-          <a:p>
-            <a:r>
-              <a:rPr lang="en-US" sz="3200" dirty="0" smtClean="0">
-                <a:solidFill>
-                  <a:schemeClr val="bg1">
-                    <a:lumMod val="65000"/>
-                  </a:schemeClr>
-                </a:solidFill>
-              </a:rPr>
-              <a:t>library </a:t>
-            </a:r>
-            <a:r>
-              <a:rPr lang="en-US" sz="3200" dirty="0" smtClean="0">
-                <a:solidFill>
-                  <a:schemeClr val="bg1">
-                    <a:lumMod val="65000"/>
-                  </a:schemeClr>
-                </a:solidFill>
-              </a:rPr>
-              <a:t>docs: 		</a:t>
-            </a:r>
-          </a:p>
-          <a:p>
-            <a:r>
-              <a:rPr lang="en-US" sz="3200" dirty="0">
-                <a:solidFill>
-                  <a:schemeClr val="bg1">
-                    <a:lumMod val="65000"/>
-                  </a:schemeClr>
-                </a:solidFill>
-              </a:rPr>
-              <a:t>	</a:t>
-            </a:r>
-            <a:r>
-              <a:rPr lang="en-US" sz="3200" dirty="0" smtClean="0">
-                <a:solidFill>
-                  <a:schemeClr val="accent1">
-                    <a:lumMod val="75000"/>
-                  </a:schemeClr>
-                </a:solidFill>
-              </a:rPr>
-              <a:t>github.com/eindacor/JEPbignum/blob/master/README.md</a:t>
-            </a:r>
-          </a:p>
-        </p:txBody>
-      </p:sp>
-    </p:spTree>
-    <p:extLst>
-      <p:ext uri="{BB962C8B-B14F-4D97-AF65-F5344CB8AC3E}">
-        <p14:creationId xmlns:p14="http://schemas.microsoft.com/office/powerpoint/2010/main" val="2049387764"/>
-      </p:ext>
-    </p:extLst>
-  </p:cSld>
-  <p:clrMapOvr>
-    <a:masterClrMapping/>
-  </p:clrMapOvr>
-  <p:timing>
-    <p:tnLst>
-      <p:par>
-        <p:cTn id="1" dur="indefinite" restart="never" nodeType="tmRoot"/>
-      </p:par>
-    </p:tnLst>
-  </p:timing>
-</p:sld>
-</file>
-
-<file path=ppt/slides/slide20.xml><?xml version="1.0" encoding="utf-8"?>
+<file path=ppt/slides/slide19.xml><?xml version="1.0" encoding="utf-8"?>
 <p:sld xmlns:a="http://schemas.openxmlformats.org/drawingml/2006/main" xmlns:r="http://schemas.openxmlformats.org/officeDocument/2006/relationships" xmlns:p="http://schemas.openxmlformats.org/presentationml/2006/main">
   <p:cSld>
     <p:spTree>
@@ -4941,7 +4685,282 @@
 </p:sld>
 </file>
 
-<file path=ppt/slides/slide21.xml><?xml version="1.0" encoding="utf-8"?>
+<file path=ppt/slides/slide2.xml><?xml version="1.0" encoding="utf-8"?>
+<p:sld xmlns:a="http://schemas.openxmlformats.org/drawingml/2006/main" xmlns:r="http://schemas.openxmlformats.org/officeDocument/2006/relationships" xmlns:p="http://schemas.openxmlformats.org/presentationml/2006/main">
+  <p:cSld>
+    <p:bg>
+      <p:bgPr>
+        <a:blipFill dpi="0" rotWithShape="1">
+          <a:blip r:embed="rId2">
+            <a:lum/>
+          </a:blip>
+          <a:srcRect/>
+          <a:stretch>
+            <a:fillRect/>
+          </a:stretch>
+        </a:blipFill>
+        <a:effectLst/>
+      </p:bgPr>
+    </p:bg>
+    <p:spTree>
+      <p:nvGrpSpPr>
+        <p:cNvPr id="1" name=""/>
+        <p:cNvGrpSpPr/>
+        <p:nvPr/>
+      </p:nvGrpSpPr>
+      <p:grpSpPr>
+        <a:xfrm>
+          <a:off x="0" y="0"/>
+          <a:ext cx="0" cy="0"/>
+          <a:chOff x="0" y="0"/>
+          <a:chExt cx="0" cy="0"/>
+        </a:xfrm>
+      </p:grpSpPr>
+      <p:sp>
+        <p:nvSpPr>
+          <p:cNvPr id="6" name="TextBox 5"/>
+          <p:cNvSpPr txBox="1"/>
+          <p:nvPr/>
+        </p:nvSpPr>
+        <p:spPr>
+          <a:xfrm>
+            <a:off x="621896" y="1551482"/>
+            <a:ext cx="11313429" cy="4031873"/>
+          </a:xfrm>
+          <a:prstGeom prst="rect">
+            <a:avLst/>
+          </a:prstGeom>
+          <a:noFill/>
+        </p:spPr>
+        <p:txBody>
+          <a:bodyPr wrap="square" rtlCol="0">
+            <a:spAutoFit/>
+          </a:bodyPr>
+          <a:lstStyle/>
+          <a:p>
+            <a:r>
+              <a:rPr lang="en-US" sz="3200" dirty="0" smtClean="0">
+                <a:solidFill>
+                  <a:schemeClr val="bg1">
+                    <a:lumMod val="65000"/>
+                  </a:schemeClr>
+                </a:solidFill>
+              </a:rPr>
+              <a:t>library repo: </a:t>
+            </a:r>
+            <a:endParaRPr lang="en-US" sz="3200" dirty="0">
+              <a:solidFill>
+                <a:schemeClr val="bg1">
+                  <a:lumMod val="65000"/>
+                </a:schemeClr>
+              </a:solidFill>
+            </a:endParaRPr>
+          </a:p>
+          <a:p>
+            <a:r>
+              <a:rPr lang="en-US" sz="3200" dirty="0" smtClean="0">
+                <a:solidFill>
+                  <a:schemeClr val="bg1">
+                    <a:lumMod val="65000"/>
+                  </a:schemeClr>
+                </a:solidFill>
+              </a:rPr>
+              <a:t>	</a:t>
+            </a:r>
+            <a:r>
+              <a:rPr lang="en-US" sz="3200" dirty="0" smtClean="0">
+                <a:solidFill>
+                  <a:schemeClr val="accent1">
+                    <a:lumMod val="75000"/>
+                  </a:schemeClr>
+                </a:solidFill>
+              </a:rPr>
+              <a:t>github.com/</a:t>
+            </a:r>
+            <a:r>
+              <a:rPr lang="en-US" sz="3200" dirty="0" err="1" smtClean="0">
+                <a:solidFill>
+                  <a:schemeClr val="accent1">
+                    <a:lumMod val="75000"/>
+                  </a:schemeClr>
+                </a:solidFill>
+              </a:rPr>
+              <a:t>eindacor</a:t>
+            </a:r>
+            <a:r>
+              <a:rPr lang="en-US" sz="3200" dirty="0" smtClean="0">
+                <a:solidFill>
+                  <a:schemeClr val="accent1">
+                    <a:lumMod val="75000"/>
+                  </a:schemeClr>
+                </a:solidFill>
+              </a:rPr>
+              <a:t>/</a:t>
+            </a:r>
+            <a:r>
+              <a:rPr lang="en-US" sz="3200" dirty="0" err="1" smtClean="0">
+                <a:solidFill>
+                  <a:schemeClr val="accent1">
+                    <a:lumMod val="75000"/>
+                  </a:schemeClr>
+                </a:solidFill>
+              </a:rPr>
+              <a:t>JEPbignum</a:t>
+            </a:r>
+            <a:endParaRPr lang="en-US" sz="3200" dirty="0" smtClean="0">
+              <a:solidFill>
+                <a:schemeClr val="accent1">
+                  <a:lumMod val="75000"/>
+                </a:schemeClr>
+              </a:solidFill>
+            </a:endParaRPr>
+          </a:p>
+          <a:p>
+            <a:endParaRPr lang="en-US" sz="3200" dirty="0" smtClean="0">
+              <a:solidFill>
+                <a:schemeClr val="accent1">
+                  <a:lumMod val="75000"/>
+                </a:schemeClr>
+              </a:solidFill>
+            </a:endParaRPr>
+          </a:p>
+          <a:p>
+            <a:r>
+              <a:rPr lang="en-US" sz="3200" dirty="0" smtClean="0">
+                <a:solidFill>
+                  <a:schemeClr val="bg1">
+                    <a:lumMod val="65000"/>
+                  </a:schemeClr>
+                </a:solidFill>
+              </a:rPr>
+              <a:t>calculator repo:</a:t>
+            </a:r>
+          </a:p>
+          <a:p>
+            <a:r>
+              <a:rPr lang="en-US" sz="3200" dirty="0">
+                <a:solidFill>
+                  <a:schemeClr val="bg1">
+                    <a:lumMod val="65000"/>
+                  </a:schemeClr>
+                </a:solidFill>
+              </a:rPr>
+              <a:t>	</a:t>
+            </a:r>
+            <a:r>
+              <a:rPr lang="en-US" sz="3200" dirty="0" smtClean="0">
+                <a:solidFill>
+                  <a:schemeClr val="accent1">
+                    <a:lumMod val="75000"/>
+                  </a:schemeClr>
+                </a:solidFill>
+              </a:rPr>
+              <a:t>github.com/</a:t>
+            </a:r>
+            <a:r>
+              <a:rPr lang="en-US" sz="3200" dirty="0" err="1" smtClean="0">
+                <a:solidFill>
+                  <a:schemeClr val="accent1">
+                    <a:lumMod val="75000"/>
+                  </a:schemeClr>
+                </a:solidFill>
+              </a:rPr>
+              <a:t>eindacor</a:t>
+            </a:r>
+            <a:r>
+              <a:rPr lang="en-US" sz="3200" dirty="0" smtClean="0">
+                <a:solidFill>
+                  <a:schemeClr val="accent1">
+                    <a:lumMod val="75000"/>
+                  </a:schemeClr>
+                </a:solidFill>
+              </a:rPr>
+              <a:t>/</a:t>
+            </a:r>
+            <a:r>
+              <a:rPr lang="en-US" sz="3200" dirty="0" err="1" smtClean="0">
+                <a:solidFill>
+                  <a:schemeClr val="accent1">
+                    <a:lumMod val="75000"/>
+                  </a:schemeClr>
+                </a:solidFill>
+              </a:rPr>
+              <a:t>JEPbignum_calculator</a:t>
+            </a:r>
+            <a:endParaRPr lang="en-US" sz="3200" dirty="0" smtClean="0">
+              <a:solidFill>
+                <a:schemeClr val="accent1">
+                  <a:lumMod val="75000"/>
+                </a:schemeClr>
+              </a:solidFill>
+            </a:endParaRPr>
+          </a:p>
+          <a:p>
+            <a:endParaRPr lang="en-US" sz="3200" dirty="0" smtClean="0">
+              <a:solidFill>
+                <a:schemeClr val="accent1">
+                  <a:lumMod val="75000"/>
+                </a:schemeClr>
+              </a:solidFill>
+            </a:endParaRPr>
+          </a:p>
+          <a:p>
+            <a:r>
+              <a:rPr lang="en-US" sz="3200" dirty="0" smtClean="0">
+                <a:solidFill>
+                  <a:schemeClr val="bg1">
+                    <a:lumMod val="65000"/>
+                  </a:schemeClr>
+                </a:solidFill>
+              </a:rPr>
+              <a:t>library docs: 		</a:t>
+            </a:r>
+          </a:p>
+          <a:p>
+            <a:r>
+              <a:rPr lang="en-US" sz="3200" dirty="0">
+                <a:solidFill>
+                  <a:schemeClr val="bg1">
+                    <a:lumMod val="65000"/>
+                  </a:schemeClr>
+                </a:solidFill>
+              </a:rPr>
+              <a:t>	</a:t>
+            </a:r>
+            <a:r>
+              <a:rPr lang="en-US" sz="3200" dirty="0" smtClean="0">
+                <a:solidFill>
+                  <a:schemeClr val="accent1">
+                    <a:lumMod val="75000"/>
+                  </a:schemeClr>
+                </a:solidFill>
+              </a:rPr>
+              <a:t>github.com/eindacor/JEPbignum/blob/master/README.md</a:t>
+            </a:r>
+          </a:p>
+        </p:txBody>
+      </p:sp>
+    </p:spTree>
+    <p:extLst>
+      <p:ext uri="{BB962C8B-B14F-4D97-AF65-F5344CB8AC3E}">
+        <p14:creationId xmlns:p14="http://schemas.microsoft.com/office/powerpoint/2010/main" val="2049387764"/>
+      </p:ext>
+    </p:extLst>
+  </p:cSld>
+  <p:clrMapOvr>
+    <a:masterClrMapping/>
+  </p:clrMapOvr>
+  <p:timing>
+    <p:tnLst>
+      <p:par>
+        <p:cTn id="1" dur="indefinite" restart="never" nodeType="tmRoot"/>
+      </p:par>
+    </p:tnLst>
+  </p:timing>
+</p:sld>
+</file>
+
+<file path=ppt/slides/slide20.xml><?xml version="1.0" encoding="utf-8"?>
 <p:sld xmlns:a="http://schemas.openxmlformats.org/drawingml/2006/main" xmlns:r="http://schemas.openxmlformats.org/officeDocument/2006/relationships" xmlns:p="http://schemas.openxmlformats.org/presentationml/2006/main">
   <p:cSld>
     <p:spTree>
@@ -5171,87 +5190,6 @@
       </p:grpSpPr>
       <p:pic>
         <p:nvPicPr>
-          <p:cNvPr id="4" name="Picture 3"/>
-          <p:cNvPicPr>
-            <a:picLocks noChangeAspect="1"/>
-          </p:cNvPicPr>
-          <p:nvPr/>
-        </p:nvPicPr>
-        <p:blipFill>
-          <a:blip r:embed="rId3">
-            <a:extLst>
-              <a:ext uri="{28A0092B-C50C-407E-A947-70E740481C1C}">
-                <a14:useLocalDpi xmlns:a14="http://schemas.microsoft.com/office/drawing/2010/main" val="0"/>
-              </a:ext>
-            </a:extLst>
-          </a:blip>
-          <a:stretch>
-            <a:fillRect/>
-          </a:stretch>
-        </p:blipFill>
-        <p:spPr>
-          <a:xfrm>
-            <a:off x="1359568" y="806410"/>
-            <a:ext cx="10070432" cy="5838272"/>
-          </a:xfrm>
-          <a:prstGeom prst="rect">
-            <a:avLst/>
-          </a:prstGeom>
-        </p:spPr>
-      </p:pic>
-    </p:spTree>
-    <p:extLst>
-      <p:ext uri="{BB962C8B-B14F-4D97-AF65-F5344CB8AC3E}">
-        <p14:creationId xmlns:p14="http://schemas.microsoft.com/office/powerpoint/2010/main" val="3584270438"/>
-      </p:ext>
-    </p:extLst>
-  </p:cSld>
-  <p:clrMapOvr>
-    <a:masterClrMapping/>
-  </p:clrMapOvr>
-  <p:timing>
-    <p:tnLst>
-      <p:par>
-        <p:cTn id="1" dur="indefinite" restart="never" nodeType="tmRoot"/>
-      </p:par>
-    </p:tnLst>
-  </p:timing>
-</p:sld>
-</file>
-
-<file path=ppt/slides/slide5.xml><?xml version="1.0" encoding="utf-8"?>
-<p:sld xmlns:a="http://schemas.openxmlformats.org/drawingml/2006/main" xmlns:r="http://schemas.openxmlformats.org/officeDocument/2006/relationships" xmlns:p="http://schemas.openxmlformats.org/presentationml/2006/main">
-  <p:cSld>
-    <p:bg>
-      <p:bgPr>
-        <a:blipFill dpi="0" rotWithShape="1">
-          <a:blip r:embed="rId2">
-            <a:lum/>
-          </a:blip>
-          <a:srcRect/>
-          <a:stretch>
-            <a:fillRect/>
-          </a:stretch>
-        </a:blipFill>
-        <a:effectLst/>
-      </p:bgPr>
-    </p:bg>
-    <p:spTree>
-      <p:nvGrpSpPr>
-        <p:cNvPr id="1" name=""/>
-        <p:cNvGrpSpPr/>
-        <p:nvPr/>
-      </p:nvGrpSpPr>
-      <p:grpSpPr>
-        <a:xfrm>
-          <a:off x="0" y="0"/>
-          <a:ext cx="0" cy="0"/>
-          <a:chOff x="0" y="0"/>
-          <a:chExt cx="0" cy="0"/>
-        </a:xfrm>
-      </p:grpSpPr>
-      <p:pic>
-        <p:nvPicPr>
           <p:cNvPr id="2" name="Picture 1"/>
           <p:cNvPicPr>
             <a:picLocks noChangeAspect="1"/>
@@ -5300,7 +5238,7 @@
 </p:sld>
 </file>
 
-<file path=ppt/slides/slide6.xml><?xml version="1.0" encoding="utf-8"?>
+<file path=ppt/slides/slide5.xml><?xml version="1.0" encoding="utf-8"?>
 <p:sld xmlns:a="http://schemas.openxmlformats.org/drawingml/2006/main" xmlns:r="http://schemas.openxmlformats.org/officeDocument/2006/relationships" xmlns:p="http://schemas.openxmlformats.org/presentationml/2006/main">
   <p:cSld>
     <p:bg>
@@ -5381,7 +5319,7 @@
 </p:sld>
 </file>
 
-<file path=ppt/slides/slide7.xml><?xml version="1.0" encoding="utf-8"?>
+<file path=ppt/slides/slide6.xml><?xml version="1.0" encoding="utf-8"?>
 <p:sld xmlns:a="http://schemas.openxmlformats.org/drawingml/2006/main" xmlns:r="http://schemas.openxmlformats.org/officeDocument/2006/relationships" xmlns:p="http://schemas.openxmlformats.org/presentationml/2006/main">
   <p:cSld>
     <p:bg>
@@ -5462,7 +5400,7 @@
 </p:sld>
 </file>
 
-<file path=ppt/slides/slide8.xml><?xml version="1.0" encoding="utf-8"?>
+<file path=ppt/slides/slide7.xml><?xml version="1.0" encoding="utf-8"?>
 <p:sld xmlns:a="http://schemas.openxmlformats.org/drawingml/2006/main" xmlns:r="http://schemas.openxmlformats.org/officeDocument/2006/relationships" xmlns:p="http://schemas.openxmlformats.org/presentationml/2006/main">
   <p:cSld>
     <p:bg>
@@ -5543,6 +5481,87 @@
 </p:sld>
 </file>
 
+<file path=ppt/slides/slide8.xml><?xml version="1.0" encoding="utf-8"?>
+<p:sld xmlns:a="http://schemas.openxmlformats.org/drawingml/2006/main" xmlns:r="http://schemas.openxmlformats.org/officeDocument/2006/relationships" xmlns:p="http://schemas.openxmlformats.org/presentationml/2006/main">
+  <p:cSld>
+    <p:bg>
+      <p:bgPr>
+        <a:blipFill dpi="0" rotWithShape="1">
+          <a:blip r:embed="rId2">
+            <a:lum/>
+          </a:blip>
+          <a:srcRect/>
+          <a:stretch>
+            <a:fillRect/>
+          </a:stretch>
+        </a:blipFill>
+        <a:effectLst/>
+      </p:bgPr>
+    </p:bg>
+    <p:spTree>
+      <p:nvGrpSpPr>
+        <p:cNvPr id="1" name=""/>
+        <p:cNvGrpSpPr/>
+        <p:nvPr/>
+      </p:nvGrpSpPr>
+      <p:grpSpPr>
+        <a:xfrm>
+          <a:off x="0" y="0"/>
+          <a:ext cx="0" cy="0"/>
+          <a:chOff x="0" y="0"/>
+          <a:chExt cx="0" cy="0"/>
+        </a:xfrm>
+      </p:grpSpPr>
+      <p:pic>
+        <p:nvPicPr>
+          <p:cNvPr id="3" name="Picture 2"/>
+          <p:cNvPicPr>
+            <a:picLocks noChangeAspect="1"/>
+          </p:cNvPicPr>
+          <p:nvPr/>
+        </p:nvPicPr>
+        <p:blipFill>
+          <a:blip r:embed="rId3">
+            <a:extLst>
+              <a:ext uri="{28A0092B-C50C-407E-A947-70E740481C1C}">
+                <a14:useLocalDpi xmlns:a14="http://schemas.microsoft.com/office/drawing/2010/main" val="0"/>
+              </a:ext>
+            </a:extLst>
+          </a:blip>
+          <a:stretch>
+            <a:fillRect/>
+          </a:stretch>
+        </p:blipFill>
+        <p:spPr>
+          <a:xfrm>
+            <a:off x="2334468" y="3284678"/>
+            <a:ext cx="7259409" cy="3254668"/>
+          </a:xfrm>
+          <a:prstGeom prst="rect">
+            <a:avLst/>
+          </a:prstGeom>
+        </p:spPr>
+      </p:pic>
+    </p:spTree>
+    <p:extLst>
+      <p:ext uri="{BB962C8B-B14F-4D97-AF65-F5344CB8AC3E}">
+        <p14:creationId xmlns:p14="http://schemas.microsoft.com/office/powerpoint/2010/main" val="2916988517"/>
+      </p:ext>
+    </p:extLst>
+  </p:cSld>
+  <p:clrMapOvr>
+    <a:masterClrMapping/>
+  </p:clrMapOvr>
+  <p:timing>
+    <p:tnLst>
+      <p:par>
+        <p:cTn id="1" dur="indefinite" restart="never" nodeType="tmRoot"/>
+      </p:par>
+    </p:tnLst>
+  </p:timing>
+</p:sld>
+</file>
+
 <file path=ppt/slides/slide9.xml><?xml version="1.0" encoding="utf-8"?>
 <p:sld xmlns:a="http://schemas.openxmlformats.org/drawingml/2006/main" xmlns:r="http://schemas.openxmlformats.org/officeDocument/2006/relationships" xmlns:p="http://schemas.openxmlformats.org/presentationml/2006/main">
   <p:cSld>
@@ -5607,7 +5626,7 @@
     </p:spTree>
     <p:extLst>
       <p:ext uri="{BB962C8B-B14F-4D97-AF65-F5344CB8AC3E}">
-        <p14:creationId xmlns:p14="http://schemas.microsoft.com/office/powerpoint/2010/main" val="2916988517"/>
+        <p14:creationId xmlns:p14="http://schemas.microsoft.com/office/powerpoint/2010/main" val="2026776880"/>
       </p:ext>
     </p:extLst>
   </p:cSld>

--- a/images/Bignum Presentation.pptx
+++ b/images/Bignum Presentation.pptx
@@ -10,21 +10,18 @@
     <p:sldId id="268" r:id="rId4"/>
     <p:sldId id="279" r:id="rId5"/>
     <p:sldId id="257" r:id="rId6"/>
-    <p:sldId id="281" r:id="rId7"/>
-    <p:sldId id="262" r:id="rId8"/>
-    <p:sldId id="274" r:id="rId9"/>
-    <p:sldId id="275" r:id="rId10"/>
-    <p:sldId id="276" r:id="rId11"/>
-    <p:sldId id="277" r:id="rId12"/>
-    <p:sldId id="273" r:id="rId13"/>
-    <p:sldId id="258" r:id="rId14"/>
-    <p:sldId id="259" r:id="rId15"/>
-    <p:sldId id="260" r:id="rId16"/>
-    <p:sldId id="266" r:id="rId17"/>
-    <p:sldId id="261" r:id="rId18"/>
-    <p:sldId id="280" r:id="rId19"/>
-    <p:sldId id="270" r:id="rId20"/>
-    <p:sldId id="271" r:id="rId21"/>
+    <p:sldId id="262" r:id="rId7"/>
+    <p:sldId id="274" r:id="rId8"/>
+    <p:sldId id="275" r:id="rId9"/>
+    <p:sldId id="276" r:id="rId10"/>
+    <p:sldId id="277" r:id="rId11"/>
+    <p:sldId id="258" r:id="rId12"/>
+    <p:sldId id="259" r:id="rId13"/>
+    <p:sldId id="260" r:id="rId14"/>
+    <p:sldId id="266" r:id="rId15"/>
+    <p:sldId id="261" r:id="rId16"/>
+    <p:sldId id="270" r:id="rId17"/>
+    <p:sldId id="271" r:id="rId18"/>
   </p:sldIdLst>
   <p:sldSz cx="12192000" cy="6858000"/>
   <p:notesSz cx="6858000" cy="9144000"/>
@@ -3214,87 +3211,6 @@
           </a:prstGeom>
         </p:spPr>
       </p:pic>
-    </p:spTree>
-    <p:extLst>
-      <p:ext uri="{BB962C8B-B14F-4D97-AF65-F5344CB8AC3E}">
-        <p14:creationId xmlns:p14="http://schemas.microsoft.com/office/powerpoint/2010/main" val="1407309580"/>
-      </p:ext>
-    </p:extLst>
-  </p:cSld>
-  <p:clrMapOvr>
-    <a:masterClrMapping/>
-  </p:clrMapOvr>
-  <p:timing>
-    <p:tnLst>
-      <p:par>
-        <p:cTn id="1" dur="indefinite" restart="never" nodeType="tmRoot"/>
-      </p:par>
-    </p:tnLst>
-  </p:timing>
-</p:sld>
-</file>
-
-<file path=ppt/slides/slide11.xml><?xml version="1.0" encoding="utf-8"?>
-<p:sld xmlns:a="http://schemas.openxmlformats.org/drawingml/2006/main" xmlns:r="http://schemas.openxmlformats.org/officeDocument/2006/relationships" xmlns:p="http://schemas.openxmlformats.org/presentationml/2006/main">
-  <p:cSld>
-    <p:bg>
-      <p:bgPr>
-        <a:blipFill dpi="0" rotWithShape="1">
-          <a:blip r:embed="rId2">
-            <a:lum/>
-          </a:blip>
-          <a:srcRect/>
-          <a:stretch>
-            <a:fillRect/>
-          </a:stretch>
-        </a:blipFill>
-        <a:effectLst/>
-      </p:bgPr>
-    </p:bg>
-    <p:spTree>
-      <p:nvGrpSpPr>
-        <p:cNvPr id="1" name=""/>
-        <p:cNvGrpSpPr/>
-        <p:nvPr/>
-      </p:nvGrpSpPr>
-      <p:grpSpPr>
-        <a:xfrm>
-          <a:off x="0" y="0"/>
-          <a:ext cx="0" cy="0"/>
-          <a:chOff x="0" y="0"/>
-          <a:chExt cx="0" cy="0"/>
-        </a:xfrm>
-      </p:grpSpPr>
-      <p:pic>
-        <p:nvPicPr>
-          <p:cNvPr id="3" name="Picture 2"/>
-          <p:cNvPicPr>
-            <a:picLocks noChangeAspect="1"/>
-          </p:cNvPicPr>
-          <p:nvPr/>
-        </p:nvPicPr>
-        <p:blipFill>
-          <a:blip r:embed="rId3">
-            <a:extLst>
-              <a:ext uri="{28A0092B-C50C-407E-A947-70E740481C1C}">
-                <a14:useLocalDpi xmlns:a14="http://schemas.microsoft.com/office/drawing/2010/main" val="0"/>
-              </a:ext>
-            </a:extLst>
-          </a:blip>
-          <a:stretch>
-            <a:fillRect/>
-          </a:stretch>
-        </p:blipFill>
-        <p:spPr>
-          <a:xfrm>
-            <a:off x="2334469" y="3284678"/>
-            <a:ext cx="7259407" cy="3254667"/>
-          </a:xfrm>
-          <a:prstGeom prst="rect">
-            <a:avLst/>
-          </a:prstGeom>
-        </p:spPr>
-      </p:pic>
       <p:pic>
         <p:nvPicPr>
           <p:cNvPr id="6" name="Picture 5"/>
@@ -3345,145 +3261,7 @@
 </p:sld>
 </file>
 
-<file path=ppt/slides/slide12.xml><?xml version="1.0" encoding="utf-8"?>
-<p:sld xmlns:a="http://schemas.openxmlformats.org/drawingml/2006/main" xmlns:r="http://schemas.openxmlformats.org/officeDocument/2006/relationships" xmlns:p="http://schemas.openxmlformats.org/presentationml/2006/main">
-  <p:cSld>
-    <p:bg>
-      <p:bgPr>
-        <a:blipFill dpi="0" rotWithShape="1">
-          <a:blip r:embed="rId3">
-            <a:lum/>
-          </a:blip>
-          <a:srcRect/>
-          <a:stretch>
-            <a:fillRect/>
-          </a:stretch>
-        </a:blipFill>
-        <a:effectLst/>
-      </p:bgPr>
-    </p:bg>
-    <p:spTree>
-      <p:nvGrpSpPr>
-        <p:cNvPr id="1" name=""/>
-        <p:cNvGrpSpPr/>
-        <p:nvPr/>
-      </p:nvGrpSpPr>
-      <p:grpSpPr>
-        <a:xfrm>
-          <a:off x="0" y="0"/>
-          <a:ext cx="0" cy="0"/>
-          <a:chOff x="0" y="0"/>
-          <a:chExt cx="0" cy="0"/>
-        </a:xfrm>
-      </p:grpSpPr>
-      <p:pic>
-        <p:nvPicPr>
-          <p:cNvPr id="2" name="Picture 1"/>
-          <p:cNvPicPr>
-            <a:picLocks noChangeAspect="1"/>
-          </p:cNvPicPr>
-          <p:nvPr/>
-        </p:nvPicPr>
-        <p:blipFill>
-          <a:blip r:embed="rId4">
-            <a:extLst>
-              <a:ext uri="{28A0092B-C50C-407E-A947-70E740481C1C}">
-                <a14:useLocalDpi xmlns:a14="http://schemas.microsoft.com/office/drawing/2010/main" val="0"/>
-              </a:ext>
-            </a:extLst>
-          </a:blip>
-          <a:stretch>
-            <a:fillRect/>
-          </a:stretch>
-        </p:blipFill>
-        <p:spPr>
-          <a:xfrm>
-            <a:off x="336929" y="565305"/>
-            <a:ext cx="11254487" cy="2261021"/>
-          </a:xfrm>
-          <a:prstGeom prst="rect">
-            <a:avLst/>
-          </a:prstGeom>
-        </p:spPr>
-      </p:pic>
-      <p:graphicFrame>
-        <p:nvGraphicFramePr>
-          <p:cNvPr id="6" name="Object 5"/>
-          <p:cNvGraphicFramePr>
-            <a:graphicFrameLocks noChangeAspect="1"/>
-          </p:cNvGraphicFramePr>
-          <p:nvPr>
-            <p:extLst>
-              <p:ext uri="{D42A27DB-BD31-4B8C-83A1-F6EECF244321}">
-                <p14:modId xmlns:p14="http://schemas.microsoft.com/office/powerpoint/2010/main" val="3504310270"/>
-              </p:ext>
-            </p:extLst>
-          </p:nvPr>
-        </p:nvGraphicFramePr>
-        <p:xfrm>
-          <a:off x="1900173" y="3108585"/>
-          <a:ext cx="8128000" cy="3400425"/>
-        </p:xfrm>
-        <a:graphic>
-          <a:graphicData uri="http://schemas.openxmlformats.org/presentationml/2006/ole">
-            <mc:AlternateContent xmlns:mc="http://schemas.openxmlformats.org/markup-compatibility/2006">
-              <mc:Choice xmlns:v="urn:schemas-microsoft-com:vml" Requires="v">
-                <p:oleObj spid="_x0000_s2071" r:id="rId5" imgW="19910880" imgH="8330040" progId="">
-                  <p:embed/>
-                </p:oleObj>
-              </mc:Choice>
-              <mc:Fallback>
-                <p:oleObj r:id="rId5" imgW="19910880" imgH="8330040" progId="">
-                  <p:embed/>
-                  <p:pic>
-                    <p:nvPicPr>
-                      <p:cNvPr id="0" name=""/>
-                      <p:cNvPicPr/>
-                      <p:nvPr/>
-                    </p:nvPicPr>
-                    <p:blipFill>
-                      <a:blip r:embed="rId6"/>
-                      <a:stretch>
-                        <a:fillRect/>
-                      </a:stretch>
-                    </p:blipFill>
-                    <p:spPr>
-                      <a:xfrm>
-                        <a:off x="1900173" y="3108585"/>
-                        <a:ext cx="8128000" cy="3400425"/>
-                      </a:xfrm>
-                      <a:prstGeom prst="rect">
-                        <a:avLst/>
-                      </a:prstGeom>
-                    </p:spPr>
-                  </p:pic>
-                </p:oleObj>
-              </mc:Fallback>
-            </mc:AlternateContent>
-          </a:graphicData>
-        </a:graphic>
-      </p:graphicFrame>
-    </p:spTree>
-    <p:extLst>
-      <p:ext uri="{BB962C8B-B14F-4D97-AF65-F5344CB8AC3E}">
-        <p14:creationId xmlns:p14="http://schemas.microsoft.com/office/powerpoint/2010/main" val="2007540290"/>
-      </p:ext>
-    </p:extLst>
-  </p:cSld>
-  <p:clrMapOvr>
-    <a:masterClrMapping/>
-  </p:clrMapOvr>
-  <p:timing>
-    <p:tnLst>
-      <p:par>
-        <p:cTn id="1" dur="indefinite" restart="never" nodeType="tmRoot"/>
-      </p:par>
-    </p:tnLst>
-  </p:timing>
-</p:sld>
-</file>
-
-<file path=ppt/slides/slide13.xml><?xml version="1.0" encoding="utf-8"?>
+<file path=ppt/slides/slide11.xml><?xml version="1.0" encoding="utf-8"?>
 <p:sld xmlns:a="http://schemas.openxmlformats.org/drawingml/2006/main" xmlns:r="http://schemas.openxmlformats.org/officeDocument/2006/relationships" xmlns:p="http://schemas.openxmlformats.org/presentationml/2006/main">
   <p:cSld>
     <p:bg>
@@ -3588,7 +3366,7 @@
 </p:sld>
 </file>
 
-<file path=ppt/slides/slide14.xml><?xml version="1.0" encoding="utf-8"?>
+<file path=ppt/slides/slide12.xml><?xml version="1.0" encoding="utf-8"?>
 <p:sld xmlns:a="http://schemas.openxmlformats.org/drawingml/2006/main" xmlns:r="http://schemas.openxmlformats.org/officeDocument/2006/relationships" xmlns:p="http://schemas.openxmlformats.org/presentationml/2006/main">
   <p:cSld>
     <p:bg>
@@ -3641,7 +3419,7 @@
           <a:graphicData uri="http://schemas.openxmlformats.org/presentationml/2006/ole">
             <mc:AlternateContent xmlns:mc="http://schemas.openxmlformats.org/markup-compatibility/2006">
               <mc:Choice xmlns:v="urn:schemas-microsoft-com:vml" Requires="v">
-                <p:oleObj spid="_x0000_s4112" r:id="rId4" imgW="13066560" imgH="5637960" progId="">
+                <p:oleObj spid="_x0000_s4115" r:id="rId4" imgW="13066560" imgH="5637960" progId="">
                   <p:embed/>
                 </p:oleObj>
               </mc:Choice>
@@ -3726,7 +3504,7 @@
 </p:sld>
 </file>
 
-<file path=ppt/slides/slide15.xml><?xml version="1.0" encoding="utf-8"?>
+<file path=ppt/slides/slide13.xml><?xml version="1.0" encoding="utf-8"?>
 <p:sld xmlns:a="http://schemas.openxmlformats.org/drawingml/2006/main" xmlns:r="http://schemas.openxmlformats.org/officeDocument/2006/relationships" xmlns:p="http://schemas.openxmlformats.org/presentationml/2006/main">
   <p:cSld>
     <p:bg>
@@ -3779,7 +3557,7 @@
           <a:graphicData uri="http://schemas.openxmlformats.org/presentationml/2006/ole">
             <mc:AlternateContent xmlns:mc="http://schemas.openxmlformats.org/markup-compatibility/2006">
               <mc:Choice xmlns:v="urn:schemas-microsoft-com:vml" Requires="v">
-                <p:oleObj spid="_x0000_s5136" r:id="rId4" imgW="11034720" imgH="4850640" progId="">
+                <p:oleObj spid="_x0000_s5139" r:id="rId4" imgW="11034720" imgH="4850640" progId="">
                   <p:embed/>
                 </p:oleObj>
               </mc:Choice>
@@ -3864,7 +3642,7 @@
 </p:sld>
 </file>
 
-<file path=ppt/slides/slide16.xml><?xml version="1.0" encoding="utf-8"?>
+<file path=ppt/slides/slide14.xml><?xml version="1.0" encoding="utf-8"?>
 <p:sld xmlns:a="http://schemas.openxmlformats.org/drawingml/2006/main" xmlns:r="http://schemas.openxmlformats.org/officeDocument/2006/relationships" xmlns:p="http://schemas.openxmlformats.org/presentationml/2006/main">
   <p:cSld>
     <p:bg>
@@ -3971,7 +3749,7 @@
           <a:graphicData uri="http://schemas.openxmlformats.org/presentationml/2006/ole">
             <mc:AlternateContent xmlns:mc="http://schemas.openxmlformats.org/markup-compatibility/2006">
               <mc:Choice xmlns:v="urn:schemas-microsoft-com:vml" Requires="v">
-                <p:oleObj spid="_x0000_s6154" r:id="rId6" imgW="7288560" imgH="1104480" progId="">
+                <p:oleObj spid="_x0000_s6157" r:id="rId6" imgW="7288560" imgH="1104480" progId="">
                   <p:embed/>
                 </p:oleObj>
               </mc:Choice>
@@ -4064,7 +3842,7 @@
 </p:sld>
 </file>
 
-<file path=ppt/slides/slide17.xml><?xml version="1.0" encoding="utf-8"?>
+<file path=ppt/slides/slide15.xml><?xml version="1.0" encoding="utf-8"?>
 <p:sld xmlns:a="http://schemas.openxmlformats.org/drawingml/2006/main" xmlns:r="http://schemas.openxmlformats.org/officeDocument/2006/relationships" xmlns:p="http://schemas.openxmlformats.org/presentationml/2006/main">
   <p:cSld>
     <p:bg>
@@ -4176,7 +3954,7 @@
           <a:graphicData uri="http://schemas.openxmlformats.org/presentationml/2006/ole">
             <mc:AlternateContent xmlns:mc="http://schemas.openxmlformats.org/markup-compatibility/2006">
               <mc:Choice xmlns:v="urn:schemas-microsoft-com:vml" Requires="v">
-                <p:oleObj spid="_x0000_s7174" r:id="rId6" imgW="7263360" imgH="1002960" progId="">
+                <p:oleObj spid="_x0000_s7177" r:id="rId6" imgW="7263360" imgH="1002960" progId="">
                   <p:embed/>
                 </p:oleObj>
               </mc:Choice>
@@ -4231,282 +4009,7 @@
 </p:sld>
 </file>
 
-<file path=ppt/slides/slide18.xml><?xml version="1.0" encoding="utf-8"?>
-<p:sld xmlns:a="http://schemas.openxmlformats.org/drawingml/2006/main" xmlns:r="http://schemas.openxmlformats.org/officeDocument/2006/relationships" xmlns:p="http://schemas.openxmlformats.org/presentationml/2006/main">
-  <p:cSld>
-    <p:bg>
-      <p:bgPr>
-        <a:blipFill dpi="0" rotWithShape="1">
-          <a:blip r:embed="rId2">
-            <a:lum/>
-          </a:blip>
-          <a:srcRect/>
-          <a:stretch>
-            <a:fillRect/>
-          </a:stretch>
-        </a:blipFill>
-        <a:effectLst/>
-      </p:bgPr>
-    </p:bg>
-    <p:spTree>
-      <p:nvGrpSpPr>
-        <p:cNvPr id="1" name=""/>
-        <p:cNvGrpSpPr/>
-        <p:nvPr/>
-      </p:nvGrpSpPr>
-      <p:grpSpPr>
-        <a:xfrm>
-          <a:off x="0" y="0"/>
-          <a:ext cx="0" cy="0"/>
-          <a:chOff x="0" y="0"/>
-          <a:chExt cx="0" cy="0"/>
-        </a:xfrm>
-      </p:grpSpPr>
-      <p:sp>
-        <p:nvSpPr>
-          <p:cNvPr id="6" name="TextBox 5"/>
-          <p:cNvSpPr txBox="1"/>
-          <p:nvPr/>
-        </p:nvSpPr>
-        <p:spPr>
-          <a:xfrm>
-            <a:off x="621896" y="1551482"/>
-            <a:ext cx="11313429" cy="4031873"/>
-          </a:xfrm>
-          <a:prstGeom prst="rect">
-            <a:avLst/>
-          </a:prstGeom>
-          <a:noFill/>
-        </p:spPr>
-        <p:txBody>
-          <a:bodyPr wrap="square" rtlCol="0">
-            <a:spAutoFit/>
-          </a:bodyPr>
-          <a:lstStyle/>
-          <a:p>
-            <a:r>
-              <a:rPr lang="en-US" sz="3200" dirty="0" smtClean="0">
-                <a:solidFill>
-                  <a:schemeClr val="bg1">
-                    <a:lumMod val="65000"/>
-                  </a:schemeClr>
-                </a:solidFill>
-              </a:rPr>
-              <a:t>library repo: </a:t>
-            </a:r>
-            <a:endParaRPr lang="en-US" sz="3200" dirty="0">
-              <a:solidFill>
-                <a:schemeClr val="bg1">
-                  <a:lumMod val="65000"/>
-                </a:schemeClr>
-              </a:solidFill>
-            </a:endParaRPr>
-          </a:p>
-          <a:p>
-            <a:r>
-              <a:rPr lang="en-US" sz="3200" dirty="0" smtClean="0">
-                <a:solidFill>
-                  <a:schemeClr val="bg1">
-                    <a:lumMod val="65000"/>
-                  </a:schemeClr>
-                </a:solidFill>
-              </a:rPr>
-              <a:t>	</a:t>
-            </a:r>
-            <a:r>
-              <a:rPr lang="en-US" sz="3200" dirty="0" smtClean="0">
-                <a:solidFill>
-                  <a:schemeClr val="accent1">
-                    <a:lumMod val="75000"/>
-                  </a:schemeClr>
-                </a:solidFill>
-              </a:rPr>
-              <a:t>github.com/</a:t>
-            </a:r>
-            <a:r>
-              <a:rPr lang="en-US" sz="3200" dirty="0" err="1" smtClean="0">
-                <a:solidFill>
-                  <a:schemeClr val="accent1">
-                    <a:lumMod val="75000"/>
-                  </a:schemeClr>
-                </a:solidFill>
-              </a:rPr>
-              <a:t>eindacor</a:t>
-            </a:r>
-            <a:r>
-              <a:rPr lang="en-US" sz="3200" dirty="0" smtClean="0">
-                <a:solidFill>
-                  <a:schemeClr val="accent1">
-                    <a:lumMod val="75000"/>
-                  </a:schemeClr>
-                </a:solidFill>
-              </a:rPr>
-              <a:t>/</a:t>
-            </a:r>
-            <a:r>
-              <a:rPr lang="en-US" sz="3200" dirty="0" err="1" smtClean="0">
-                <a:solidFill>
-                  <a:schemeClr val="accent1">
-                    <a:lumMod val="75000"/>
-                  </a:schemeClr>
-                </a:solidFill>
-              </a:rPr>
-              <a:t>JEPbignum</a:t>
-            </a:r>
-            <a:endParaRPr lang="en-US" sz="3200" dirty="0" smtClean="0">
-              <a:solidFill>
-                <a:schemeClr val="accent1">
-                  <a:lumMod val="75000"/>
-                </a:schemeClr>
-              </a:solidFill>
-            </a:endParaRPr>
-          </a:p>
-          <a:p>
-            <a:endParaRPr lang="en-US" sz="3200" dirty="0" smtClean="0">
-              <a:solidFill>
-                <a:schemeClr val="accent1">
-                  <a:lumMod val="75000"/>
-                </a:schemeClr>
-              </a:solidFill>
-            </a:endParaRPr>
-          </a:p>
-          <a:p>
-            <a:r>
-              <a:rPr lang="en-US" sz="3200" dirty="0" smtClean="0">
-                <a:solidFill>
-                  <a:schemeClr val="bg1">
-                    <a:lumMod val="65000"/>
-                  </a:schemeClr>
-                </a:solidFill>
-              </a:rPr>
-              <a:t>calculator repo:</a:t>
-            </a:r>
-          </a:p>
-          <a:p>
-            <a:r>
-              <a:rPr lang="en-US" sz="3200" dirty="0">
-                <a:solidFill>
-                  <a:schemeClr val="bg1">
-                    <a:lumMod val="65000"/>
-                  </a:schemeClr>
-                </a:solidFill>
-              </a:rPr>
-              <a:t>	</a:t>
-            </a:r>
-            <a:r>
-              <a:rPr lang="en-US" sz="3200" dirty="0" smtClean="0">
-                <a:solidFill>
-                  <a:schemeClr val="accent1">
-                    <a:lumMod val="75000"/>
-                  </a:schemeClr>
-                </a:solidFill>
-              </a:rPr>
-              <a:t>github.com/</a:t>
-            </a:r>
-            <a:r>
-              <a:rPr lang="en-US" sz="3200" dirty="0" err="1" smtClean="0">
-                <a:solidFill>
-                  <a:schemeClr val="accent1">
-                    <a:lumMod val="75000"/>
-                  </a:schemeClr>
-                </a:solidFill>
-              </a:rPr>
-              <a:t>eindacor</a:t>
-            </a:r>
-            <a:r>
-              <a:rPr lang="en-US" sz="3200" dirty="0" smtClean="0">
-                <a:solidFill>
-                  <a:schemeClr val="accent1">
-                    <a:lumMod val="75000"/>
-                  </a:schemeClr>
-                </a:solidFill>
-              </a:rPr>
-              <a:t>/</a:t>
-            </a:r>
-            <a:r>
-              <a:rPr lang="en-US" sz="3200" dirty="0" err="1" smtClean="0">
-                <a:solidFill>
-                  <a:schemeClr val="accent1">
-                    <a:lumMod val="75000"/>
-                  </a:schemeClr>
-                </a:solidFill>
-              </a:rPr>
-              <a:t>JEPbignum_calculator</a:t>
-            </a:r>
-            <a:endParaRPr lang="en-US" sz="3200" dirty="0" smtClean="0">
-              <a:solidFill>
-                <a:schemeClr val="accent1">
-                  <a:lumMod val="75000"/>
-                </a:schemeClr>
-              </a:solidFill>
-            </a:endParaRPr>
-          </a:p>
-          <a:p>
-            <a:endParaRPr lang="en-US" sz="3200" dirty="0" smtClean="0">
-              <a:solidFill>
-                <a:schemeClr val="accent1">
-                  <a:lumMod val="75000"/>
-                </a:schemeClr>
-              </a:solidFill>
-            </a:endParaRPr>
-          </a:p>
-          <a:p>
-            <a:r>
-              <a:rPr lang="en-US" sz="3200" dirty="0" smtClean="0">
-                <a:solidFill>
-                  <a:schemeClr val="bg1">
-                    <a:lumMod val="65000"/>
-                  </a:schemeClr>
-                </a:solidFill>
-              </a:rPr>
-              <a:t>library docs: 		</a:t>
-            </a:r>
-          </a:p>
-          <a:p>
-            <a:r>
-              <a:rPr lang="en-US" sz="3200" dirty="0">
-                <a:solidFill>
-                  <a:schemeClr val="bg1">
-                    <a:lumMod val="65000"/>
-                  </a:schemeClr>
-                </a:solidFill>
-              </a:rPr>
-              <a:t>	</a:t>
-            </a:r>
-            <a:r>
-              <a:rPr lang="en-US" sz="3200" dirty="0" smtClean="0">
-                <a:solidFill>
-                  <a:schemeClr val="accent1">
-                    <a:lumMod val="75000"/>
-                  </a:schemeClr>
-                </a:solidFill>
-              </a:rPr>
-              <a:t>github.com/eindacor/JEPbignum/blob/master/README.md</a:t>
-            </a:r>
-          </a:p>
-        </p:txBody>
-      </p:sp>
-    </p:spTree>
-    <p:extLst>
-      <p:ext uri="{BB962C8B-B14F-4D97-AF65-F5344CB8AC3E}">
-        <p14:creationId xmlns:p14="http://schemas.microsoft.com/office/powerpoint/2010/main" val="2569660917"/>
-      </p:ext>
-    </p:extLst>
-  </p:cSld>
-  <p:clrMapOvr>
-    <a:masterClrMapping/>
-  </p:clrMapOvr>
-  <p:timing>
-    <p:tnLst>
-      <p:par>
-        <p:cTn id="1" dur="indefinite" restart="never" nodeType="tmRoot"/>
-      </p:par>
-    </p:tnLst>
-  </p:timing>
-</p:sld>
-</file>
-
-<file path=ppt/slides/slide19.xml><?xml version="1.0" encoding="utf-8"?>
+<file path=ppt/slides/slide16.xml><?xml version="1.0" encoding="utf-8"?>
 <p:sld xmlns:a="http://schemas.openxmlformats.org/drawingml/2006/main" xmlns:r="http://schemas.openxmlformats.org/officeDocument/2006/relationships" xmlns:p="http://schemas.openxmlformats.org/presentationml/2006/main">
   <p:cSld>
     <p:spTree>
@@ -4685,282 +4188,7 @@
 </p:sld>
 </file>
 
-<file path=ppt/slides/slide2.xml><?xml version="1.0" encoding="utf-8"?>
-<p:sld xmlns:a="http://schemas.openxmlformats.org/drawingml/2006/main" xmlns:r="http://schemas.openxmlformats.org/officeDocument/2006/relationships" xmlns:p="http://schemas.openxmlformats.org/presentationml/2006/main">
-  <p:cSld>
-    <p:bg>
-      <p:bgPr>
-        <a:blipFill dpi="0" rotWithShape="1">
-          <a:blip r:embed="rId2">
-            <a:lum/>
-          </a:blip>
-          <a:srcRect/>
-          <a:stretch>
-            <a:fillRect/>
-          </a:stretch>
-        </a:blipFill>
-        <a:effectLst/>
-      </p:bgPr>
-    </p:bg>
-    <p:spTree>
-      <p:nvGrpSpPr>
-        <p:cNvPr id="1" name=""/>
-        <p:cNvGrpSpPr/>
-        <p:nvPr/>
-      </p:nvGrpSpPr>
-      <p:grpSpPr>
-        <a:xfrm>
-          <a:off x="0" y="0"/>
-          <a:ext cx="0" cy="0"/>
-          <a:chOff x="0" y="0"/>
-          <a:chExt cx="0" cy="0"/>
-        </a:xfrm>
-      </p:grpSpPr>
-      <p:sp>
-        <p:nvSpPr>
-          <p:cNvPr id="6" name="TextBox 5"/>
-          <p:cNvSpPr txBox="1"/>
-          <p:nvPr/>
-        </p:nvSpPr>
-        <p:spPr>
-          <a:xfrm>
-            <a:off x="621896" y="1551482"/>
-            <a:ext cx="11313429" cy="4031873"/>
-          </a:xfrm>
-          <a:prstGeom prst="rect">
-            <a:avLst/>
-          </a:prstGeom>
-          <a:noFill/>
-        </p:spPr>
-        <p:txBody>
-          <a:bodyPr wrap="square" rtlCol="0">
-            <a:spAutoFit/>
-          </a:bodyPr>
-          <a:lstStyle/>
-          <a:p>
-            <a:r>
-              <a:rPr lang="en-US" sz="3200" dirty="0" smtClean="0">
-                <a:solidFill>
-                  <a:schemeClr val="bg1">
-                    <a:lumMod val="65000"/>
-                  </a:schemeClr>
-                </a:solidFill>
-              </a:rPr>
-              <a:t>library repo: </a:t>
-            </a:r>
-            <a:endParaRPr lang="en-US" sz="3200" dirty="0">
-              <a:solidFill>
-                <a:schemeClr val="bg1">
-                  <a:lumMod val="65000"/>
-                </a:schemeClr>
-              </a:solidFill>
-            </a:endParaRPr>
-          </a:p>
-          <a:p>
-            <a:r>
-              <a:rPr lang="en-US" sz="3200" dirty="0" smtClean="0">
-                <a:solidFill>
-                  <a:schemeClr val="bg1">
-                    <a:lumMod val="65000"/>
-                  </a:schemeClr>
-                </a:solidFill>
-              </a:rPr>
-              <a:t>	</a:t>
-            </a:r>
-            <a:r>
-              <a:rPr lang="en-US" sz="3200" dirty="0" smtClean="0">
-                <a:solidFill>
-                  <a:schemeClr val="accent1">
-                    <a:lumMod val="75000"/>
-                  </a:schemeClr>
-                </a:solidFill>
-              </a:rPr>
-              <a:t>github.com/</a:t>
-            </a:r>
-            <a:r>
-              <a:rPr lang="en-US" sz="3200" dirty="0" err="1" smtClean="0">
-                <a:solidFill>
-                  <a:schemeClr val="accent1">
-                    <a:lumMod val="75000"/>
-                  </a:schemeClr>
-                </a:solidFill>
-              </a:rPr>
-              <a:t>eindacor</a:t>
-            </a:r>
-            <a:r>
-              <a:rPr lang="en-US" sz="3200" dirty="0" smtClean="0">
-                <a:solidFill>
-                  <a:schemeClr val="accent1">
-                    <a:lumMod val="75000"/>
-                  </a:schemeClr>
-                </a:solidFill>
-              </a:rPr>
-              <a:t>/</a:t>
-            </a:r>
-            <a:r>
-              <a:rPr lang="en-US" sz="3200" dirty="0" err="1" smtClean="0">
-                <a:solidFill>
-                  <a:schemeClr val="accent1">
-                    <a:lumMod val="75000"/>
-                  </a:schemeClr>
-                </a:solidFill>
-              </a:rPr>
-              <a:t>JEPbignum</a:t>
-            </a:r>
-            <a:endParaRPr lang="en-US" sz="3200" dirty="0" smtClean="0">
-              <a:solidFill>
-                <a:schemeClr val="accent1">
-                  <a:lumMod val="75000"/>
-                </a:schemeClr>
-              </a:solidFill>
-            </a:endParaRPr>
-          </a:p>
-          <a:p>
-            <a:endParaRPr lang="en-US" sz="3200" dirty="0" smtClean="0">
-              <a:solidFill>
-                <a:schemeClr val="accent1">
-                  <a:lumMod val="75000"/>
-                </a:schemeClr>
-              </a:solidFill>
-            </a:endParaRPr>
-          </a:p>
-          <a:p>
-            <a:r>
-              <a:rPr lang="en-US" sz="3200" dirty="0" smtClean="0">
-                <a:solidFill>
-                  <a:schemeClr val="bg1">
-                    <a:lumMod val="65000"/>
-                  </a:schemeClr>
-                </a:solidFill>
-              </a:rPr>
-              <a:t>calculator repo:</a:t>
-            </a:r>
-          </a:p>
-          <a:p>
-            <a:r>
-              <a:rPr lang="en-US" sz="3200" dirty="0">
-                <a:solidFill>
-                  <a:schemeClr val="bg1">
-                    <a:lumMod val="65000"/>
-                  </a:schemeClr>
-                </a:solidFill>
-              </a:rPr>
-              <a:t>	</a:t>
-            </a:r>
-            <a:r>
-              <a:rPr lang="en-US" sz="3200" dirty="0" smtClean="0">
-                <a:solidFill>
-                  <a:schemeClr val="accent1">
-                    <a:lumMod val="75000"/>
-                  </a:schemeClr>
-                </a:solidFill>
-              </a:rPr>
-              <a:t>github.com/</a:t>
-            </a:r>
-            <a:r>
-              <a:rPr lang="en-US" sz="3200" dirty="0" err="1" smtClean="0">
-                <a:solidFill>
-                  <a:schemeClr val="accent1">
-                    <a:lumMod val="75000"/>
-                  </a:schemeClr>
-                </a:solidFill>
-              </a:rPr>
-              <a:t>eindacor</a:t>
-            </a:r>
-            <a:r>
-              <a:rPr lang="en-US" sz="3200" dirty="0" smtClean="0">
-                <a:solidFill>
-                  <a:schemeClr val="accent1">
-                    <a:lumMod val="75000"/>
-                  </a:schemeClr>
-                </a:solidFill>
-              </a:rPr>
-              <a:t>/</a:t>
-            </a:r>
-            <a:r>
-              <a:rPr lang="en-US" sz="3200" dirty="0" err="1" smtClean="0">
-                <a:solidFill>
-                  <a:schemeClr val="accent1">
-                    <a:lumMod val="75000"/>
-                  </a:schemeClr>
-                </a:solidFill>
-              </a:rPr>
-              <a:t>JEPbignum_calculator</a:t>
-            </a:r>
-            <a:endParaRPr lang="en-US" sz="3200" dirty="0" smtClean="0">
-              <a:solidFill>
-                <a:schemeClr val="accent1">
-                  <a:lumMod val="75000"/>
-                </a:schemeClr>
-              </a:solidFill>
-            </a:endParaRPr>
-          </a:p>
-          <a:p>
-            <a:endParaRPr lang="en-US" sz="3200" dirty="0" smtClean="0">
-              <a:solidFill>
-                <a:schemeClr val="accent1">
-                  <a:lumMod val="75000"/>
-                </a:schemeClr>
-              </a:solidFill>
-            </a:endParaRPr>
-          </a:p>
-          <a:p>
-            <a:r>
-              <a:rPr lang="en-US" sz="3200" dirty="0" smtClean="0">
-                <a:solidFill>
-                  <a:schemeClr val="bg1">
-                    <a:lumMod val="65000"/>
-                  </a:schemeClr>
-                </a:solidFill>
-              </a:rPr>
-              <a:t>library docs: 		</a:t>
-            </a:r>
-          </a:p>
-          <a:p>
-            <a:r>
-              <a:rPr lang="en-US" sz="3200" dirty="0">
-                <a:solidFill>
-                  <a:schemeClr val="bg1">
-                    <a:lumMod val="65000"/>
-                  </a:schemeClr>
-                </a:solidFill>
-              </a:rPr>
-              <a:t>	</a:t>
-            </a:r>
-            <a:r>
-              <a:rPr lang="en-US" sz="3200" dirty="0" smtClean="0">
-                <a:solidFill>
-                  <a:schemeClr val="accent1">
-                    <a:lumMod val="75000"/>
-                  </a:schemeClr>
-                </a:solidFill>
-              </a:rPr>
-              <a:t>github.com/eindacor/JEPbignum/blob/master/README.md</a:t>
-            </a:r>
-          </a:p>
-        </p:txBody>
-      </p:sp>
-    </p:spTree>
-    <p:extLst>
-      <p:ext uri="{BB962C8B-B14F-4D97-AF65-F5344CB8AC3E}">
-        <p14:creationId xmlns:p14="http://schemas.microsoft.com/office/powerpoint/2010/main" val="2049387764"/>
-      </p:ext>
-    </p:extLst>
-  </p:cSld>
-  <p:clrMapOvr>
-    <a:masterClrMapping/>
-  </p:clrMapOvr>
-  <p:timing>
-    <p:tnLst>
-      <p:par>
-        <p:cTn id="1" dur="indefinite" restart="never" nodeType="tmRoot"/>
-      </p:par>
-    </p:tnLst>
-  </p:timing>
-</p:sld>
-</file>
-
-<file path=ppt/slides/slide20.xml><?xml version="1.0" encoding="utf-8"?>
+<file path=ppt/slides/slide17.xml><?xml version="1.0" encoding="utf-8"?>
 <p:sld xmlns:a="http://schemas.openxmlformats.org/drawingml/2006/main" xmlns:r="http://schemas.openxmlformats.org/officeDocument/2006/relationships" xmlns:p="http://schemas.openxmlformats.org/presentationml/2006/main">
   <p:cSld>
     <p:spTree>
@@ -5066,6 +4294,281 @@
     <p:extLst>
       <p:ext uri="{BB962C8B-B14F-4D97-AF65-F5344CB8AC3E}">
         <p14:creationId xmlns:p14="http://schemas.microsoft.com/office/powerpoint/2010/main" val="815730608"/>
+      </p:ext>
+    </p:extLst>
+  </p:cSld>
+  <p:clrMapOvr>
+    <a:masterClrMapping/>
+  </p:clrMapOvr>
+  <p:timing>
+    <p:tnLst>
+      <p:par>
+        <p:cTn id="1" dur="indefinite" restart="never" nodeType="tmRoot"/>
+      </p:par>
+    </p:tnLst>
+  </p:timing>
+</p:sld>
+</file>
+
+<file path=ppt/slides/slide2.xml><?xml version="1.0" encoding="utf-8"?>
+<p:sld xmlns:a="http://schemas.openxmlformats.org/drawingml/2006/main" xmlns:r="http://schemas.openxmlformats.org/officeDocument/2006/relationships" xmlns:p="http://schemas.openxmlformats.org/presentationml/2006/main">
+  <p:cSld>
+    <p:bg>
+      <p:bgPr>
+        <a:blipFill dpi="0" rotWithShape="1">
+          <a:blip r:embed="rId2">
+            <a:lum/>
+          </a:blip>
+          <a:srcRect/>
+          <a:stretch>
+            <a:fillRect/>
+          </a:stretch>
+        </a:blipFill>
+        <a:effectLst/>
+      </p:bgPr>
+    </p:bg>
+    <p:spTree>
+      <p:nvGrpSpPr>
+        <p:cNvPr id="1" name=""/>
+        <p:cNvGrpSpPr/>
+        <p:nvPr/>
+      </p:nvGrpSpPr>
+      <p:grpSpPr>
+        <a:xfrm>
+          <a:off x="0" y="0"/>
+          <a:ext cx="0" cy="0"/>
+          <a:chOff x="0" y="0"/>
+          <a:chExt cx="0" cy="0"/>
+        </a:xfrm>
+      </p:grpSpPr>
+      <p:sp>
+        <p:nvSpPr>
+          <p:cNvPr id="6" name="TextBox 5"/>
+          <p:cNvSpPr txBox="1"/>
+          <p:nvPr/>
+        </p:nvSpPr>
+        <p:spPr>
+          <a:xfrm>
+            <a:off x="621896" y="1551482"/>
+            <a:ext cx="11313429" cy="4031873"/>
+          </a:xfrm>
+          <a:prstGeom prst="rect">
+            <a:avLst/>
+          </a:prstGeom>
+          <a:noFill/>
+        </p:spPr>
+        <p:txBody>
+          <a:bodyPr wrap="square" rtlCol="0">
+            <a:spAutoFit/>
+          </a:bodyPr>
+          <a:lstStyle/>
+          <a:p>
+            <a:r>
+              <a:rPr lang="en-US" sz="3200" dirty="0" smtClean="0">
+                <a:solidFill>
+                  <a:schemeClr val="bg1">
+                    <a:lumMod val="65000"/>
+                  </a:schemeClr>
+                </a:solidFill>
+              </a:rPr>
+              <a:t>library repo: </a:t>
+            </a:r>
+            <a:endParaRPr lang="en-US" sz="3200" dirty="0">
+              <a:solidFill>
+                <a:schemeClr val="bg1">
+                  <a:lumMod val="65000"/>
+                </a:schemeClr>
+              </a:solidFill>
+            </a:endParaRPr>
+          </a:p>
+          <a:p>
+            <a:r>
+              <a:rPr lang="en-US" sz="3200" dirty="0" smtClean="0">
+                <a:solidFill>
+                  <a:schemeClr val="bg1">
+                    <a:lumMod val="65000"/>
+                  </a:schemeClr>
+                </a:solidFill>
+              </a:rPr>
+              <a:t>	</a:t>
+            </a:r>
+            <a:r>
+              <a:rPr lang="en-US" sz="3200" dirty="0" smtClean="0">
+                <a:solidFill>
+                  <a:schemeClr val="accent1">
+                    <a:lumMod val="75000"/>
+                  </a:schemeClr>
+                </a:solidFill>
+              </a:rPr>
+              <a:t>github.com/</a:t>
+            </a:r>
+            <a:r>
+              <a:rPr lang="en-US" sz="3200" dirty="0" err="1" smtClean="0">
+                <a:solidFill>
+                  <a:schemeClr val="accent1">
+                    <a:lumMod val="75000"/>
+                  </a:schemeClr>
+                </a:solidFill>
+              </a:rPr>
+              <a:t>eindacor</a:t>
+            </a:r>
+            <a:r>
+              <a:rPr lang="en-US" sz="3200" dirty="0" smtClean="0">
+                <a:solidFill>
+                  <a:schemeClr val="accent1">
+                    <a:lumMod val="75000"/>
+                  </a:schemeClr>
+                </a:solidFill>
+              </a:rPr>
+              <a:t>/</a:t>
+            </a:r>
+            <a:r>
+              <a:rPr lang="en-US" sz="3200" dirty="0" err="1" smtClean="0">
+                <a:solidFill>
+                  <a:schemeClr val="accent1">
+                    <a:lumMod val="75000"/>
+                  </a:schemeClr>
+                </a:solidFill>
+              </a:rPr>
+              <a:t>JEPbignum</a:t>
+            </a:r>
+            <a:endParaRPr lang="en-US" sz="3200" dirty="0" smtClean="0">
+              <a:solidFill>
+                <a:schemeClr val="accent1">
+                  <a:lumMod val="75000"/>
+                </a:schemeClr>
+              </a:solidFill>
+            </a:endParaRPr>
+          </a:p>
+          <a:p>
+            <a:endParaRPr lang="en-US" sz="3200" dirty="0" smtClean="0">
+              <a:solidFill>
+                <a:schemeClr val="accent1">
+                  <a:lumMod val="75000"/>
+                </a:schemeClr>
+              </a:solidFill>
+            </a:endParaRPr>
+          </a:p>
+          <a:p>
+            <a:r>
+              <a:rPr lang="en-US" sz="3200" dirty="0" smtClean="0">
+                <a:solidFill>
+                  <a:schemeClr val="bg1">
+                    <a:lumMod val="65000"/>
+                  </a:schemeClr>
+                </a:solidFill>
+              </a:rPr>
+              <a:t>calculator repo:</a:t>
+            </a:r>
+          </a:p>
+          <a:p>
+            <a:r>
+              <a:rPr lang="en-US" sz="3200" dirty="0">
+                <a:solidFill>
+                  <a:schemeClr val="bg1">
+                    <a:lumMod val="65000"/>
+                  </a:schemeClr>
+                </a:solidFill>
+              </a:rPr>
+              <a:t>	</a:t>
+            </a:r>
+            <a:r>
+              <a:rPr lang="en-US" sz="3200" dirty="0" smtClean="0">
+                <a:solidFill>
+                  <a:schemeClr val="accent1">
+                    <a:lumMod val="75000"/>
+                  </a:schemeClr>
+                </a:solidFill>
+              </a:rPr>
+              <a:t>github.com/</a:t>
+            </a:r>
+            <a:r>
+              <a:rPr lang="en-US" sz="3200" dirty="0" err="1" smtClean="0">
+                <a:solidFill>
+                  <a:schemeClr val="accent1">
+                    <a:lumMod val="75000"/>
+                  </a:schemeClr>
+                </a:solidFill>
+              </a:rPr>
+              <a:t>eindacor</a:t>
+            </a:r>
+            <a:r>
+              <a:rPr lang="en-US" sz="3200" dirty="0" smtClean="0">
+                <a:solidFill>
+                  <a:schemeClr val="accent1">
+                    <a:lumMod val="75000"/>
+                  </a:schemeClr>
+                </a:solidFill>
+              </a:rPr>
+              <a:t>/</a:t>
+            </a:r>
+            <a:r>
+              <a:rPr lang="en-US" sz="3200" dirty="0" err="1" smtClean="0">
+                <a:solidFill>
+                  <a:schemeClr val="accent1">
+                    <a:lumMod val="75000"/>
+                  </a:schemeClr>
+                </a:solidFill>
+              </a:rPr>
+              <a:t>JEPbignum_calculator</a:t>
+            </a:r>
+            <a:endParaRPr lang="en-US" sz="3200" dirty="0" smtClean="0">
+              <a:solidFill>
+                <a:schemeClr val="accent1">
+                  <a:lumMod val="75000"/>
+                </a:schemeClr>
+              </a:solidFill>
+            </a:endParaRPr>
+          </a:p>
+          <a:p>
+            <a:endParaRPr lang="en-US" sz="3200" dirty="0" smtClean="0">
+              <a:solidFill>
+                <a:schemeClr val="accent1">
+                  <a:lumMod val="75000"/>
+                </a:schemeClr>
+              </a:solidFill>
+            </a:endParaRPr>
+          </a:p>
+          <a:p>
+            <a:r>
+              <a:rPr lang="en-US" sz="3200" dirty="0" smtClean="0">
+                <a:solidFill>
+                  <a:schemeClr val="bg1">
+                    <a:lumMod val="65000"/>
+                  </a:schemeClr>
+                </a:solidFill>
+              </a:rPr>
+              <a:t>library docs: 		</a:t>
+            </a:r>
+          </a:p>
+          <a:p>
+            <a:r>
+              <a:rPr lang="en-US" sz="3200" dirty="0">
+                <a:solidFill>
+                  <a:schemeClr val="bg1">
+                    <a:lumMod val="65000"/>
+                  </a:schemeClr>
+                </a:solidFill>
+              </a:rPr>
+              <a:t>	</a:t>
+            </a:r>
+            <a:r>
+              <a:rPr lang="en-US" sz="3200" dirty="0" smtClean="0">
+                <a:solidFill>
+                  <a:schemeClr val="accent1">
+                    <a:lumMod val="75000"/>
+                  </a:schemeClr>
+                </a:solidFill>
+              </a:rPr>
+              <a:t>github.com/eindacor/JEPbignum/blob/master/README.md</a:t>
+            </a:r>
+          </a:p>
+        </p:txBody>
+      </p:sp>
+    </p:spTree>
+    <p:extLst>
+      <p:ext uri="{BB962C8B-B14F-4D97-AF65-F5344CB8AC3E}">
+        <p14:creationId xmlns:p14="http://schemas.microsoft.com/office/powerpoint/2010/main" val="2049387764"/>
       </p:ext>
     </p:extLst>
   </p:cSld>
@@ -5352,7 +4855,7 @@
       </p:grpSpPr>
       <p:pic>
         <p:nvPicPr>
-          <p:cNvPr id="6" name="Picture 5"/>
+          <p:cNvPr id="11" name="Picture 10"/>
           <p:cNvPicPr>
             <a:picLocks noChangeAspect="1"/>
           </p:cNvPicPr>
@@ -5372,7 +4875,7 @@
         </p:blipFill>
         <p:spPr>
           <a:xfrm>
-            <a:off x="1872877" y="2602884"/>
+            <a:off x="1872877" y="2602883"/>
             <a:ext cx="8421317" cy="2347808"/>
           </a:xfrm>
           <a:prstGeom prst="rect">
@@ -5383,7 +4886,7 @@
     </p:spTree>
     <p:extLst>
       <p:ext uri="{BB962C8B-B14F-4D97-AF65-F5344CB8AC3E}">
-        <p14:creationId xmlns:p14="http://schemas.microsoft.com/office/powerpoint/2010/main" val="3591094638"/>
+        <p14:creationId xmlns:p14="http://schemas.microsoft.com/office/powerpoint/2010/main" val="2808229729"/>
       </p:ext>
     </p:extLst>
   </p:cSld>
@@ -5433,7 +4936,7 @@
       </p:grpSpPr>
       <p:pic>
         <p:nvPicPr>
-          <p:cNvPr id="11" name="Picture 10"/>
+          <p:cNvPr id="3" name="Picture 2"/>
           <p:cNvPicPr>
             <a:picLocks noChangeAspect="1"/>
           </p:cNvPicPr>
@@ -5453,8 +4956,8 @@
         </p:blipFill>
         <p:spPr>
           <a:xfrm>
-            <a:off x="1872877" y="2602883"/>
-            <a:ext cx="8421317" cy="2347808"/>
+            <a:off x="2334468" y="3284678"/>
+            <a:ext cx="7259409" cy="3254668"/>
           </a:xfrm>
           <a:prstGeom prst="rect">
             <a:avLst/>
@@ -5464,7 +4967,7 @@
     </p:spTree>
     <p:extLst>
       <p:ext uri="{BB962C8B-B14F-4D97-AF65-F5344CB8AC3E}">
-        <p14:creationId xmlns:p14="http://schemas.microsoft.com/office/powerpoint/2010/main" val="2808229729"/>
+        <p14:creationId xmlns:p14="http://schemas.microsoft.com/office/powerpoint/2010/main" val="2916988517"/>
       </p:ext>
     </p:extLst>
   </p:cSld>
@@ -5545,7 +5048,7 @@
     </p:spTree>
     <p:extLst>
       <p:ext uri="{BB962C8B-B14F-4D97-AF65-F5344CB8AC3E}">
-        <p14:creationId xmlns:p14="http://schemas.microsoft.com/office/powerpoint/2010/main" val="2916988517"/>
+        <p14:creationId xmlns:p14="http://schemas.microsoft.com/office/powerpoint/2010/main" val="2026776880"/>
       </p:ext>
     </p:extLst>
   </p:cSld>
@@ -5615,8 +5118,8 @@
         </p:blipFill>
         <p:spPr>
           <a:xfrm>
-            <a:off x="2334468" y="3284678"/>
-            <a:ext cx="7259409" cy="3254668"/>
+            <a:off x="2334469" y="3284678"/>
+            <a:ext cx="7259407" cy="3254667"/>
           </a:xfrm>
           <a:prstGeom prst="rect">
             <a:avLst/>
@@ -5626,7 +5129,7 @@
     </p:spTree>
     <p:extLst>
       <p:ext uri="{BB962C8B-B14F-4D97-AF65-F5344CB8AC3E}">
-        <p14:creationId xmlns:p14="http://schemas.microsoft.com/office/powerpoint/2010/main" val="2026776880"/>
+        <p14:creationId xmlns:p14="http://schemas.microsoft.com/office/powerpoint/2010/main" val="1407309580"/>
       </p:ext>
     </p:extLst>
   </p:cSld>
